--- a/3. Predicting Taxi Ride Duration/Slides/3.1.pptx
+++ b/3. Predicting Taxi Ride Duration/Slides/3.1.pptx
@@ -3733,15 +3733,15 @@
             </a:pPr>
             <a:r>
               <a:rPr lang="en-US" dirty="0"/>
-              <a:t>Expected to take about a few days to train on a decent spec </a:t>
+              <a:t>I could pre-process the green taxi file in under an hour on a decent spec </a:t>
             </a:r>
             <a:r>
               <a:rPr lang="en-US" dirty="0" err="1"/>
-              <a:t>Macbook</a:t>
+              <a:t>macbook</a:t>
             </a:r>
             <a:r>
               <a:rPr lang="en-US" dirty="0"/>
-              <a:t> Pro</a:t>
+              <a:t> pro, but I needed a server with 48GB memory and 2 cores to pre-process the yellow taxi file (it’s circa 10x bigger!)</a:t>
             </a:r>
           </a:p>
           <a:p>
@@ -3751,51 +3751,7 @@
               </a:spcBef>
               <a:buNone/>
             </a:pPr>
-            <a:r>
-              <a:rPr lang="en-US" dirty="0"/>
-              <a:t>Took approx. 5 hours on a 2core 13GB VM in Google cloud using a Nvidia K80 GPU</a:t>
-            </a:r>
-          </a:p>
-          <a:p>
-            <a:pPr lvl="0" rtl="0">
-              <a:spcBef>
-                <a:spcPts val="0"/>
-              </a:spcBef>
-              <a:buNone/>
-            </a:pPr>
-            <a:r>
-              <a:rPr lang="en-US" dirty="0"/>
-              <a:t>However, I’ve provided a pre-trained model so you can still work with the code and understand what it is doing</a:t>
-            </a:r>
-          </a:p>
-          <a:p>
-            <a:pPr lvl="0" rtl="0">
-              <a:spcBef>
-                <a:spcPts val="0"/>
-              </a:spcBef>
-              <a:buNone/>
-            </a:pPr>
             <a:endParaRPr lang="en-US" dirty="0"/>
-          </a:p>
-          <a:p>
-            <a:pPr lvl="0" rtl="0">
-              <a:spcBef>
-                <a:spcPts val="0"/>
-              </a:spcBef>
-              <a:buNone/>
-            </a:pPr>
-            <a:r>
-              <a:rPr lang="en-US" dirty="0"/>
-              <a:t>Note that at this point in time, </a:t>
-            </a:r>
-            <a:r>
-              <a:rPr lang="en-US" dirty="0" err="1"/>
-              <a:t>Tensorflow</a:t>
-            </a:r>
-            <a:r>
-              <a:rPr lang="en-US" dirty="0"/>
-              <a:t> wasn’t compatible with Python 3.7. I used Python 3.6 and TF 1.11 here!</a:t>
-            </a:r>
           </a:p>
           <a:p>
             <a:pPr lvl="0" rtl="0">
@@ -9832,7 +9788,7 @@
 </file>
 
 <file path=ppt/slides/slide7.xml><?xml version="1.0" encoding="utf-8"?>
-<p:sld xmlns:a="http://schemas.openxmlformats.org/drawingml/2006/main" xmlns:r="http://schemas.openxmlformats.org/officeDocument/2006/relationships" xmlns:p="http://schemas.openxmlformats.org/presentationml/2006/main" show="0">
+<p:sld xmlns:a="http://schemas.openxmlformats.org/drawingml/2006/main" xmlns:r="http://schemas.openxmlformats.org/officeDocument/2006/relationships" xmlns:p="http://schemas.openxmlformats.org/presentationml/2006/main">
   <p:cSld>
     <p:bg>
       <p:bgPr>
@@ -9903,7 +9859,7 @@
 </file>
 
 <file path=ppt/slides/slide8.xml><?xml version="1.0" encoding="utf-8"?>
-<p:sld xmlns:a="http://schemas.openxmlformats.org/drawingml/2006/main" xmlns:r="http://schemas.openxmlformats.org/officeDocument/2006/relationships" xmlns:p="http://schemas.openxmlformats.org/presentationml/2006/main" show="0">
+<p:sld xmlns:a="http://schemas.openxmlformats.org/drawingml/2006/main" xmlns:r="http://schemas.openxmlformats.org/officeDocument/2006/relationships" xmlns:p="http://schemas.openxmlformats.org/presentationml/2006/main">
   <p:cSld>
     <p:spTree>
       <p:nvGrpSpPr>
@@ -10108,7 +10064,7 @@
 </file>
 
 <file path=ppt/slides/slide9.xml><?xml version="1.0" encoding="utf-8"?>
-<p:sld xmlns:a="http://schemas.openxmlformats.org/drawingml/2006/main" xmlns:r="http://schemas.openxmlformats.org/officeDocument/2006/relationships" xmlns:p="http://schemas.openxmlformats.org/presentationml/2006/main" show="0">
+<p:sld xmlns:a="http://schemas.openxmlformats.org/drawingml/2006/main" xmlns:r="http://schemas.openxmlformats.org/officeDocument/2006/relationships" xmlns:p="http://schemas.openxmlformats.org/presentationml/2006/main">
   <p:cSld>
     <p:spTree>
       <p:nvGrpSpPr>
@@ -10194,23 +10150,23 @@
                   <a:srgbClr val="434343"/>
                 </a:solidFill>
               </a:rPr>
-              <a:t>This model requires a powerful PC, preferably with a GPU, or use of a cloud GPU instance</a:t>
-            </a:r>
-          </a:p>
-          <a:p>
-            <a:pPr marL="914507" indent="-711281">
-              <a:buClr>
-                <a:srgbClr val="434343"/>
-              </a:buClr>
-              <a:buChar char="●"/>
-            </a:pPr>
+              <a:t>This model requires a powerful </a:t>
+            </a:r>
+            <a:r>
+              <a:rPr lang="en-US" sz="4002" dirty="0" err="1">
+                <a:solidFill>
+                  <a:srgbClr val="434343"/>
+                </a:solidFill>
+              </a:rPr>
+              <a:t>PCwith</a:t>
+            </a:r>
             <a:r>
               <a:rPr lang="en-US" sz="4002" dirty="0">
                 <a:solidFill>
                   <a:srgbClr val="434343"/>
                 </a:solidFill>
               </a:rPr>
-              <a:t>It took many hours to train to a level where the predicted angles were accurate enough for demo purposes</a:t>
+              <a:t> a GPU, or use of a cloud GPU instance</a:t>
             </a:r>
           </a:p>
           <a:p>
@@ -10226,20 +10182,68 @@
                   <a:srgbClr val="434343"/>
                 </a:solidFill>
               </a:rPr>
-              <a:t>Please check Python version compatibility with </a:t>
-            </a:r>
-            <a:r>
-              <a:rPr lang="en-US" sz="4002" dirty="0" err="1">
+              <a:t>The dataset is large and required </a:t>
+            </a:r>
+            <a:r>
+              <a:rPr lang="en-US" sz="4002">
                 <a:solidFill>
                   <a:srgbClr val="434343"/>
                 </a:solidFill>
               </a:rPr>
-              <a:t>Tensorflow</a:t>
+              <a:t>~48GB </a:t>
             </a:r>
             <a:r>
               <a:rPr lang="en-US" sz="4002" dirty="0">
                 <a:solidFill>
                   <a:srgbClr val="434343"/>
+                </a:solidFill>
+              </a:rPr>
+              <a:t>of memory to pre-process</a:t>
+            </a:r>
+          </a:p>
+          <a:p>
+            <a:pPr marL="914507" indent="-711281">
+              <a:buClr>
+                <a:srgbClr val="434343"/>
+              </a:buClr>
+              <a:buChar char="●"/>
+            </a:pPr>
+            <a:r>
+              <a:rPr lang="en-US" sz="4002" dirty="0">
+                <a:solidFill>
+                  <a:schemeClr val="tx2"/>
+                </a:solidFill>
+              </a:rPr>
+              <a:t>It took many hours to train to a level where the predicted angles were accurate enough for demo purposes</a:t>
+            </a:r>
+          </a:p>
+          <a:p>
+            <a:pPr marL="914507" indent="-711281">
+              <a:buClr>
+                <a:srgbClr val="434343"/>
+              </a:buClr>
+              <a:buChar char="●"/>
+            </a:pPr>
+            <a:r>
+              <a:rPr lang="en-US" sz="4002" dirty="0">
+                <a:solidFill>
+                  <a:schemeClr val="tx2"/>
+                </a:solidFill>
+              </a:rPr>
+              <a:t>Please check Python version compatibility with </a:t>
+            </a:r>
+            <a:r>
+              <a:rPr lang="en-US" sz="4002" dirty="0" err="1">
+                <a:solidFill>
+                  <a:schemeClr val="tx2"/>
+                </a:solidFill>
+              </a:rPr>
+              <a:t>Tensorflow</a:t>
+            </a:r>
+            <a:r>
+              <a:rPr lang="en-US" sz="4002" dirty="0">
+                <a:solidFill>
+                  <a:schemeClr val="tx2"/>
                 </a:solidFill>
               </a:rPr>
               <a:t>!</a:t>

--- a/3. Predicting Taxi Ride Duration/Slides/3.1.pptx
+++ b/3. Predicting Taxi Ride Duration/Slides/3.1.pptx
@@ -3741,7 +3741,7 @@
             </a:r>
             <a:r>
               <a:rPr lang="en-US" dirty="0"/>
-              <a:t> pro, but I needed a server with 48GB memory and 2 cores to pre-process the yellow taxi file (it’s circa 10x bigger!)</a:t>
+              <a:t> pro, but I used a server with 48GB memory and 2 cores to pre-process the yellow taxi file (it’s circa 10x bigger!)</a:t>
             </a:r>
           </a:p>
           <a:p>
@@ -5972,7 +5972,7 @@
 </file>
 
 <file path=ppt/slides/slide10.xml><?xml version="1.0" encoding="utf-8"?>
-<p:sld xmlns:a="http://schemas.openxmlformats.org/drawingml/2006/main" xmlns:r="http://schemas.openxmlformats.org/officeDocument/2006/relationships" xmlns:p="http://schemas.openxmlformats.org/presentationml/2006/main" show="0">
+<p:sld xmlns:a="http://schemas.openxmlformats.org/drawingml/2006/main" xmlns:r="http://schemas.openxmlformats.org/officeDocument/2006/relationships" xmlns:p="http://schemas.openxmlformats.org/presentationml/2006/main">
   <p:cSld>
     <p:spTree>
       <p:nvGrpSpPr>
@@ -6058,30 +6058,33 @@
                   <a:srgbClr val="434343"/>
                 </a:solidFill>
               </a:rPr>
-              <a:t>The dataset is available here:</a:t>
-            </a:r>
-          </a:p>
-          <a:p>
-            <a:pPr marL="914507" indent="-711281">
-              <a:buClr>
-                <a:srgbClr val="434343"/>
-              </a:buClr>
-              <a:buChar char="●"/>
-            </a:pPr>
-            <a:endParaRPr lang="en-US" sz="4002" dirty="0">
-              <a:solidFill>
-                <a:srgbClr val="434343"/>
-              </a:solidFill>
-            </a:endParaRPr>
-          </a:p>
-          <a:p>
-            <a:pPr marL="914507" indent="-711281">
-              <a:buClr>
-                <a:srgbClr val="434343"/>
-              </a:buClr>
-              <a:buChar char="●"/>
-            </a:pPr>
-            <a:endParaRPr lang="en-US" sz="4002" dirty="0">
+              <a:t>Working with yellow cab taxis in New York City </a:t>
+            </a:r>
+          </a:p>
+          <a:p>
+            <a:pPr marL="203226" lvl="1">
+              <a:buClr>
+                <a:srgbClr val="434343"/>
+              </a:buClr>
+            </a:pPr>
+            <a:r>
+              <a:rPr lang="en-US" sz="3801" dirty="0">
+                <a:solidFill>
+                  <a:srgbClr val="434343"/>
+                </a:solidFill>
+              </a:rPr>
+              <a:t>	</a:t>
+            </a:r>
+            <a:r>
+              <a:rPr lang="en-US" sz="2400" dirty="0">
+                <a:solidFill>
+                  <a:srgbClr val="434343"/>
+                </a:solidFill>
+                <a:hlinkClick r:id="rId3"/>
+              </a:rPr>
+              <a:t>https://goo.gl/maps/JLf7EkCzGsP2</a:t>
+            </a:r>
+            <a:endParaRPr lang="en-US" sz="2400" dirty="0">
               <a:solidFill>
                 <a:srgbClr val="434343"/>
               </a:solidFill>
@@ -6100,8 +6103,141 @@
                   <a:srgbClr val="434343"/>
                 </a:solidFill>
               </a:rPr>
-              <a:t>You can download it with the following script:</a:t>
-            </a:r>
+              <a:t>A full set of taxi trip data for several years is available here:</a:t>
+            </a:r>
+          </a:p>
+          <a:p>
+            <a:pPr marL="203226">
+              <a:buClr>
+                <a:srgbClr val="434343"/>
+              </a:buClr>
+            </a:pPr>
+            <a:r>
+              <a:rPr lang="en-US" sz="4002" dirty="0">
+                <a:solidFill>
+                  <a:srgbClr val="434343"/>
+                </a:solidFill>
+              </a:rPr>
+              <a:t>	</a:t>
+            </a:r>
+            <a:r>
+              <a:rPr lang="en-US" sz="2400" dirty="0">
+                <a:solidFill>
+                  <a:srgbClr val="434343"/>
+                </a:solidFill>
+                <a:hlinkClick r:id="rId4"/>
+              </a:rPr>
+              <a:t>http://www.nyc.gov/html/tlc/html/about/trip_record_data.shtml</a:t>
+            </a:r>
+            <a:r>
+              <a:rPr lang="en-US" sz="2400" dirty="0">
+                <a:solidFill>
+                  <a:srgbClr val="434343"/>
+                </a:solidFill>
+              </a:rPr>
+              <a:t> </a:t>
+            </a:r>
+            <a:endParaRPr lang="en-US" sz="4002" dirty="0">
+              <a:solidFill>
+                <a:srgbClr val="434343"/>
+              </a:solidFill>
+            </a:endParaRPr>
+          </a:p>
+          <a:p>
+            <a:pPr marL="914507" indent="-711281">
+              <a:buClr>
+                <a:srgbClr val="434343"/>
+              </a:buClr>
+              <a:buChar char="●"/>
+            </a:pPr>
+            <a:r>
+              <a:rPr lang="en-US" sz="4002" dirty="0">
+                <a:solidFill>
+                  <a:srgbClr val="434343"/>
+                </a:solidFill>
+              </a:rPr>
+              <a:t>We will work with June 2018 data for this section</a:t>
+            </a:r>
+          </a:p>
+          <a:p>
+            <a:pPr marL="914507" indent="-711281">
+              <a:buClr>
+                <a:srgbClr val="434343"/>
+              </a:buClr>
+              <a:buChar char="●"/>
+            </a:pPr>
+            <a:r>
+              <a:rPr lang="en-US" sz="4002" dirty="0">
+                <a:solidFill>
+                  <a:srgbClr val="434343"/>
+                </a:solidFill>
+              </a:rPr>
+              <a:t>You can download it with the following script in /data:</a:t>
+            </a:r>
+          </a:p>
+          <a:p>
+            <a:pPr marL="203226">
+              <a:buClr>
+                <a:srgbClr val="434343"/>
+              </a:buClr>
+            </a:pPr>
+            <a:r>
+              <a:rPr lang="en-US" sz="4002" dirty="0">
+                <a:solidFill>
+                  <a:srgbClr val="434343"/>
+                </a:solidFill>
+              </a:rPr>
+              <a:t>	</a:t>
+            </a:r>
+            <a:r>
+              <a:rPr lang="en-US" sz="3600" dirty="0">
+                <a:solidFill>
+                  <a:srgbClr val="434343"/>
+                </a:solidFill>
+                <a:latin typeface="Consolas" panose="020B0609020204030204" pitchFamily="49" charset="0"/>
+                <a:cs typeface="Consolas" panose="020B0609020204030204" pitchFamily="49" charset="0"/>
+              </a:rPr>
+              <a:t>bash </a:t>
+            </a:r>
+            <a:r>
+              <a:rPr lang="en-US" sz="3600" dirty="0" err="1">
+                <a:solidFill>
+                  <a:srgbClr val="434343"/>
+                </a:solidFill>
+                <a:latin typeface="Consolas" panose="020B0609020204030204" pitchFamily="49" charset="0"/>
+                <a:cs typeface="Consolas" panose="020B0609020204030204" pitchFamily="49" charset="0"/>
+              </a:rPr>
+              <a:t>downloads.sh</a:t>
+            </a:r>
+            <a:endParaRPr lang="en-US" sz="3600" dirty="0">
+              <a:solidFill>
+                <a:srgbClr val="434343"/>
+              </a:solidFill>
+              <a:latin typeface="Consolas" panose="020B0609020204030204" pitchFamily="49" charset="0"/>
+              <a:cs typeface="Consolas" panose="020B0609020204030204" pitchFamily="49" charset="0"/>
+            </a:endParaRPr>
+          </a:p>
+          <a:p>
+            <a:pPr marL="203226">
+              <a:buClr>
+                <a:srgbClr val="434343"/>
+              </a:buClr>
+            </a:pPr>
+            <a:r>
+              <a:rPr lang="en-US" sz="3600" dirty="0">
+                <a:solidFill>
+                  <a:srgbClr val="434343"/>
+                </a:solidFill>
+                <a:latin typeface="Consolas" panose="020B0609020204030204" pitchFamily="49" charset="0"/>
+                <a:cs typeface="Consolas" panose="020B0609020204030204" pitchFamily="49" charset="0"/>
+              </a:rPr>
+              <a:t>	</a:t>
+            </a:r>
+            <a:endParaRPr lang="en-US" sz="4002" dirty="0">
+              <a:solidFill>
+                <a:srgbClr val="434343"/>
+              </a:solidFill>
+            </a:endParaRPr>
           </a:p>
           <a:p>
             <a:pPr marL="914507" indent="-711281">
@@ -10182,23 +10318,7 @@
                   <a:srgbClr val="434343"/>
                 </a:solidFill>
               </a:rPr>
-              <a:t>The dataset is large and required </a:t>
-            </a:r>
-            <a:r>
-              <a:rPr lang="en-US" sz="4002">
-                <a:solidFill>
-                  <a:srgbClr val="434343"/>
-                </a:solidFill>
-              </a:rPr>
-              <a:t>~48GB </a:t>
-            </a:r>
-            <a:r>
-              <a:rPr lang="en-US" sz="4002" dirty="0">
-                <a:solidFill>
-                  <a:srgbClr val="434343"/>
-                </a:solidFill>
-              </a:rPr>
-              <a:t>of memory to pre-process</a:t>
+              <a:t>The dataset is large and required ~32GB of memory to pre-process</a:t>
             </a:r>
           </a:p>
           <a:p>

--- a/3. Predicting Taxi Ride Duration/Slides/3.1.pptx
+++ b/3. Predicting Taxi Ride Duration/Slides/3.1.pptx
@@ -5,58 +5,57 @@
     <p:sldMasterId id="2147483669" r:id="rId1"/>
   </p:sldMasterIdLst>
   <p:notesMasterIdLst>
-    <p:notesMasterId r:id="rId27"/>
+    <p:notesMasterId r:id="rId26"/>
   </p:notesMasterIdLst>
   <p:sldIdLst>
     <p:sldId id="291" r:id="rId2"/>
     <p:sldId id="274" r:id="rId3"/>
     <p:sldId id="304" r:id="rId4"/>
-    <p:sldId id="284" r:id="rId5"/>
-    <p:sldId id="286" r:id="rId6"/>
-    <p:sldId id="277" r:id="rId7"/>
-    <p:sldId id="306" r:id="rId8"/>
-    <p:sldId id="285" r:id="rId9"/>
-    <p:sldId id="314" r:id="rId10"/>
-    <p:sldId id="315" r:id="rId11"/>
-    <p:sldId id="316" r:id="rId12"/>
+    <p:sldId id="320" r:id="rId5"/>
+    <p:sldId id="321" r:id="rId6"/>
+    <p:sldId id="314" r:id="rId7"/>
+    <p:sldId id="315" r:id="rId8"/>
+    <p:sldId id="306" r:id="rId9"/>
+    <p:sldId id="285" r:id="rId10"/>
+    <p:sldId id="316" r:id="rId11"/>
+    <p:sldId id="322" r:id="rId12"/>
     <p:sldId id="305" r:id="rId13"/>
     <p:sldId id="299" r:id="rId14"/>
     <p:sldId id="308" r:id="rId15"/>
-    <p:sldId id="309" r:id="rId16"/>
-    <p:sldId id="311" r:id="rId17"/>
-    <p:sldId id="310" r:id="rId18"/>
-    <p:sldId id="318" r:id="rId19"/>
-    <p:sldId id="312" r:id="rId20"/>
-    <p:sldId id="313" r:id="rId21"/>
-    <p:sldId id="307" r:id="rId22"/>
-    <p:sldId id="303" r:id="rId23"/>
-    <p:sldId id="319" r:id="rId24"/>
-    <p:sldId id="317" r:id="rId25"/>
-    <p:sldId id="301" r:id="rId26"/>
+    <p:sldId id="311" r:id="rId16"/>
+    <p:sldId id="310" r:id="rId17"/>
+    <p:sldId id="318" r:id="rId18"/>
+    <p:sldId id="312" r:id="rId19"/>
+    <p:sldId id="313" r:id="rId20"/>
+    <p:sldId id="307" r:id="rId21"/>
+    <p:sldId id="303" r:id="rId22"/>
+    <p:sldId id="319" r:id="rId23"/>
+    <p:sldId id="317" r:id="rId24"/>
+    <p:sldId id="301" r:id="rId25"/>
   </p:sldIdLst>
   <p:sldSz cx="18288000" cy="10282238"/>
   <p:notesSz cx="6858000" cy="9144000"/>
   <p:embeddedFontLst>
     <p:embeddedFont>
       <p:font typeface="Calibri" panose="020F0502020204030204" pitchFamily="34" charset="0"/>
-      <p:regular r:id="rId28"/>
-      <p:bold r:id="rId29"/>
-      <p:italic r:id="rId30"/>
-      <p:boldItalic r:id="rId31"/>
+      <p:regular r:id="rId27"/>
+      <p:bold r:id="rId28"/>
+      <p:italic r:id="rId29"/>
+      <p:boldItalic r:id="rId30"/>
     </p:embeddedFont>
     <p:embeddedFont>
       <p:font typeface="Consolas" panose="020B0609020204030204" pitchFamily="49" charset="0"/>
-      <p:regular r:id="rId32"/>
-      <p:bold r:id="rId33"/>
-      <p:italic r:id="rId34"/>
-      <p:boldItalic r:id="rId35"/>
+      <p:regular r:id="rId31"/>
+      <p:bold r:id="rId32"/>
+      <p:italic r:id="rId33"/>
+      <p:boldItalic r:id="rId34"/>
     </p:embeddedFont>
     <p:embeddedFont>
       <p:font typeface="Roboto" panose="02000000000000000000" pitchFamily="2" charset="0"/>
-      <p:regular r:id="rId36"/>
-      <p:bold r:id="rId37"/>
-      <p:italic r:id="rId38"/>
-      <p:boldItalic r:id="rId39"/>
+      <p:regular r:id="rId35"/>
+      <p:bold r:id="rId36"/>
+      <p:italic r:id="rId37"/>
+      <p:boldItalic r:id="rId38"/>
     </p:embeddedFont>
   </p:embeddedFontLst>
   <p:defaultTextStyle>
@@ -280,33 +279,6 @@
 </p:presentation>
 </file>
 
-<file path=ppt/ink/ink1.xml><?xml version="1.0" encoding="utf-8"?>
-<inkml:ink xmlns:inkml="http://www.w3.org/2003/InkML">
-  <inkml:definitions>
-    <inkml:context xml:id="ctx0">
-      <inkml:inkSource xml:id="inkSrc0">
-        <inkml:traceFormat>
-          <inkml:channel name="X" type="integer" min="-2.14748E9" max="2.14748E9" units="cm"/>
-          <inkml:channel name="Y" type="integer" min="-2.14748E9" max="2.14748E9" units="cm"/>
-          <inkml:channel name="F" type="integer" max="32767" units="dev"/>
-        </inkml:traceFormat>
-        <inkml:channelProperties>
-          <inkml:channelProperty channel="X" name="resolution" value="1000" units="1/cm"/>
-          <inkml:channelProperty channel="Y" name="resolution" value="1000" units="1/cm"/>
-          <inkml:channelProperty channel="F" name="resolution" value="0" units="1/dev"/>
-        </inkml:channelProperties>
-      </inkml:inkSource>
-      <inkml:timestamp xml:id="ts0" timeString="2018-11-16T09:30:07.210"/>
-    </inkml:context>
-    <inkml:brush xml:id="br0">
-      <inkml:brushProperty name="width" value="0.05" units="cm"/>
-      <inkml:brushProperty name="height" value="0.05" units="cm"/>
-    </inkml:brush>
-  </inkml:definitions>
-  <inkml:trace contextRef="#ctx0" brushRef="#br0">13 13 24575,'-12'-13'0</inkml:trace>
-</inkml:ink>
-</file>
-
 <file path=ppt/notesMasters/notesMaster1.xml><?xml version="1.0" encoding="utf-8"?>
 <p:notesMaster xmlns:a="http://schemas.openxmlformats.org/drawingml/2006/main" xmlns:r="http://schemas.openxmlformats.org/officeDocument/2006/relationships" xmlns:p="http://schemas.openxmlformats.org/presentationml/2006/main">
   <p:cSld>
@@ -660,7 +632,19 @@
             </a:pPr>
             <a:r>
               <a:rPr lang="en-US" dirty="0"/>
-              <a:t>In this section we are going to look at some of the computer vision and AI technology used in self driving cars, specifically an approach to predict the steering angle based on a feed of images of the road ahead.</a:t>
+              <a:t>Welcome to section 3.</a:t>
+            </a:r>
+          </a:p>
+          <a:p>
+            <a:pPr lvl="0" rtl="0">
+              <a:spcBef>
+                <a:spcPts val="0"/>
+              </a:spcBef>
+              <a:buNone/>
+            </a:pPr>
+            <a:r>
+              <a:rPr lang="en-US" dirty="0"/>
+              <a:t>In previous sections we’ve used a number of pre-trained models and algorithms to develop our solutions.  In this section, we’ll be taking tackling a much harder problem of predicting taxi journey times.  </a:t>
             </a:r>
             <a:endParaRPr dirty="0"/>
           </a:p>
@@ -684,7 +668,7 @@
   <p:cSld>
     <p:spTree>
       <p:nvGrpSpPr>
-        <p:cNvPr id="1" name="Shape 144"/>
+        <p:cNvPr id="1" name="Shape 169"/>
         <p:cNvGrpSpPr/>
         <p:nvPr/>
       </p:nvGrpSpPr>
@@ -698,7 +682,7 @@
       </p:grpSpPr>
       <p:sp>
         <p:nvSpPr>
-          <p:cNvPr id="145" name="Shape 145"/>
+          <p:cNvPr id="170" name="Shape 170"/>
           <p:cNvSpPr>
             <a:spLocks noGrp="1" noRot="1" noChangeAspect="1"/>
           </p:cNvSpPr>
@@ -739,7 +723,7 @@
       </p:sp>
       <p:sp>
         <p:nvSpPr>
-          <p:cNvPr id="146" name="Shape 146"/>
+          <p:cNvPr id="171" name="Shape 171"/>
           <p:cNvSpPr txBox="1">
             <a:spLocks noGrp="1"/>
           </p:cNvSpPr>
@@ -780,6 +764,26 @@
               </a:spcBef>
               <a:buNone/>
             </a:pPr>
+            <a:endParaRPr lang="en-US"/>
+          </a:p>
+          <a:p>
+            <a:pPr marL="0" marR="0" lvl="0" indent="0" algn="l" defTabSz="1828145" rtl="0" eaLnBrk="1" fontAlgn="auto" latinLnBrk="0" hangingPunct="1">
+              <a:lnSpc>
+                <a:spcPct val="100000"/>
+              </a:lnSpc>
+              <a:spcBef>
+                <a:spcPts val="0"/>
+              </a:spcBef>
+              <a:spcAft>
+                <a:spcPts val="0"/>
+              </a:spcAft>
+              <a:buClrTx/>
+              <a:buSzTx/>
+              <a:buFontTx/>
+              <a:buNone/>
+              <a:tabLst/>
+              <a:defRPr/>
+            </a:pPr>
             <a:endParaRPr lang="en-US" dirty="0"/>
           </a:p>
           <a:p>
@@ -796,7 +800,7 @@
     </p:spTree>
     <p:extLst>
       <p:ext uri="{BB962C8B-B14F-4D97-AF65-F5344CB8AC3E}">
-        <p14:creationId xmlns:p14="http://schemas.microsoft.com/office/powerpoint/2010/main" val="3857273632"/>
+        <p14:creationId xmlns:p14="http://schemas.microsoft.com/office/powerpoint/2010/main" val="2790484997"/>
       </p:ext>
     </p:extLst>
   </p:cSld>
@@ -811,7 +815,7 @@
   <p:cSld>
     <p:spTree>
       <p:nvGrpSpPr>
-        <p:cNvPr id="1" name="Shape 169"/>
+        <p:cNvPr id="1" name="Shape 144"/>
         <p:cNvGrpSpPr/>
         <p:nvPr/>
       </p:nvGrpSpPr>
@@ -825,7 +829,7 @@
       </p:grpSpPr>
       <p:sp>
         <p:nvSpPr>
-          <p:cNvPr id="170" name="Shape 170"/>
+          <p:cNvPr id="145" name="Shape 145"/>
           <p:cNvSpPr>
             <a:spLocks noGrp="1" noRot="1" noChangeAspect="1"/>
           </p:cNvSpPr>
@@ -866,7 +870,7 @@
       </p:sp>
       <p:sp>
         <p:nvSpPr>
-          <p:cNvPr id="171" name="Shape 171"/>
+          <p:cNvPr id="146" name="Shape 146"/>
           <p:cNvSpPr txBox="1">
             <a:spLocks noGrp="1"/>
           </p:cNvSpPr>
@@ -889,45 +893,56 @@
           </a:bodyPr>
           <a:lstStyle/>
           <a:p>
-            <a:pPr lvl="0" rtl="0">
+            <a:pPr lvl="0">
               <a:spcBef>
                 <a:spcPts val="0"/>
               </a:spcBef>
               <a:buNone/>
             </a:pPr>
             <a:r>
-              <a:rPr lang="en-US" dirty="0"/>
-              <a:t>As you can see, a large percentage of the dataset has a steering angle of between -5 and +5 degrees.  This can potentially cause training issues where the algorithm may get 70% accuracy by just returning 0 as the answer! Obviously this won’t be a good thing in a real car!! </a:t>
-            </a:r>
-          </a:p>
-          <a:p>
-            <a:pPr lvl="0" rtl="0">
+              <a:rPr lang="en-GB" dirty="0"/>
+              <a:t>Due to the size of the dataset, we will create some ‘new’ features for our model.  These are in 2 forms:</a:t>
+            </a:r>
+          </a:p>
+          <a:p>
+            <a:pPr lvl="0">
               <a:spcBef>
                 <a:spcPts val="0"/>
               </a:spcBef>
               <a:buNone/>
             </a:pPr>
-            <a:endParaRPr lang="en-US"/>
-          </a:p>
-          <a:p>
-            <a:pPr marL="0" marR="0" lvl="0" indent="0" algn="l" defTabSz="1828145" rtl="0" eaLnBrk="1" fontAlgn="auto" latinLnBrk="0" hangingPunct="1">
-              <a:lnSpc>
-                <a:spcPct val="100000"/>
-              </a:lnSpc>
-              <a:spcBef>
-                <a:spcPts val="0"/>
-              </a:spcBef>
-              <a:spcAft>
-                <a:spcPts val="0"/>
-              </a:spcAft>
-              <a:buClrTx/>
-              <a:buSzTx/>
-              <a:buFontTx/>
+            <a:r>
+              <a:rPr lang="en-GB" dirty="0"/>
+              <a:t>One-hot, or categorical encoding.</a:t>
+            </a:r>
+          </a:p>
+          <a:p>
+            <a:pPr lvl="0">
+              <a:spcBef>
+                <a:spcPts val="0"/>
+              </a:spcBef>
               <a:buNone/>
-              <a:tabLst/>
-              <a:defRPr/>
-            </a:pPr>
-            <a:endParaRPr lang="en-US" dirty="0"/>
+            </a:pPr>
+            <a:r>
+              <a:rPr lang="en-GB" dirty="0"/>
+              <a:t>Here you can see how we encode the day of the week in a vector.  Monday would perhaps set the 1</a:t>
+            </a:r>
+            <a:r>
+              <a:rPr lang="en-GB" baseline="30000" dirty="0"/>
+              <a:t>st</a:t>
+            </a:r>
+            <a:r>
+              <a:rPr lang="en-GB" dirty="0"/>
+              <a:t> value to 1, Friday the 5</a:t>
+            </a:r>
+            <a:r>
+              <a:rPr lang="en-GB" baseline="30000" dirty="0"/>
+              <a:t>th</a:t>
+            </a:r>
+            <a:r>
+              <a:rPr lang="en-GB" dirty="0"/>
+              <a:t>, etc.</a:t>
+            </a:r>
           </a:p>
           <a:p>
             <a:pPr lvl="0">
@@ -936,14 +951,49 @@
               </a:spcBef>
               <a:buNone/>
             </a:pPr>
-            <a:endParaRPr dirty="0"/>
+            <a:r>
+              <a:rPr lang="en-GB" dirty="0"/>
+              <a:t>This helps algorithms determine the importance of the particular days of the week to the journey times, perhaps Monday to Friday’s have longer durations due to increased traffic for workers.</a:t>
+            </a:r>
+          </a:p>
+          <a:p>
+            <a:pPr lvl="0">
+              <a:spcBef>
+                <a:spcPts val="0"/>
+              </a:spcBef>
+              <a:buNone/>
+            </a:pPr>
+            <a:r>
+              <a:rPr lang="en-GB" dirty="0"/>
+              <a:t>The 2</a:t>
+            </a:r>
+            <a:r>
+              <a:rPr lang="en-GB" baseline="30000" dirty="0"/>
+              <a:t>nd</a:t>
+            </a:r>
+            <a:r>
+              <a:rPr lang="en-GB" dirty="0"/>
+              <a:t> approach is to create a new feature altogether.  Although the dataset contains a distance column, this is the distance taken by the taxi and we won’t know this in advance.  So we’ll create a Euclidean distance feature that is the straight line distance between the pick-up and drop-off locations.</a:t>
+            </a:r>
+          </a:p>
+          <a:p>
+            <a:pPr lvl="0">
+              <a:spcBef>
+                <a:spcPts val="0"/>
+              </a:spcBef>
+              <a:buNone/>
+            </a:pPr>
+            <a:r>
+              <a:rPr lang="en-GB" dirty="0"/>
+              <a:t>Also, as you’ll recall from exploring the dataset, we only have the zones for pick up and drop off in the more recent NYC data, so we are using the centre of those zones as the pick up and drop off locations (again note that this will increase the inaccuracy of our model, how do we know where in those zones the journey started or stopped, it could be the near side, the far side of each, or somewhere in the middle).  </a:t>
+            </a:r>
           </a:p>
         </p:txBody>
       </p:sp>
     </p:spTree>
     <p:extLst>
       <p:ext uri="{BB962C8B-B14F-4D97-AF65-F5344CB8AC3E}">
-        <p14:creationId xmlns:p14="http://schemas.microsoft.com/office/powerpoint/2010/main" val="2790484997"/>
+        <p14:creationId xmlns:p14="http://schemas.microsoft.com/office/powerpoint/2010/main" val="1335154585"/>
       </p:ext>
     </p:extLst>
   </p:cSld>
@@ -1241,25 +1291,31 @@
           <a:p>
             <a:r>
               <a:rPr lang="en-US" dirty="0"/>
-              <a:t>We split the data into training, validation and testing to help train the model and understand how it predicts previously unseen examples.</a:t>
+              <a:t>For this exercise, I’ve split the data using a typical approach.  </a:t>
             </a:r>
           </a:p>
           <a:p>
             <a:r>
               <a:rPr lang="en-US" dirty="0"/>
-              <a:t>During a typical training exercise, training data is used to train the model, then validation data is used to understand how well it predicts after that epoch.  For example, if I train on 128 images, I would then validate how accurate the prediction was on another 128 samples.</a:t>
+              <a:t>60% of the data is for training</a:t>
             </a:r>
           </a:p>
           <a:p>
             <a:r>
               <a:rPr lang="en-US" dirty="0"/>
-              <a:t>Once the model is fully trained, you would test it on the final 20% to see how accurate it is.</a:t>
+              <a:t>20% for validation (which is to help the training algorithm)</a:t>
             </a:r>
           </a:p>
           <a:p>
             <a:r>
               <a:rPr lang="en-US" dirty="0"/>
-              <a:t>This is one option of splitting the data, another way could be to take the first 60% as training data, the next 20% as validation, and the final 20% as test data.</a:t>
+              <a:t>20% is kept out for testing our model (we’ll use this in the next video).</a:t>
+            </a:r>
+          </a:p>
+          <a:p>
+            <a:r>
+              <a:rPr lang="en-US" dirty="0"/>
+              <a:t>This slide shows an example of what this would look like.  Obviously our real data is circa 8m rows long and contains more columns (or features) than are displayed here.</a:t>
             </a:r>
           </a:p>
           <a:p>
@@ -1371,12 +1427,24 @@
             </a:pPr>
             <a:r>
               <a:rPr lang="en-US" dirty="0"/>
-              <a:t>This slide, like mentioned above is for multiple pointers. The information above covers the types</a:t>
-            </a:r>
-            <a:r>
-              <a:rPr lang="en-US" baseline="0" dirty="0"/>
-              <a:t> of information that can be used in this slide</a:t>
-            </a:r>
+              <a:t>As our dataset is large, we don’t necessarily want to load it all into memory in one go, or even pass it to the neural network in one go.  We’ll use </a:t>
+            </a:r>
+            <a:r>
+              <a:rPr lang="en-US" dirty="0" err="1"/>
+              <a:t>Keras</a:t>
+            </a:r>
+            <a:r>
+              <a:rPr lang="en-US" dirty="0"/>
+              <a:t> generators to split the data up into batches and feed it to the network as and when the training algorithm needs more samples.</a:t>
+            </a:r>
+          </a:p>
+          <a:p>
+            <a:pPr lvl="0" rtl="0">
+              <a:spcBef>
+                <a:spcPts val="0"/>
+              </a:spcBef>
+              <a:buNone/>
+            </a:pPr>
             <a:endParaRPr lang="en-US" dirty="0"/>
           </a:p>
           <a:p>
@@ -1503,7 +1571,15 @@
             </a:pPr>
             <a:r>
               <a:rPr lang="en-US" dirty="0"/>
-              <a:t>Our CNN is built up of a 5 convolutional layers followed by 3 fully connected layers.  Dropout is used to improve training performance by effectively dropping connections between artificial neurons.  It makes those that remain more resilient to the underlying data.</a:t>
+              <a:t>Our neural network is quite simple in comparison to some that are widely used. It has 3 layers, an input layer connected to a fully connected (or dense) layer of 1024 neurons, a 2</a:t>
+            </a:r>
+            <a:r>
+              <a:rPr lang="en-US" baseline="30000" dirty="0"/>
+              <a:t>nd</a:t>
+            </a:r>
+            <a:r>
+              <a:rPr lang="en-US" dirty="0"/>
+              <a:t> layer with 128 neurons (again fully connected) and a final output layer.</a:t>
             </a:r>
           </a:p>
           <a:p>
@@ -1796,26 +1872,6 @@
               </a:spcBef>
               <a:buNone/>
             </a:pPr>
-            <a:r>
-              <a:rPr lang="en-US" dirty="0"/>
-              <a:t>Also, </a:t>
-            </a:r>
-            <a:r>
-              <a:rPr lang="en-US" dirty="0" err="1"/>
-              <a:t>Keras</a:t>
-            </a:r>
-            <a:r>
-              <a:rPr lang="en-US" dirty="0"/>
-              <a:t> disables drop-out on validation so you will notice that the validation loss is often lower than the training loss.  This is OK if you have dropout in the network, but if you don’t and you see this, then you have issues relating to your data (for example you need to think about the split between train and validation more, such as validation may be skewed to a smaller set of examples than the training data)</a:t>
-            </a:r>
-          </a:p>
-          <a:p>
-            <a:pPr lvl="0" rtl="0">
-              <a:spcBef>
-                <a:spcPts val="0"/>
-              </a:spcBef>
-              <a:buNone/>
-            </a:pPr>
             <a:endParaRPr lang="en-US" dirty="0"/>
           </a:p>
           <a:p>
@@ -2619,7 +2675,7 @@
             </a:pPr>
             <a:r>
               <a:rPr lang="en-US" dirty="0"/>
-              <a:t>Use a larger dataset with different roads, the car in different positions in the lane, different conditions such as rain or fog, etc. </a:t>
+              <a:t>We could look for patterns over time, for example journeys between certain zones may contain less accurate (or more variable) data</a:t>
             </a:r>
           </a:p>
           <a:p>
@@ -2632,7 +2688,7 @@
             </a:pPr>
             <a:r>
               <a:rPr lang="en-US" dirty="0"/>
-              <a:t>Augment the data, for example generating noise in the image, making it darker or lighter, skewing it slightly to depict different camera angles, flipping it left/right </a:t>
+              <a:t>Sample previous years’ data where the actual geolocations of pickup and drop-off are used, this may give us a more accurate view of where in the zones a journey may start and stop</a:t>
             </a:r>
           </a:p>
           <a:p>
@@ -2645,19 +2701,33 @@
             </a:pPr>
             <a:r>
               <a:rPr lang="en-US" dirty="0"/>
-              <a:t>A more complex approach would be to skew the next image based on what would actually happen if the predicted steering angle was used, so for example if the car understeers compared to the correct angle, the next frame would show that the car was no longer in the </a:t>
-            </a:r>
-            <a:r>
-              <a:rPr lang="en-US" dirty="0" err="1"/>
-              <a:t>centre</a:t>
-            </a:r>
+              <a:t>Use a larger dataset covering more months and years</a:t>
+            </a:r>
+          </a:p>
+          <a:p>
+            <a:pPr marL="171450" lvl="0" indent="-171450" rtl="0">
+              <a:spcBef>
+                <a:spcPts val="0"/>
+              </a:spcBef>
+              <a:buFontTx/>
+              <a:buChar char="-"/>
+            </a:pPr>
             <a:r>
               <a:rPr lang="en-US" dirty="0"/>
-              <a:t> of the lane, but had moved towards one side of another</a:t>
-            </a:r>
-            <a:r>
-              <a:rPr lang="en-US"/>
-              <a:t>. </a:t>
+              <a:t>Augment the data, for example find datasets containing time and date of accidents or major public events like concerts</a:t>
+            </a:r>
+          </a:p>
+          <a:p>
+            <a:pPr marL="171450" lvl="0" indent="-171450" rtl="0">
+              <a:spcBef>
+                <a:spcPts val="0"/>
+              </a:spcBef>
+              <a:buFontTx/>
+              <a:buChar char="-"/>
+            </a:pPr>
+            <a:r>
+              <a:rPr lang="en-US" dirty="0"/>
+              <a:t>Look for patterns at different times of the day, perhaps creating features to identify rush hour</a:t>
             </a:r>
           </a:p>
           <a:p>
@@ -2794,7 +2864,7 @@
             </a:pPr>
             <a:r>
               <a:rPr lang="en-US" dirty="0"/>
-              <a:t>In this section we’ll return to our OpenCV example and build on it to recognize code in video streaming from a webcam.  This will give you a good understanding of how you could recognize yourself, family members, friends, or perhaps even your favourite celebrity A-lister. </a:t>
+              <a:t>In the next video we’ll look at another type of neural network and how it can help us predict steering angles for a self-driving car.</a:t>
             </a:r>
             <a:endParaRPr dirty="0"/>
           </a:p>
@@ -2928,7 +2998,7 @@
   <p:cSld>
     <p:spTree>
       <p:nvGrpSpPr>
-        <p:cNvPr id="1" name="Shape 169"/>
+        <p:cNvPr id="1" name="Shape 144"/>
         <p:cNvGrpSpPr/>
         <p:nvPr/>
       </p:nvGrpSpPr>
@@ -2942,7 +3012,7 @@
       </p:grpSpPr>
       <p:sp>
         <p:nvSpPr>
-          <p:cNvPr id="170" name="Shape 170"/>
+          <p:cNvPr id="145" name="Shape 145"/>
           <p:cNvSpPr>
             <a:spLocks noGrp="1" noRot="1" noChangeAspect="1"/>
           </p:cNvSpPr>
@@ -2983,7 +3053,7 @@
       </p:sp>
       <p:sp>
         <p:nvSpPr>
-          <p:cNvPr id="171" name="Shape 171"/>
+          <p:cNvPr id="146" name="Shape 146"/>
           <p:cNvSpPr txBox="1">
             <a:spLocks noGrp="1"/>
           </p:cNvSpPr>
@@ -3006,47 +3076,28 @@
           </a:bodyPr>
           <a:lstStyle/>
           <a:p>
-            <a:pPr marL="0" marR="0" lvl="0" indent="0" algn="l" defTabSz="1828145" rtl="0" eaLnBrk="1" fontAlgn="auto" latinLnBrk="0" hangingPunct="1">
-              <a:lnSpc>
-                <a:spcPct val="100000"/>
-              </a:lnSpc>
-              <a:spcBef>
-                <a:spcPts val="0"/>
-              </a:spcBef>
-              <a:spcAft>
-                <a:spcPts val="0"/>
-              </a:spcAft>
-              <a:buClrTx/>
-              <a:buSzTx/>
-              <a:buFontTx/>
+            <a:pPr lvl="0">
+              <a:spcBef>
+                <a:spcPts val="0"/>
+              </a:spcBef>
               <a:buNone/>
-              <a:tabLst/>
-              <a:defRPr/>
-            </a:pPr>
-            <a:r>
-              <a:rPr lang="en-US" dirty="0"/>
-              <a:t>So let’s start with a very important caveat, this code is not designed to run on a real car.  There are a large number of safety features that a real autonomous vehicle has that we won’t cover here.  However, section is designed to introduce you to an approach to do this, and can help you get started on a career in this space if you so wish!</a:t>
-            </a:r>
-          </a:p>
-          <a:p>
-            <a:pPr marL="0" marR="0" lvl="0" indent="0" algn="l" defTabSz="1828145" rtl="0" eaLnBrk="1" fontAlgn="auto" latinLnBrk="0" hangingPunct="1">
-              <a:lnSpc>
-                <a:spcPct val="100000"/>
-              </a:lnSpc>
-              <a:spcBef>
-                <a:spcPts val="0"/>
-              </a:spcBef>
-              <a:spcAft>
-                <a:spcPts val="0"/>
-              </a:spcAft>
-              <a:buClrTx/>
-              <a:buSzTx/>
-              <a:buFontTx/>
+            </a:pPr>
+            <a:r>
+              <a:rPr lang="en-GB" dirty="0"/>
+              <a:t>We see this use case in many areas, most notably those that use Uber will see that they try to predict how long it will take for an Uber to reach you, and also how long the journey will take.  On most situations, they provide a range of times as the conditions on the road are always varying and inherently impossible to predict.</a:t>
+            </a:r>
+          </a:p>
+          <a:p>
+            <a:pPr lvl="0">
+              <a:spcBef>
+                <a:spcPts val="0"/>
+              </a:spcBef>
               <a:buNone/>
-              <a:tabLst/>
-              <a:defRPr/>
-            </a:pPr>
-            <a:endParaRPr lang="en-US" dirty="0"/>
+            </a:pPr>
+            <a:r>
+              <a:rPr lang="en-GB" dirty="0"/>
+              <a:t>If we assume we have a dataset of historic taxi journeys, we will know pick up and drop off locations and times, the fares, the distance of the journey, etc.  It may also be possible to get a reasonable approximation of the weather conditions too.</a:t>
+            </a:r>
           </a:p>
           <a:p>
             <a:pPr lvl="0">
@@ -3055,14 +3106,29 @@
               </a:spcBef>
               <a:buNone/>
             </a:pPr>
-            <a:endParaRPr dirty="0"/>
+            <a:r>
+              <a:rPr lang="en-GB" dirty="0"/>
+              <a:t>However, it may be that drivers take different routes based on their local knowledge, or because something happens at that moment (an accident, a build up of traffic, the lights change at the certain moment, a truck reverses from a side road).  No data set could ever hope to cover all of these situations for every single trip, so we are therefore unlikely to build a perfect model.</a:t>
+            </a:r>
+          </a:p>
+          <a:p>
+            <a:pPr lvl="0">
+              <a:spcBef>
+                <a:spcPts val="0"/>
+              </a:spcBef>
+              <a:buNone/>
+            </a:pPr>
+            <a:r>
+              <a:rPr lang="en-GB" dirty="0"/>
+              <a:t>What we can achieve though is to take these factors and create a model that gives a reasonable approximation of the journey times between different locations, and that’s what we’ll do in this module.</a:t>
+            </a:r>
           </a:p>
         </p:txBody>
       </p:sp>
     </p:spTree>
     <p:extLst>
       <p:ext uri="{BB962C8B-B14F-4D97-AF65-F5344CB8AC3E}">
-        <p14:creationId xmlns:p14="http://schemas.microsoft.com/office/powerpoint/2010/main" val="2782713009"/>
+        <p14:creationId xmlns:p14="http://schemas.microsoft.com/office/powerpoint/2010/main" val="1712035587"/>
       </p:ext>
     </p:extLst>
   </p:cSld>
@@ -3155,141 +3221,20 @@
           </a:bodyPr>
           <a:lstStyle/>
           <a:p>
-            <a:pPr lvl="0" rtl="0">
+            <a:pPr lvl="0">
               <a:spcBef>
                 <a:spcPts val="0"/>
               </a:spcBef>
               <a:buNone/>
             </a:pPr>
-            <a:r>
-              <a:rPr lang="en-US" dirty="0" err="1"/>
-              <a:t>Rekognition</a:t>
-            </a:r>
-            <a:r>
-              <a:rPr lang="en-US" dirty="0"/>
-              <a:t> relies on a combination of AWS capabilities to work.  </a:t>
-            </a:r>
-          </a:p>
-          <a:p>
-            <a:pPr lvl="0" rtl="0">
-              <a:spcBef>
-                <a:spcPts val="0"/>
-              </a:spcBef>
-              <a:buNone/>
-            </a:pPr>
-            <a:endParaRPr lang="en-US" dirty="0"/>
-          </a:p>
-          <a:p>
-            <a:pPr lvl="0" rtl="0">
-              <a:spcBef>
-                <a:spcPts val="0"/>
-              </a:spcBef>
-              <a:buNone/>
-            </a:pPr>
-            <a:r>
-              <a:rPr lang="en-US" dirty="0" err="1"/>
-              <a:t>Rekognition</a:t>
-            </a:r>
-            <a:r>
-              <a:rPr lang="en-US" dirty="0"/>
-              <a:t> provides the ability to detect objects in images, and for our purposes we’ll be using it to recognize faces from a training set.</a:t>
-            </a:r>
-          </a:p>
-          <a:p>
-            <a:pPr lvl="0" rtl="0">
-              <a:spcBef>
-                <a:spcPts val="0"/>
-              </a:spcBef>
-              <a:buNone/>
-            </a:pPr>
-            <a:endParaRPr lang="en-US" dirty="0"/>
-          </a:p>
-          <a:p>
-            <a:pPr lvl="0" rtl="0">
-              <a:spcBef>
-                <a:spcPts val="0"/>
-              </a:spcBef>
-              <a:buNone/>
-            </a:pPr>
-            <a:r>
-              <a:rPr lang="en-US" dirty="0"/>
-              <a:t>Lambda is Amazon Web Services’ serverless computing capability.  This means we can simply define the code we want to run, and when it runs (for example when we provide an image) without us having to worry about deploying or configuring a server</a:t>
-            </a:r>
-          </a:p>
-          <a:p>
-            <a:pPr lvl="0" rtl="0">
-              <a:spcBef>
-                <a:spcPts val="0"/>
-              </a:spcBef>
-              <a:buNone/>
-            </a:pPr>
-            <a:endParaRPr lang="en-US" dirty="0"/>
-          </a:p>
-          <a:p>
-            <a:pPr lvl="0" rtl="0">
-              <a:spcBef>
-                <a:spcPts val="0"/>
-              </a:spcBef>
-              <a:buNone/>
-            </a:pPr>
-            <a:r>
-              <a:rPr lang="en-US" dirty="0"/>
-              <a:t>DynamoDB is a NoSQL database, we’ll use it to store results of faces in images</a:t>
-            </a:r>
-          </a:p>
-          <a:p>
-            <a:pPr lvl="0" rtl="0">
-              <a:spcBef>
-                <a:spcPts val="0"/>
-              </a:spcBef>
-              <a:buNone/>
-            </a:pPr>
-            <a:endParaRPr lang="en-US" dirty="0"/>
-          </a:p>
-          <a:p>
-            <a:pPr lvl="0" rtl="0">
-              <a:spcBef>
-                <a:spcPts val="0"/>
-              </a:spcBef>
-              <a:buNone/>
-            </a:pPr>
-            <a:r>
-              <a:rPr lang="en-US" dirty="0"/>
-              <a:t>S3 is a </a:t>
-            </a:r>
-            <a:r>
-              <a:rPr lang="en-US" dirty="0" err="1"/>
-              <a:t>filestore</a:t>
-            </a:r>
-            <a:r>
-              <a:rPr lang="en-US" dirty="0"/>
-              <a:t>, this is where we’ll upload our images ready for our Lambda service to act on them</a:t>
-            </a:r>
-          </a:p>
-          <a:p>
-            <a:pPr lvl="0" rtl="0">
-              <a:spcBef>
-                <a:spcPts val="0"/>
-              </a:spcBef>
-              <a:buNone/>
-            </a:pPr>
-            <a:endParaRPr lang="en-US" dirty="0"/>
-          </a:p>
-          <a:p>
-            <a:pPr lvl="0">
-              <a:spcBef>
-                <a:spcPts val="0"/>
-              </a:spcBef>
-              <a:buNone/>
-            </a:pPr>
-            <a:endParaRPr dirty="0"/>
+            <a:endParaRPr lang="en-GB" dirty="0"/>
           </a:p>
         </p:txBody>
       </p:sp>
     </p:spTree>
     <p:extLst>
       <p:ext uri="{BB962C8B-B14F-4D97-AF65-F5344CB8AC3E}">
-        <p14:creationId xmlns:p14="http://schemas.microsoft.com/office/powerpoint/2010/main" val="1038240515"/>
+        <p14:creationId xmlns:p14="http://schemas.microsoft.com/office/powerpoint/2010/main" val="571396647"/>
       </p:ext>
     </p:extLst>
   </p:cSld>
@@ -3390,8 +3335,46 @@
             </a:pPr>
             <a:r>
               <a:rPr lang="en-US" dirty="0"/>
-              <a:t>Before we start, we need to set up our account in AWS.  There are really good guides for this available on the AWS website, so I’ve provided links here rather than showing you how to do this.  Once you’ve created your AWS account, an IAM user and added the managed policies listed above to your IAM user, make sure you download the CSV containing your key pair before continuing.  We’ll need that in the next step.</a:t>
-            </a:r>
+              <a:t>I did most of this work on a </a:t>
+            </a:r>
+            <a:r>
+              <a:rPr lang="en-US" dirty="0" err="1"/>
+              <a:t>Macbook</a:t>
+            </a:r>
+            <a:r>
+              <a:rPr lang="en-US" dirty="0"/>
+              <a:t> pro with 8GB of memory.  It enabled me to tune the model on slices of the data, but in order to train the final model I moved to the cloud (in my case I used a Google cloud VM with 2 cores, 13GB of memory and an Nvidia K80 GPU).  Even this took circa 8 hours to train to a reasonable level of accuracy.</a:t>
+            </a:r>
+          </a:p>
+          <a:p>
+            <a:pPr lvl="0" rtl="0">
+              <a:spcBef>
+                <a:spcPts val="0"/>
+              </a:spcBef>
+              <a:buNone/>
+            </a:pPr>
+            <a:r>
+              <a:rPr lang="en-US" dirty="0"/>
+              <a:t>If you don’t have access to this level of compute power, the trained model is included along with the code so you can still work through this section and understand how the model was trained.</a:t>
+            </a:r>
+          </a:p>
+          <a:p>
+            <a:pPr lvl="0" rtl="0">
+              <a:spcBef>
+                <a:spcPts val="0"/>
+              </a:spcBef>
+              <a:buNone/>
+            </a:pPr>
+            <a:endParaRPr lang="en-US" dirty="0"/>
+          </a:p>
+          <a:p>
+            <a:pPr lvl="0" rtl="0">
+              <a:spcBef>
+                <a:spcPts val="0"/>
+              </a:spcBef>
+              <a:buNone/>
+            </a:pPr>
+            <a:endParaRPr lang="en-US" dirty="0"/>
           </a:p>
           <a:p>
             <a:pPr lvl="0" rtl="0">
@@ -3416,7 +3399,7 @@
     </p:spTree>
     <p:extLst>
       <p:ext uri="{BB962C8B-B14F-4D97-AF65-F5344CB8AC3E}">
-        <p14:creationId xmlns:p14="http://schemas.microsoft.com/office/powerpoint/2010/main" val="865195017"/>
+        <p14:creationId xmlns:p14="http://schemas.microsoft.com/office/powerpoint/2010/main" val="1522627987"/>
       </p:ext>
     </p:extLst>
   </p:cSld>
@@ -3431,7 +3414,7 @@
   <p:cSld>
     <p:spTree>
       <p:nvGrpSpPr>
-        <p:cNvPr id="1" name="Shape 151"/>
+        <p:cNvPr id="1" name="Shape 144"/>
         <p:cNvGrpSpPr/>
         <p:nvPr/>
       </p:nvGrpSpPr>
@@ -3445,7 +3428,7 @@
       </p:grpSpPr>
       <p:sp>
         <p:nvSpPr>
-          <p:cNvPr id="152" name="Shape 152"/>
+          <p:cNvPr id="145" name="Shape 145"/>
           <p:cNvSpPr>
             <a:spLocks noGrp="1" noRot="1" noChangeAspect="1"/>
           </p:cNvSpPr>
@@ -3486,7 +3469,7 @@
       </p:sp>
       <p:sp>
         <p:nvSpPr>
-          <p:cNvPr id="153" name="Shape 153"/>
+          <p:cNvPr id="146" name="Shape 146"/>
           <p:cNvSpPr txBox="1">
             <a:spLocks noGrp="1"/>
           </p:cNvSpPr>
@@ -3517,8 +3500,40 @@
             </a:pPr>
             <a:r>
               <a:rPr lang="en-US" dirty="0"/>
-              <a:t>In this section we are going to look at some of the computer vision and AI technology used in self driving cars, specifically an approach to predict the steering angle based on a feed of images of the road ahead.</a:t>
-            </a:r>
+              <a:t>As mentioned, NYC provides significant volumes of data from historical taxi journeys for yellow cabs, green cabs and private hire companies such as Lyft and Uber.  We’ll be working with June 2018 data for Yellow taxis.  This alone is in the region of 8m rows of data.  </a:t>
+            </a:r>
+          </a:p>
+          <a:p>
+            <a:pPr lvl="0" rtl="0">
+              <a:spcBef>
+                <a:spcPts val="0"/>
+              </a:spcBef>
+              <a:buNone/>
+            </a:pPr>
+            <a:r>
+              <a:rPr lang="en-US" dirty="0"/>
+              <a:t>The total data for the 12 months starting June 2017 was over 110m rows, and when looking at this, I needed a server with 48GB of memory to do any meaningful manipulation of it!  </a:t>
+            </a:r>
+          </a:p>
+          <a:p>
+            <a:pPr lvl="0" rtl="0">
+              <a:spcBef>
+                <a:spcPts val="0"/>
+              </a:spcBef>
+              <a:buNone/>
+            </a:pPr>
+            <a:r>
+              <a:rPr lang="en-US" dirty="0"/>
+              <a:t>As the datasets for trip data and weather are on different websites, the necessary files are made available as part of the repo along with the code.</a:t>
+            </a:r>
+          </a:p>
+          <a:p>
+            <a:pPr lvl="0">
+              <a:spcBef>
+                <a:spcPts val="0"/>
+              </a:spcBef>
+              <a:buNone/>
+            </a:pPr>
             <a:endParaRPr dirty="0"/>
           </a:p>
         </p:txBody>
@@ -3526,7 +3541,7 @@
     </p:spTree>
     <p:extLst>
       <p:ext uri="{BB962C8B-B14F-4D97-AF65-F5344CB8AC3E}">
-        <p14:creationId xmlns:p14="http://schemas.microsoft.com/office/powerpoint/2010/main" val="4236182997"/>
+        <p14:creationId xmlns:p14="http://schemas.microsoft.com/office/powerpoint/2010/main" val="3857273632"/>
       </p:ext>
     </p:extLst>
   </p:cSld>
@@ -3541,7 +3556,7 @@
   <p:cSld>
     <p:spTree>
       <p:nvGrpSpPr>
-        <p:cNvPr id="1" name="Shape 144"/>
+        <p:cNvPr id="1" name="Shape 151"/>
         <p:cNvGrpSpPr/>
         <p:nvPr/>
       </p:nvGrpSpPr>
@@ -3555,7 +3570,7 @@
       </p:grpSpPr>
       <p:sp>
         <p:nvSpPr>
-          <p:cNvPr id="145" name="Shape 145"/>
+          <p:cNvPr id="152" name="Shape 152"/>
           <p:cNvSpPr>
             <a:spLocks noGrp="1" noRot="1" noChangeAspect="1"/>
           </p:cNvSpPr>
@@ -3596,7 +3611,7 @@
       </p:sp>
       <p:sp>
         <p:nvSpPr>
-          <p:cNvPr id="146" name="Shape 146"/>
+          <p:cNvPr id="153" name="Shape 153"/>
           <p:cNvSpPr txBox="1">
             <a:spLocks noGrp="1"/>
           </p:cNvSpPr>
@@ -3619,12 +3634,16 @@
           </a:bodyPr>
           <a:lstStyle/>
           <a:p>
-            <a:pPr lvl="0">
+            <a:pPr lvl="0" rtl="0">
               <a:spcBef>
                 <a:spcPts val="0"/>
               </a:spcBef>
               <a:buNone/>
             </a:pPr>
+            <a:r>
+              <a:rPr lang="en-US" dirty="0"/>
+              <a:t>In this video, we’ll look at the 3 different datasets that we’ll use and how we are going to link them together to train our model.</a:t>
+            </a:r>
             <a:endParaRPr dirty="0"/>
           </a:p>
         </p:txBody>
@@ -3632,7 +3651,7 @@
     </p:spTree>
     <p:extLst>
       <p:ext uri="{BB962C8B-B14F-4D97-AF65-F5344CB8AC3E}">
-        <p14:creationId xmlns:p14="http://schemas.microsoft.com/office/powerpoint/2010/main" val="1336144938"/>
+        <p14:creationId xmlns:p14="http://schemas.microsoft.com/office/powerpoint/2010/main" val="4236182997"/>
       </p:ext>
     </p:extLst>
   </p:cSld>
@@ -3725,68 +3744,16 @@
           </a:bodyPr>
           <a:lstStyle/>
           <a:p>
-            <a:pPr lvl="0" rtl="0">
+            <a:pPr lvl="0">
               <a:spcBef>
                 <a:spcPts val="0"/>
               </a:spcBef>
               <a:buNone/>
             </a:pPr>
             <a:r>
-              <a:rPr lang="en-US" dirty="0"/>
-              <a:t>I could pre-process the green taxi file in under an hour on a decent spec </a:t>
-            </a:r>
-            <a:r>
-              <a:rPr lang="en-US" dirty="0" err="1"/>
-              <a:t>macbook</a:t>
-            </a:r>
-            <a:r>
-              <a:rPr lang="en-US" dirty="0"/>
-              <a:t> pro, but I used a server with 48GB memory and 2 cores to pre-process the yellow taxi file (it’s circa 10x bigger!)</a:t>
-            </a:r>
-          </a:p>
-          <a:p>
-            <a:pPr lvl="0" rtl="0">
-              <a:spcBef>
-                <a:spcPts val="0"/>
-              </a:spcBef>
-              <a:buNone/>
-            </a:pPr>
-            <a:endParaRPr lang="en-US" dirty="0"/>
-          </a:p>
-          <a:p>
-            <a:pPr lvl="0" rtl="0">
-              <a:spcBef>
-                <a:spcPts val="0"/>
-              </a:spcBef>
-              <a:buNone/>
-            </a:pPr>
-            <a:endParaRPr lang="en-US" dirty="0"/>
-          </a:p>
-          <a:p>
-            <a:pPr lvl="0" rtl="0">
-              <a:spcBef>
-                <a:spcPts val="0"/>
-              </a:spcBef>
-              <a:buNone/>
-            </a:pPr>
-            <a:endParaRPr lang="en-US" dirty="0"/>
-          </a:p>
-          <a:p>
-            <a:pPr lvl="0" rtl="0">
-              <a:spcBef>
-                <a:spcPts val="0"/>
-              </a:spcBef>
-              <a:buNone/>
-            </a:pPr>
-            <a:endParaRPr lang="en-US" dirty="0"/>
-          </a:p>
-          <a:p>
-            <a:pPr lvl="0">
-              <a:spcBef>
-                <a:spcPts val="0"/>
-              </a:spcBef>
-              <a:buNone/>
-            </a:pPr>
+              <a:rPr lang="en-GB" dirty="0"/>
+              <a:t>The 3 datasets that we’ll use are the trip data from yellow taxis in June 2018, the taxi zone data, which I’ll explain shortly, weather data, how we bring these together to make samples to train our network, and some we’ll touch on feature engineering.</a:t>
+            </a:r>
             <a:endParaRPr dirty="0"/>
           </a:p>
         </p:txBody>
@@ -3794,7 +3761,7 @@
     </p:spTree>
     <p:extLst>
       <p:ext uri="{BB962C8B-B14F-4D97-AF65-F5344CB8AC3E}">
-        <p14:creationId xmlns:p14="http://schemas.microsoft.com/office/powerpoint/2010/main" val="1522627987"/>
+        <p14:creationId xmlns:p14="http://schemas.microsoft.com/office/powerpoint/2010/main" val="1336144938"/>
       </p:ext>
     </p:extLst>
   </p:cSld>
@@ -5976,364 +5943,6 @@
   <p:cSld>
     <p:spTree>
       <p:nvGrpSpPr>
-        <p:cNvPr id="1" name="Shape 147"/>
-        <p:cNvGrpSpPr/>
-        <p:nvPr/>
-      </p:nvGrpSpPr>
-      <p:grpSpPr>
-        <a:xfrm>
-          <a:off x="0" y="0"/>
-          <a:ext cx="0" cy="0"/>
-          <a:chOff x="0" y="0"/>
-          <a:chExt cx="0" cy="0"/>
-        </a:xfrm>
-      </p:grpSpPr>
-      <p:sp>
-        <p:nvSpPr>
-          <p:cNvPr id="148" name="Shape 148"/>
-          <p:cNvSpPr txBox="1">
-            <a:spLocks noGrp="1"/>
-          </p:cNvSpPr>
-          <p:nvPr>
-            <p:ph type="title"/>
-          </p:nvPr>
-        </p:nvSpPr>
-        <p:spPr>
-          <a:xfrm>
-            <a:off x="192358" y="32689"/>
-            <a:ext cx="17661379" cy="1204842"/>
-          </a:xfrm>
-          <a:prstGeom prst="rect">
-            <a:avLst/>
-          </a:prstGeom>
-        </p:spPr>
-        <p:txBody>
-          <a:bodyPr lIns="182874" tIns="182874" rIns="182874" bIns="182874" anchor="ctr" anchorCtr="0">
-            <a:noAutofit/>
-          </a:bodyPr>
-          <a:lstStyle/>
-          <a:p>
-            <a:pPr algn="ctr"/>
-            <a:r>
-              <a:rPr lang="en" sz="4402" dirty="0"/>
-              <a:t>Dataset</a:t>
-            </a:r>
-          </a:p>
-        </p:txBody>
-      </p:sp>
-      <p:sp>
-        <p:nvSpPr>
-          <p:cNvPr id="149" name="Shape 149"/>
-          <p:cNvSpPr txBox="1">
-            <a:spLocks noGrp="1"/>
-          </p:cNvSpPr>
-          <p:nvPr>
-            <p:ph type="body" idx="4294967295"/>
-          </p:nvPr>
-        </p:nvSpPr>
-        <p:spPr>
-          <a:xfrm>
-            <a:off x="413459" y="1776131"/>
-            <a:ext cx="17440478" cy="8042873"/>
-          </a:xfrm>
-          <a:prstGeom prst="rect">
-            <a:avLst/>
-          </a:prstGeom>
-        </p:spPr>
-        <p:txBody>
-          <a:bodyPr lIns="182874" tIns="182874" rIns="182874" bIns="182874" anchor="t" anchorCtr="0">
-            <a:noAutofit/>
-          </a:bodyPr>
-          <a:lstStyle/>
-          <a:p>
-            <a:pPr marL="914507" indent="-711281">
-              <a:buClr>
-                <a:srgbClr val="434343"/>
-              </a:buClr>
-              <a:buChar char="●"/>
-            </a:pPr>
-            <a:r>
-              <a:rPr lang="en-US" sz="4002" dirty="0">
-                <a:solidFill>
-                  <a:srgbClr val="434343"/>
-                </a:solidFill>
-              </a:rPr>
-              <a:t>Working with yellow cab taxis in New York City </a:t>
-            </a:r>
-          </a:p>
-          <a:p>
-            <a:pPr marL="203226" lvl="1">
-              <a:buClr>
-                <a:srgbClr val="434343"/>
-              </a:buClr>
-            </a:pPr>
-            <a:r>
-              <a:rPr lang="en-US" sz="3801" dirty="0">
-                <a:solidFill>
-                  <a:srgbClr val="434343"/>
-                </a:solidFill>
-              </a:rPr>
-              <a:t>	</a:t>
-            </a:r>
-            <a:r>
-              <a:rPr lang="en-US" sz="2400" dirty="0">
-                <a:solidFill>
-                  <a:srgbClr val="434343"/>
-                </a:solidFill>
-                <a:hlinkClick r:id="rId3"/>
-              </a:rPr>
-              <a:t>https://goo.gl/maps/JLf7EkCzGsP2</a:t>
-            </a:r>
-            <a:endParaRPr lang="en-US" sz="2400" dirty="0">
-              <a:solidFill>
-                <a:srgbClr val="434343"/>
-              </a:solidFill>
-            </a:endParaRPr>
-          </a:p>
-          <a:p>
-            <a:pPr marL="914507" indent="-711281">
-              <a:buClr>
-                <a:srgbClr val="434343"/>
-              </a:buClr>
-              <a:buChar char="●"/>
-            </a:pPr>
-            <a:r>
-              <a:rPr lang="en-US" sz="4002" dirty="0">
-                <a:solidFill>
-                  <a:srgbClr val="434343"/>
-                </a:solidFill>
-              </a:rPr>
-              <a:t>A full set of taxi trip data for several years is available here:</a:t>
-            </a:r>
-          </a:p>
-          <a:p>
-            <a:pPr marL="203226">
-              <a:buClr>
-                <a:srgbClr val="434343"/>
-              </a:buClr>
-            </a:pPr>
-            <a:r>
-              <a:rPr lang="en-US" sz="4002" dirty="0">
-                <a:solidFill>
-                  <a:srgbClr val="434343"/>
-                </a:solidFill>
-              </a:rPr>
-              <a:t>	</a:t>
-            </a:r>
-            <a:r>
-              <a:rPr lang="en-US" sz="2400" dirty="0">
-                <a:solidFill>
-                  <a:srgbClr val="434343"/>
-                </a:solidFill>
-                <a:hlinkClick r:id="rId4"/>
-              </a:rPr>
-              <a:t>http://www.nyc.gov/html/tlc/html/about/trip_record_data.shtml</a:t>
-            </a:r>
-            <a:r>
-              <a:rPr lang="en-US" sz="2400" dirty="0">
-                <a:solidFill>
-                  <a:srgbClr val="434343"/>
-                </a:solidFill>
-              </a:rPr>
-              <a:t> </a:t>
-            </a:r>
-            <a:endParaRPr lang="en-US" sz="4002" dirty="0">
-              <a:solidFill>
-                <a:srgbClr val="434343"/>
-              </a:solidFill>
-            </a:endParaRPr>
-          </a:p>
-          <a:p>
-            <a:pPr marL="914507" indent="-711281">
-              <a:buClr>
-                <a:srgbClr val="434343"/>
-              </a:buClr>
-              <a:buChar char="●"/>
-            </a:pPr>
-            <a:r>
-              <a:rPr lang="en-US" sz="4002" dirty="0">
-                <a:solidFill>
-                  <a:srgbClr val="434343"/>
-                </a:solidFill>
-              </a:rPr>
-              <a:t>We will work with June 2018 data for this section</a:t>
-            </a:r>
-          </a:p>
-          <a:p>
-            <a:pPr marL="914507" indent="-711281">
-              <a:buClr>
-                <a:srgbClr val="434343"/>
-              </a:buClr>
-              <a:buChar char="●"/>
-            </a:pPr>
-            <a:r>
-              <a:rPr lang="en-US" sz="4002" dirty="0">
-                <a:solidFill>
-                  <a:srgbClr val="434343"/>
-                </a:solidFill>
-              </a:rPr>
-              <a:t>You can download it with the following script in /data:</a:t>
-            </a:r>
-          </a:p>
-          <a:p>
-            <a:pPr marL="203226">
-              <a:buClr>
-                <a:srgbClr val="434343"/>
-              </a:buClr>
-            </a:pPr>
-            <a:r>
-              <a:rPr lang="en-US" sz="4002" dirty="0">
-                <a:solidFill>
-                  <a:srgbClr val="434343"/>
-                </a:solidFill>
-              </a:rPr>
-              <a:t>	</a:t>
-            </a:r>
-            <a:r>
-              <a:rPr lang="en-US" sz="3600" dirty="0">
-                <a:solidFill>
-                  <a:srgbClr val="434343"/>
-                </a:solidFill>
-                <a:latin typeface="Consolas" panose="020B0609020204030204" pitchFamily="49" charset="0"/>
-                <a:cs typeface="Consolas" panose="020B0609020204030204" pitchFamily="49" charset="0"/>
-              </a:rPr>
-              <a:t>bash </a:t>
-            </a:r>
-            <a:r>
-              <a:rPr lang="en-US" sz="3600" dirty="0" err="1">
-                <a:solidFill>
-                  <a:srgbClr val="434343"/>
-                </a:solidFill>
-                <a:latin typeface="Consolas" panose="020B0609020204030204" pitchFamily="49" charset="0"/>
-                <a:cs typeface="Consolas" panose="020B0609020204030204" pitchFamily="49" charset="0"/>
-              </a:rPr>
-              <a:t>downloads.sh</a:t>
-            </a:r>
-            <a:endParaRPr lang="en-US" sz="3600" dirty="0">
-              <a:solidFill>
-                <a:srgbClr val="434343"/>
-              </a:solidFill>
-              <a:latin typeface="Consolas" panose="020B0609020204030204" pitchFamily="49" charset="0"/>
-              <a:cs typeface="Consolas" panose="020B0609020204030204" pitchFamily="49" charset="0"/>
-            </a:endParaRPr>
-          </a:p>
-          <a:p>
-            <a:pPr marL="203226">
-              <a:buClr>
-                <a:srgbClr val="434343"/>
-              </a:buClr>
-            </a:pPr>
-            <a:r>
-              <a:rPr lang="en-US" sz="3600" dirty="0">
-                <a:solidFill>
-                  <a:srgbClr val="434343"/>
-                </a:solidFill>
-                <a:latin typeface="Consolas" panose="020B0609020204030204" pitchFamily="49" charset="0"/>
-                <a:cs typeface="Consolas" panose="020B0609020204030204" pitchFamily="49" charset="0"/>
-              </a:rPr>
-              <a:t>	</a:t>
-            </a:r>
-            <a:endParaRPr lang="en-US" sz="4002" dirty="0">
-              <a:solidFill>
-                <a:srgbClr val="434343"/>
-              </a:solidFill>
-            </a:endParaRPr>
-          </a:p>
-          <a:p>
-            <a:pPr marL="914507" indent="-711281">
-              <a:buClr>
-                <a:srgbClr val="434343"/>
-              </a:buClr>
-              <a:buChar char="●"/>
-            </a:pPr>
-            <a:endParaRPr lang="en-US" sz="4002" dirty="0">
-              <a:solidFill>
-                <a:srgbClr val="434343"/>
-              </a:solidFill>
-            </a:endParaRPr>
-          </a:p>
-          <a:p>
-            <a:pPr marL="914507" indent="-711281">
-              <a:buClr>
-                <a:srgbClr val="434343"/>
-              </a:buClr>
-              <a:buChar char="●"/>
-            </a:pPr>
-            <a:endParaRPr lang="en-US" sz="4002" dirty="0">
-              <a:solidFill>
-                <a:srgbClr val="434343"/>
-              </a:solidFill>
-            </a:endParaRPr>
-          </a:p>
-          <a:p>
-            <a:pPr marL="914507" indent="-711281">
-              <a:buClr>
-                <a:srgbClr val="434343"/>
-              </a:buClr>
-              <a:buChar char="●"/>
-            </a:pPr>
-            <a:endParaRPr lang="en-US" sz="4002" dirty="0">
-              <a:solidFill>
-                <a:srgbClr val="434343"/>
-              </a:solidFill>
-            </a:endParaRPr>
-          </a:p>
-          <a:p>
-            <a:pPr marL="203226" lvl="1">
-              <a:buClr>
-                <a:srgbClr val="434343"/>
-              </a:buClr>
-            </a:pPr>
-            <a:r>
-              <a:rPr lang="en-GB" sz="3200" dirty="0">
-                <a:solidFill>
-                  <a:srgbClr val="434343"/>
-                </a:solidFill>
-                <a:latin typeface="Consolas" panose="020B0609020204030204" pitchFamily="49" charset="0"/>
-                <a:cs typeface="Consolas" panose="020B0609020204030204" pitchFamily="49" charset="0"/>
-              </a:rPr>
-              <a:t>		</a:t>
-            </a:r>
-            <a:endParaRPr lang="en-US" sz="4002" dirty="0">
-              <a:solidFill>
-                <a:srgbClr val="434343"/>
-              </a:solidFill>
-            </a:endParaRPr>
-          </a:p>
-          <a:p>
-            <a:pPr marL="774726" indent="-571500">
-              <a:buClr>
-                <a:srgbClr val="434343"/>
-              </a:buClr>
-              <a:buFont typeface="Arial" panose="020B0604020202020204" pitchFamily="34" charset="0"/>
-              <a:buChar char="•"/>
-            </a:pPr>
-            <a:endParaRPr lang="en" sz="4002" dirty="0">
-              <a:solidFill>
-                <a:srgbClr val="434343"/>
-              </a:solidFill>
-            </a:endParaRPr>
-          </a:p>
-        </p:txBody>
-      </p:sp>
-    </p:spTree>
-    <p:extLst>
-      <p:ext uri="{BB962C8B-B14F-4D97-AF65-F5344CB8AC3E}">
-        <p14:creationId xmlns:p14="http://schemas.microsoft.com/office/powerpoint/2010/main" val="2278846531"/>
-      </p:ext>
-    </p:extLst>
-  </p:cSld>
-  <p:clrMapOvr>
-    <a:masterClrMapping/>
-  </p:clrMapOvr>
-</p:sld>
-</file>
-
-<file path=ppt/slides/slide11.xml><?xml version="1.0" encoding="utf-8"?>
-<p:sld xmlns:a="http://schemas.openxmlformats.org/drawingml/2006/main" xmlns:r="http://schemas.openxmlformats.org/officeDocument/2006/relationships" xmlns:p="http://schemas.openxmlformats.org/presentationml/2006/main" show="0">
-  <p:cSld>
-    <p:spTree>
-      <p:nvGrpSpPr>
         <p:cNvPr id="1" name="Shape 172"/>
         <p:cNvGrpSpPr/>
         <p:nvPr/>
@@ -6394,79 +6003,8 @@
 </p:sld>
 </file>
 
-<file path=ppt/slides/slide12.xml><?xml version="1.0" encoding="utf-8"?>
-<p:sld xmlns:a="http://schemas.openxmlformats.org/drawingml/2006/main" xmlns:r="http://schemas.openxmlformats.org/officeDocument/2006/relationships" xmlns:p="http://schemas.openxmlformats.org/presentationml/2006/main" show="0">
-  <p:cSld>
-    <p:bg>
-      <p:bgPr>
-        <a:solidFill>
-          <a:srgbClr val="F37021"/>
-        </a:solidFill>
-        <a:effectLst/>
-      </p:bgPr>
-    </p:bg>
-    <p:spTree>
-      <p:nvGrpSpPr>
-        <p:cNvPr id="1" name="Shape 154"/>
-        <p:cNvGrpSpPr/>
-        <p:nvPr/>
-      </p:nvGrpSpPr>
-      <p:grpSpPr>
-        <a:xfrm>
-          <a:off x="0" y="0"/>
-          <a:ext cx="0" cy="0"/>
-          <a:chOff x="0" y="0"/>
-          <a:chExt cx="0" cy="0"/>
-        </a:xfrm>
-      </p:grpSpPr>
-      <p:sp>
-        <p:nvSpPr>
-          <p:cNvPr id="155" name="Shape 155"/>
-          <p:cNvSpPr txBox="1">
-            <a:spLocks noGrp="1"/>
-          </p:cNvSpPr>
-          <p:nvPr>
-            <p:ph type="ctrTitle"/>
-          </p:nvPr>
-        </p:nvSpPr>
-        <p:spPr>
-          <a:xfrm>
-            <a:off x="777178" y="4207953"/>
-            <a:ext cx="16451820" cy="1866335"/>
-          </a:xfrm>
-          <a:prstGeom prst="rect">
-            <a:avLst/>
-          </a:prstGeom>
-        </p:spPr>
-        <p:txBody>
-          <a:bodyPr lIns="182874" tIns="182874" rIns="182874" bIns="182874" anchor="b" anchorCtr="0">
-            <a:noAutofit/>
-          </a:bodyPr>
-          <a:lstStyle/>
-          <a:p>
-            <a:pPr algn="ctr"/>
-            <a:r>
-              <a:rPr lang="en" dirty="0"/>
-              <a:t>4.3 Training Our Model</a:t>
-            </a:r>
-          </a:p>
-        </p:txBody>
-      </p:sp>
-    </p:spTree>
-    <p:extLst>
-      <p:ext uri="{BB962C8B-B14F-4D97-AF65-F5344CB8AC3E}">
-        <p14:creationId xmlns:p14="http://schemas.microsoft.com/office/powerpoint/2010/main" val="1246701380"/>
-      </p:ext>
-    </p:extLst>
-  </p:cSld>
-  <p:clrMapOvr>
-    <a:masterClrMapping/>
-  </p:clrMapOvr>
-</p:sld>
-</file>
-
-<file path=ppt/slides/slide13.xml><?xml version="1.0" encoding="utf-8"?>
-<p:sld xmlns:a="http://schemas.openxmlformats.org/drawingml/2006/main" xmlns:r="http://schemas.openxmlformats.org/officeDocument/2006/relationships" xmlns:p="http://schemas.openxmlformats.org/presentationml/2006/main" show="0">
+<file path=ppt/slides/slide11.xml><?xml version="1.0" encoding="utf-8"?>
+<p:sld xmlns:a="http://schemas.openxmlformats.org/drawingml/2006/main" xmlns:r="http://schemas.openxmlformats.org/officeDocument/2006/relationships" xmlns:p="http://schemas.openxmlformats.org/presentationml/2006/main">
   <p:cSld>
     <p:spTree>
       <p:nvGrpSpPr>
@@ -6510,7 +6048,7 @@
             <a:pPr algn="ctr"/>
             <a:r>
               <a:rPr lang="en" sz="4402" dirty="0"/>
-              <a:t>Training our model</a:t>
+              <a:t>Feature Engineering</a:t>
             </a:r>
           </a:p>
         </p:txBody>
@@ -6527,8 +6065,8 @@
         </p:nvSpPr>
         <p:spPr>
           <a:xfrm>
-            <a:off x="413459" y="1776131"/>
-            <a:ext cx="17440478" cy="8042873"/>
+            <a:off x="413259" y="1417544"/>
+            <a:ext cx="17440478" cy="6238316"/>
           </a:xfrm>
           <a:prstGeom prst="rect">
             <a:avLst/>
@@ -6544,7 +6082,6 @@
               <a:buClr>
                 <a:srgbClr val="434343"/>
               </a:buClr>
-              <a:buFont typeface="Calibri"/>
               <a:buChar char="●"/>
             </a:pPr>
             <a:r>
@@ -6553,7 +6090,7 @@
                   <a:srgbClr val="434343"/>
                 </a:solidFill>
               </a:rPr>
-              <a:t>Creating training, validation and test datasets</a:t>
+              <a:t>One-hot (categorical) encoding</a:t>
             </a:r>
           </a:p>
           <a:p>
@@ -6563,22 +6100,61 @@
               </a:buClr>
               <a:buChar char="●"/>
             </a:pPr>
-            <a:r>
-              <a:rPr lang="en-US" sz="4002" dirty="0" err="1">
-                <a:solidFill>
-                  <a:srgbClr val="434343"/>
-                </a:solidFill>
-              </a:rPr>
-              <a:t>Keras</a:t>
-            </a:r>
             <a:r>
               <a:rPr lang="en-US" sz="4002" dirty="0">
                 <a:solidFill>
                   <a:srgbClr val="434343"/>
                 </a:solidFill>
               </a:rPr>
-              <a:t> CNN definition</a:t>
-            </a:r>
+              <a:t>Days of the week can be labelled 0 – 6 (or 1 – 7), or we can encode them:</a:t>
+            </a:r>
+          </a:p>
+          <a:p>
+            <a:pPr marL="203226">
+              <a:buClr>
+                <a:srgbClr val="434343"/>
+              </a:buClr>
+            </a:pPr>
+            <a:r>
+              <a:rPr lang="en-US" sz="3200" dirty="0">
+                <a:solidFill>
+                  <a:srgbClr val="434343"/>
+                </a:solidFill>
+                <a:latin typeface="Consolas" panose="020B0609020204030204" pitchFamily="49" charset="0"/>
+                <a:cs typeface="Consolas" panose="020B0609020204030204" pitchFamily="49" charset="0"/>
+              </a:rPr>
+              <a:t>		Monday (1)	: 	[1, 0, 0, 0, 0, 0, 0]</a:t>
+            </a:r>
+          </a:p>
+          <a:p>
+            <a:pPr marL="203226">
+              <a:buClr>
+                <a:srgbClr val="434343"/>
+              </a:buClr>
+            </a:pPr>
+            <a:r>
+              <a:rPr lang="en-US" sz="3200" dirty="0">
+                <a:solidFill>
+                  <a:srgbClr val="434343"/>
+                </a:solidFill>
+                <a:latin typeface="Consolas" panose="020B0609020204030204" pitchFamily="49" charset="0"/>
+                <a:cs typeface="Consolas" panose="020B0609020204030204" pitchFamily="49" charset="0"/>
+              </a:rPr>
+              <a:t>		Friday (5)	: 	[0, 0, 0, 0, 1, 0, 0]</a:t>
+            </a:r>
+          </a:p>
+          <a:p>
+            <a:pPr marL="914507" indent="-711281">
+              <a:buClr>
+                <a:srgbClr val="434343"/>
+              </a:buClr>
+              <a:buChar char="●"/>
+            </a:pPr>
+            <a:endParaRPr lang="en-US" sz="4002" dirty="0">
+              <a:solidFill>
+                <a:srgbClr val="434343"/>
+              </a:solidFill>
+            </a:endParaRPr>
           </a:p>
           <a:p>
             <a:pPr marL="914507" indent="-711281">
@@ -6593,7 +6169,7 @@
                   <a:srgbClr val="434343"/>
                 </a:solidFill>
               </a:rPr>
-              <a:t>Loss functions</a:t>
+              <a:t>Creating new features</a:t>
             </a:r>
           </a:p>
           <a:p>
@@ -6609,58 +6185,8 @@
                   <a:srgbClr val="434343"/>
                 </a:solidFill>
               </a:rPr>
-              <a:t>Debugging hints and tips</a:t>
-            </a:r>
-          </a:p>
-          <a:p>
-            <a:pPr marL="914507" indent="-711281">
-              <a:buClr>
-                <a:srgbClr val="434343"/>
-              </a:buClr>
-              <a:buChar char="●"/>
-            </a:pPr>
-            <a:r>
-              <a:rPr lang="en-US" sz="4002" dirty="0" err="1">
-                <a:solidFill>
-                  <a:srgbClr val="434343"/>
-                </a:solidFill>
-              </a:rPr>
-              <a:t>Analysing</a:t>
-            </a:r>
-            <a:r>
-              <a:rPr lang="en-US" sz="4002" dirty="0">
-                <a:solidFill>
-                  <a:srgbClr val="434343"/>
-                </a:solidFill>
-              </a:rPr>
-              <a:t> training performance</a:t>
-            </a:r>
-          </a:p>
-          <a:p>
-            <a:pPr marL="914507" indent="-711281">
-              <a:buClr>
-                <a:srgbClr val="434343"/>
-              </a:buClr>
-              <a:buChar char="●"/>
-            </a:pPr>
-            <a:endParaRPr lang="en-US" sz="4002" dirty="0">
-              <a:solidFill>
-                <a:srgbClr val="434343"/>
-              </a:solidFill>
-            </a:endParaRPr>
-          </a:p>
-          <a:p>
-            <a:pPr marL="914507" indent="-711281">
-              <a:buClr>
-                <a:srgbClr val="434343"/>
-              </a:buClr>
-              <a:buChar char="●"/>
-            </a:pPr>
-            <a:endParaRPr lang="en-US" sz="4002" dirty="0">
-              <a:solidFill>
-                <a:srgbClr val="434343"/>
-              </a:solidFill>
-            </a:endParaRPr>
+              <a:t>We’ll create a Euclidean distance feature</a:t>
+            </a:r>
           </a:p>
           <a:p>
             <a:pPr marL="203226" lvl="1">
@@ -6700,70 +6226,12 @@
           </a:p>
         </p:txBody>
       </p:sp>
-    </p:spTree>
-    <p:extLst>
-      <p:ext uri="{BB962C8B-B14F-4D97-AF65-F5344CB8AC3E}">
-        <p14:creationId xmlns:p14="http://schemas.microsoft.com/office/powerpoint/2010/main" val="3087879986"/>
-      </p:ext>
-    </p:extLst>
-  </p:cSld>
-  <p:clrMapOvr>
-    <a:masterClrMapping/>
-  </p:clrMapOvr>
-</p:sld>
-</file>
-
-<file path=ppt/slides/slide14.xml><?xml version="1.0" encoding="utf-8"?>
-<p:sld xmlns:a="http://schemas.openxmlformats.org/drawingml/2006/main" xmlns:r="http://schemas.openxmlformats.org/officeDocument/2006/relationships" xmlns:p="http://schemas.openxmlformats.org/presentationml/2006/main" show="0">
-  <p:cSld>
-    <p:spTree>
-      <p:nvGrpSpPr>
-        <p:cNvPr id="1" name=""/>
-        <p:cNvGrpSpPr/>
-        <p:nvPr/>
-      </p:nvGrpSpPr>
-      <p:grpSpPr>
-        <a:xfrm>
-          <a:off x="0" y="0"/>
-          <a:ext cx="0" cy="0"/>
-          <a:chOff x="0" y="0"/>
-          <a:chExt cx="0" cy="0"/>
-        </a:xfrm>
-      </p:grpSpPr>
-      <p:sp>
-        <p:nvSpPr>
-          <p:cNvPr id="2" name="Title 1">
+      <p:pic>
+        <p:nvPicPr>
+          <p:cNvPr id="2" name="Picture 1">
             <a:extLst>
               <a:ext uri="{FF2B5EF4-FFF2-40B4-BE49-F238E27FC236}">
-                <a16:creationId xmlns:a16="http://schemas.microsoft.com/office/drawing/2014/main" id="{53CA41F2-396A-D24E-AB66-1C0509B1988F}"/>
-              </a:ext>
-            </a:extLst>
-          </p:cNvPr>
-          <p:cNvSpPr>
-            <a:spLocks noGrp="1"/>
-          </p:cNvSpPr>
-          <p:nvPr>
-            <p:ph type="title"/>
-          </p:nvPr>
-        </p:nvSpPr>
-        <p:spPr/>
-        <p:txBody>
-          <a:bodyPr/>
-          <a:lstStyle/>
-          <a:p>
-            <a:r>
-              <a:rPr lang="en-US" dirty="0"/>
-              <a:t>Splitting our data into train, validate and test datasets</a:t>
-            </a:r>
-          </a:p>
-        </p:txBody>
-      </p:sp>
-      <p:pic>
-        <p:nvPicPr>
-          <p:cNvPr id="4" name="Picture 3">
-            <a:extLst>
-              <a:ext uri="{FF2B5EF4-FFF2-40B4-BE49-F238E27FC236}">
-                <a16:creationId xmlns:a16="http://schemas.microsoft.com/office/drawing/2014/main" id="{FB31FC68-B9AB-554A-8434-92BA54A927D2}"/>
+                <a16:creationId xmlns:a16="http://schemas.microsoft.com/office/drawing/2014/main" id="{BBA6A0E0-9734-2040-9622-DD6606735E09}"/>
               </a:ext>
             </a:extLst>
           </p:cNvPr>
@@ -6780,230 +6248,20 @@
         </p:blipFill>
         <p:spPr>
           <a:xfrm>
-            <a:off x="807951" y="3264572"/>
-            <a:ext cx="2882900" cy="1625600"/>
+            <a:off x="4769970" y="7470770"/>
+            <a:ext cx="4069230" cy="2811468"/>
           </a:xfrm>
           <a:prstGeom prst="rect">
             <a:avLst/>
           </a:prstGeom>
         </p:spPr>
       </p:pic>
-      <p:pic>
-        <p:nvPicPr>
-          <p:cNvPr id="6" name="Picture 5">
+      <p:sp>
+        <p:nvSpPr>
+          <p:cNvPr id="3" name="Rectangle 2">
             <a:extLst>
               <a:ext uri="{FF2B5EF4-FFF2-40B4-BE49-F238E27FC236}">
-                <a16:creationId xmlns:a16="http://schemas.microsoft.com/office/drawing/2014/main" id="{4E8B3B65-5FC9-A14F-AD0C-BF93DED3617D}"/>
-              </a:ext>
-            </a:extLst>
-          </p:cNvPr>
-          <p:cNvPicPr>
-            <a:picLocks noChangeAspect="1"/>
-          </p:cNvPicPr>
-          <p:nvPr/>
-        </p:nvPicPr>
-        <p:blipFill>
-          <a:blip r:embed="rId4"/>
-          <a:stretch>
-            <a:fillRect/>
-          </a:stretch>
-        </p:blipFill>
-        <p:spPr>
-          <a:xfrm>
-            <a:off x="1148574" y="3608601"/>
-            <a:ext cx="2882900" cy="1625600"/>
-          </a:xfrm>
-          <a:prstGeom prst="rect">
-            <a:avLst/>
-          </a:prstGeom>
-        </p:spPr>
-      </p:pic>
-      <p:pic>
-        <p:nvPicPr>
-          <p:cNvPr id="8" name="Picture 7">
-            <a:extLst>
-              <a:ext uri="{FF2B5EF4-FFF2-40B4-BE49-F238E27FC236}">
-                <a16:creationId xmlns:a16="http://schemas.microsoft.com/office/drawing/2014/main" id="{621CD730-1E9E-CC4A-BC03-9E6854187172}"/>
-              </a:ext>
-            </a:extLst>
-          </p:cNvPr>
-          <p:cNvPicPr>
-            <a:picLocks noChangeAspect="1"/>
-          </p:cNvPicPr>
-          <p:nvPr/>
-        </p:nvPicPr>
-        <p:blipFill>
-          <a:blip r:embed="rId5"/>
-          <a:stretch>
-            <a:fillRect/>
-          </a:stretch>
-        </p:blipFill>
-        <p:spPr>
-          <a:xfrm>
-            <a:off x="1489197" y="3952630"/>
-            <a:ext cx="2882900" cy="1625600"/>
-          </a:xfrm>
-          <a:prstGeom prst="rect">
-            <a:avLst/>
-          </a:prstGeom>
-        </p:spPr>
-      </p:pic>
-      <p:pic>
-        <p:nvPicPr>
-          <p:cNvPr id="22" name="Picture 21">
-            <a:extLst>
-              <a:ext uri="{FF2B5EF4-FFF2-40B4-BE49-F238E27FC236}">
-                <a16:creationId xmlns:a16="http://schemas.microsoft.com/office/drawing/2014/main" id="{A6D9FECD-07E9-CD49-803A-FCE4DBDFF879}"/>
-              </a:ext>
-            </a:extLst>
-          </p:cNvPr>
-          <p:cNvPicPr>
-            <a:picLocks noChangeAspect="1"/>
-          </p:cNvPicPr>
-          <p:nvPr/>
-        </p:nvPicPr>
-        <p:blipFill>
-          <a:blip r:embed="rId6"/>
-          <a:stretch>
-            <a:fillRect/>
-          </a:stretch>
-        </p:blipFill>
-        <p:spPr>
-          <a:xfrm>
-            <a:off x="1829820" y="4296659"/>
-            <a:ext cx="2882900" cy="1625600"/>
-          </a:xfrm>
-          <a:prstGeom prst="rect">
-            <a:avLst/>
-          </a:prstGeom>
-        </p:spPr>
-      </p:pic>
-      <p:pic>
-        <p:nvPicPr>
-          <p:cNvPr id="24" name="Picture 23">
-            <a:extLst>
-              <a:ext uri="{FF2B5EF4-FFF2-40B4-BE49-F238E27FC236}">
-                <a16:creationId xmlns:a16="http://schemas.microsoft.com/office/drawing/2014/main" id="{1ECDDD4F-9C47-E845-98D5-267B0E53B75F}"/>
-              </a:ext>
-            </a:extLst>
-          </p:cNvPr>
-          <p:cNvPicPr>
-            <a:picLocks noChangeAspect="1"/>
-          </p:cNvPicPr>
-          <p:nvPr/>
-        </p:nvPicPr>
-        <p:blipFill>
-          <a:blip r:embed="rId7"/>
-          <a:stretch>
-            <a:fillRect/>
-          </a:stretch>
-        </p:blipFill>
-        <p:spPr>
-          <a:xfrm>
-            <a:off x="2170443" y="4640688"/>
-            <a:ext cx="2882900" cy="1625600"/>
-          </a:xfrm>
-          <a:prstGeom prst="rect">
-            <a:avLst/>
-          </a:prstGeom>
-        </p:spPr>
-      </p:pic>
-      <p:pic>
-        <p:nvPicPr>
-          <p:cNvPr id="26" name="Picture 25">
-            <a:extLst>
-              <a:ext uri="{FF2B5EF4-FFF2-40B4-BE49-F238E27FC236}">
-                <a16:creationId xmlns:a16="http://schemas.microsoft.com/office/drawing/2014/main" id="{132164A8-BFD9-7346-B7CD-51007DC27EE3}"/>
-              </a:ext>
-            </a:extLst>
-          </p:cNvPr>
-          <p:cNvPicPr>
-            <a:picLocks noChangeAspect="1"/>
-          </p:cNvPicPr>
-          <p:nvPr/>
-        </p:nvPicPr>
-        <p:blipFill>
-          <a:blip r:embed="rId8"/>
-          <a:stretch>
-            <a:fillRect/>
-          </a:stretch>
-        </p:blipFill>
-        <p:spPr>
-          <a:xfrm>
-            <a:off x="2511066" y="4984717"/>
-            <a:ext cx="2882900" cy="1625600"/>
-          </a:xfrm>
-          <a:prstGeom prst="rect">
-            <a:avLst/>
-          </a:prstGeom>
-        </p:spPr>
-      </p:pic>
-      <p:pic>
-        <p:nvPicPr>
-          <p:cNvPr id="28" name="Picture 27">
-            <a:extLst>
-              <a:ext uri="{FF2B5EF4-FFF2-40B4-BE49-F238E27FC236}">
-                <a16:creationId xmlns:a16="http://schemas.microsoft.com/office/drawing/2014/main" id="{58952160-B73E-0A4F-95F1-FC58D1941127}"/>
-              </a:ext>
-            </a:extLst>
-          </p:cNvPr>
-          <p:cNvPicPr>
-            <a:picLocks noChangeAspect="1"/>
-          </p:cNvPicPr>
-          <p:nvPr/>
-        </p:nvPicPr>
-        <p:blipFill>
-          <a:blip r:embed="rId9"/>
-          <a:stretch>
-            <a:fillRect/>
-          </a:stretch>
-        </p:blipFill>
-        <p:spPr>
-          <a:xfrm>
-            <a:off x="2851689" y="5328746"/>
-            <a:ext cx="2882900" cy="1625600"/>
-          </a:xfrm>
-          <a:prstGeom prst="rect">
-            <a:avLst/>
-          </a:prstGeom>
-        </p:spPr>
-      </p:pic>
-      <p:pic>
-        <p:nvPicPr>
-          <p:cNvPr id="30" name="Picture 29">
-            <a:extLst>
-              <a:ext uri="{FF2B5EF4-FFF2-40B4-BE49-F238E27FC236}">
-                <a16:creationId xmlns:a16="http://schemas.microsoft.com/office/drawing/2014/main" id="{9D2E6F53-45CA-4244-957A-EB8BB64D59A9}"/>
-              </a:ext>
-            </a:extLst>
-          </p:cNvPr>
-          <p:cNvPicPr>
-            <a:picLocks noChangeAspect="1"/>
-          </p:cNvPicPr>
-          <p:nvPr/>
-        </p:nvPicPr>
-        <p:blipFill>
-          <a:blip r:embed="rId10"/>
-          <a:stretch>
-            <a:fillRect/>
-          </a:stretch>
-        </p:blipFill>
-        <p:spPr>
-          <a:xfrm>
-            <a:off x="3192309" y="5672773"/>
-            <a:ext cx="2882900" cy="1625600"/>
-          </a:xfrm>
-          <a:prstGeom prst="rect">
-            <a:avLst/>
-          </a:prstGeom>
-        </p:spPr>
-      </p:pic>
-      <p:sp>
-        <p:nvSpPr>
-          <p:cNvPr id="40" name="Right Brace 39">
-            <a:extLst>
-              <a:ext uri="{FF2B5EF4-FFF2-40B4-BE49-F238E27FC236}">
-                <a16:creationId xmlns:a16="http://schemas.microsoft.com/office/drawing/2014/main" id="{8742FADD-58A5-064B-B926-1FE411127255}"/>
+                <a16:creationId xmlns:a16="http://schemas.microsoft.com/office/drawing/2014/main" id="{79BEF3F6-BDE4-8B43-B5B6-456475BDD80A}"/>
               </a:ext>
             </a:extLst>
           </p:cNvPr>
@@ -7012,236 +6270,40 @@
         </p:nvSpPr>
         <p:spPr>
           <a:xfrm>
-            <a:off x="7132320" y="3264572"/>
-            <a:ext cx="1113905" cy="4033801"/>
-          </a:xfrm>
-          <a:prstGeom prst="rightBrace">
+            <a:off x="10229543" y="9709369"/>
+            <a:ext cx="8084264" cy="369332"/>
+          </a:xfrm>
+          <a:prstGeom prst="rect">
             <a:avLst/>
           </a:prstGeom>
         </p:spPr>
-        <p:style>
-          <a:lnRef idx="1">
-            <a:schemeClr val="accent1"/>
-          </a:lnRef>
-          <a:fillRef idx="0">
-            <a:schemeClr val="accent1"/>
-          </a:fillRef>
-          <a:effectRef idx="0">
-            <a:schemeClr val="accent1"/>
-          </a:effectRef>
-          <a:fontRef idx="minor">
-            <a:schemeClr val="tx1"/>
-          </a:fontRef>
-        </p:style>
         <p:txBody>
-          <a:bodyPr rtlCol="0" anchor="ctr"/>
+          <a:bodyPr wrap="none">
+            <a:spAutoFit/>
+          </a:bodyPr>
           <a:lstStyle/>
           <a:p>
-            <a:pPr algn="ctr"/>
-            <a:endParaRPr lang="en-US"/>
+            <a:r>
+              <a:rPr lang="en-US" sz="1800" dirty="0"/>
+              <a:t>Image courtesy of Wikipedia </a:t>
+            </a:r>
+            <a:r>
+              <a:rPr lang="en-US" sz="1800" dirty="0">
+                <a:hlinkClick r:id="rId4"/>
+              </a:rPr>
+              <a:t>https://en.wikipedia.org/wiki/Euclidean_distance</a:t>
+            </a:r>
+            <a:r>
+              <a:rPr lang="en-US" sz="1800" dirty="0"/>
+              <a:t> </a:t>
+            </a:r>
           </a:p>
         </p:txBody>
       </p:sp>
-      <p:graphicFrame>
-        <p:nvGraphicFramePr>
-          <p:cNvPr id="42" name="Table 41">
-            <a:extLst>
-              <a:ext uri="{FF2B5EF4-FFF2-40B4-BE49-F238E27FC236}">
-                <a16:creationId xmlns:a16="http://schemas.microsoft.com/office/drawing/2014/main" id="{7E351F5C-33AA-AF46-8F84-01F5B8973E54}"/>
-              </a:ext>
-            </a:extLst>
-          </p:cNvPr>
-          <p:cNvGraphicFramePr>
-            <a:graphicFrameLocks noGrp="1"/>
-          </p:cNvGraphicFramePr>
-          <p:nvPr>
-            <p:extLst>
-              <p:ext uri="{D42A27DB-BD31-4B8C-83A1-F6EECF244321}">
-                <p14:modId xmlns:p14="http://schemas.microsoft.com/office/powerpoint/2010/main" val="2836301824"/>
-              </p:ext>
-            </p:extLst>
-          </p:nvPr>
-        </p:nvGraphicFramePr>
-        <p:xfrm>
-          <a:off x="8835431" y="4360665"/>
-          <a:ext cx="8750532" cy="2073148"/>
-        </p:xfrm>
-        <a:graphic>
-          <a:graphicData uri="http://schemas.openxmlformats.org/drawingml/2006/table">
-            <a:tbl>
-              <a:tblPr firstRow="1" bandRow="1">
-                <a:tableStyleId>{ACB5B818-5B4B-48B1-9B93-774CE235BC5F}</a:tableStyleId>
-              </a:tblPr>
-              <a:tblGrid>
-                <a:gridCol w="4375266">
-                  <a:extLst>
-                    <a:ext uri="{9D8B030D-6E8A-4147-A177-3AD203B41FA5}">
-                      <a16:colId xmlns:a16="http://schemas.microsoft.com/office/drawing/2014/main" val="1159529564"/>
-                    </a:ext>
-                  </a:extLst>
-                </a:gridCol>
-                <a:gridCol w="4375266">
-                  <a:extLst>
-                    <a:ext uri="{9D8B030D-6E8A-4147-A177-3AD203B41FA5}">
-                      <a16:colId xmlns:a16="http://schemas.microsoft.com/office/drawing/2014/main" val="3337251573"/>
-                    </a:ext>
-                  </a:extLst>
-                </a:gridCol>
-              </a:tblGrid>
-              <a:tr h="370840">
-                <a:tc>
-                  <a:txBody>
-                    <a:bodyPr/>
-                    <a:lstStyle/>
-                    <a:p>
-                      <a:r>
-                        <a:rPr lang="en-US" dirty="0"/>
-                        <a:t>Data set</a:t>
-                      </a:r>
-                    </a:p>
-                  </a:txBody>
-                  <a:tcPr>
-                    <a:solidFill>
-                      <a:schemeClr val="tx2">
-                        <a:lumMod val="20000"/>
-                        <a:lumOff val="80000"/>
-                      </a:schemeClr>
-                    </a:solidFill>
-                  </a:tcPr>
-                </a:tc>
-                <a:tc>
-                  <a:txBody>
-                    <a:bodyPr/>
-                    <a:lstStyle/>
-                    <a:p>
-                      <a:r>
-                        <a:rPr lang="en-US" dirty="0"/>
-                        <a:t>Frames</a:t>
-                      </a:r>
-                    </a:p>
-                  </a:txBody>
-                  <a:tcPr>
-                    <a:solidFill>
-                      <a:schemeClr val="tx2">
-                        <a:lumMod val="20000"/>
-                        <a:lumOff val="80000"/>
-                      </a:schemeClr>
-                    </a:solidFill>
-                  </a:tcPr>
-                </a:tc>
-                <a:extLst>
-                  <a:ext uri="{0D108BD9-81ED-4DB2-BD59-A6C34878D82A}">
-                    <a16:rowId xmlns:a16="http://schemas.microsoft.com/office/drawing/2014/main" val="1453353438"/>
-                  </a:ext>
-                </a:extLst>
-              </a:tr>
-              <a:tr h="370840">
-                <a:tc>
-                  <a:txBody>
-                    <a:bodyPr/>
-                    <a:lstStyle/>
-                    <a:p>
-                      <a:r>
-                        <a:rPr lang="en-US" dirty="0"/>
-                        <a:t>Training </a:t>
-                      </a:r>
-                    </a:p>
-                  </a:txBody>
-                  <a:tcPr/>
-                </a:tc>
-                <a:tc>
-                  <a:txBody>
-                    <a:bodyPr/>
-                    <a:lstStyle/>
-                    <a:p>
-                      <a:r>
-                        <a:rPr lang="en-US" dirty="0"/>
-                        <a:t>0, 2, 4, 6, 8, 10, 12, …</a:t>
-                      </a:r>
-                    </a:p>
-                  </a:txBody>
-                  <a:tcPr/>
-                </a:tc>
-                <a:extLst>
-                  <a:ext uri="{0D108BD9-81ED-4DB2-BD59-A6C34878D82A}">
-                    <a16:rowId xmlns:a16="http://schemas.microsoft.com/office/drawing/2014/main" val="632805181"/>
-                  </a:ext>
-                </a:extLst>
-              </a:tr>
-              <a:tr h="370840">
-                <a:tc>
-                  <a:txBody>
-                    <a:bodyPr/>
-                    <a:lstStyle/>
-                    <a:p>
-                      <a:r>
-                        <a:rPr lang="en-US" dirty="0"/>
-                        <a:t>Validation</a:t>
-                      </a:r>
-                    </a:p>
-                  </a:txBody>
-                  <a:tcPr/>
-                </a:tc>
-                <a:tc>
-                  <a:txBody>
-                    <a:bodyPr/>
-                    <a:lstStyle/>
-                    <a:p>
-                      <a:r>
-                        <a:rPr lang="en-US" dirty="0"/>
-                        <a:t>1, 5, 9, …</a:t>
-                      </a:r>
-                    </a:p>
-                  </a:txBody>
-                  <a:tcPr/>
-                </a:tc>
-                <a:extLst>
-                  <a:ext uri="{0D108BD9-81ED-4DB2-BD59-A6C34878D82A}">
-                    <a16:rowId xmlns:a16="http://schemas.microsoft.com/office/drawing/2014/main" val="1094018077"/>
-                  </a:ext>
-                </a:extLst>
-              </a:tr>
-              <a:tr h="370840">
-                <a:tc>
-                  <a:txBody>
-                    <a:bodyPr/>
-                    <a:lstStyle/>
-                    <a:p>
-                      <a:r>
-                        <a:rPr lang="en-US" dirty="0"/>
-                        <a:t>Test</a:t>
-                      </a:r>
-                    </a:p>
-                  </a:txBody>
-                  <a:tcPr/>
-                </a:tc>
-                <a:tc>
-                  <a:txBody>
-                    <a:bodyPr/>
-                    <a:lstStyle/>
-                    <a:p>
-                      <a:r>
-                        <a:rPr lang="en-US" dirty="0"/>
-                        <a:t>3, 7, 11, …</a:t>
-                      </a:r>
-                    </a:p>
-                  </a:txBody>
-                  <a:tcPr/>
-                </a:tc>
-                <a:extLst>
-                  <a:ext uri="{0D108BD9-81ED-4DB2-BD59-A6C34878D82A}">
-                    <a16:rowId xmlns:a16="http://schemas.microsoft.com/office/drawing/2014/main" val="3144125474"/>
-                  </a:ext>
-                </a:extLst>
-              </a:tr>
-            </a:tbl>
-          </a:graphicData>
-        </a:graphic>
-      </p:graphicFrame>
     </p:spTree>
     <p:extLst>
       <p:ext uri="{BB962C8B-B14F-4D97-AF65-F5344CB8AC3E}">
-        <p14:creationId xmlns:p14="http://schemas.microsoft.com/office/powerpoint/2010/main" val="1732188623"/>
+        <p14:creationId xmlns:p14="http://schemas.microsoft.com/office/powerpoint/2010/main" val="1822325706"/>
       </p:ext>
     </p:extLst>
   </p:cSld>
@@ -7251,2679 +6313,7 @@
 </p:sld>
 </file>
 
-<file path=ppt/slides/slide15.xml><?xml version="1.0" encoding="utf-8"?>
-<p:sld xmlns:a="http://schemas.openxmlformats.org/drawingml/2006/main" xmlns:r="http://schemas.openxmlformats.org/officeDocument/2006/relationships" xmlns:p="http://schemas.openxmlformats.org/presentationml/2006/main" show="0">
-  <p:cSld>
-    <p:spTree>
-      <p:nvGrpSpPr>
-        <p:cNvPr id="1" name=""/>
-        <p:cNvGrpSpPr/>
-        <p:nvPr/>
-      </p:nvGrpSpPr>
-      <p:grpSpPr>
-        <a:xfrm>
-          <a:off x="0" y="0"/>
-          <a:ext cx="0" cy="0"/>
-          <a:chOff x="0" y="0"/>
-          <a:chExt cx="0" cy="0"/>
-        </a:xfrm>
-      </p:grpSpPr>
-      <p:sp>
-        <p:nvSpPr>
-          <p:cNvPr id="2" name="Title 1">
-            <a:extLst>
-              <a:ext uri="{FF2B5EF4-FFF2-40B4-BE49-F238E27FC236}">
-                <a16:creationId xmlns:a16="http://schemas.microsoft.com/office/drawing/2014/main" id="{53CA41F2-396A-D24E-AB66-1C0509B1988F}"/>
-              </a:ext>
-            </a:extLst>
-          </p:cNvPr>
-          <p:cNvSpPr>
-            <a:spLocks noGrp="1"/>
-          </p:cNvSpPr>
-          <p:nvPr>
-            <p:ph type="title"/>
-          </p:nvPr>
-        </p:nvSpPr>
-        <p:spPr/>
-        <p:txBody>
-          <a:bodyPr/>
-          <a:lstStyle/>
-          <a:p>
-            <a:r>
-              <a:rPr lang="en-US" dirty="0"/>
-              <a:t>Pre-processing the image</a:t>
-            </a:r>
-          </a:p>
-        </p:txBody>
-      </p:sp>
-      <p:pic>
-        <p:nvPicPr>
-          <p:cNvPr id="4" name="Picture 3">
-            <a:extLst>
-              <a:ext uri="{FF2B5EF4-FFF2-40B4-BE49-F238E27FC236}">
-                <a16:creationId xmlns:a16="http://schemas.microsoft.com/office/drawing/2014/main" id="{FB31FC68-B9AB-554A-8434-92BA54A927D2}"/>
-              </a:ext>
-            </a:extLst>
-          </p:cNvPr>
-          <p:cNvPicPr>
-            <a:picLocks noChangeAspect="1"/>
-          </p:cNvPicPr>
-          <p:nvPr/>
-        </p:nvPicPr>
-        <p:blipFill>
-          <a:blip r:embed="rId2"/>
-          <a:stretch>
-            <a:fillRect/>
-          </a:stretch>
-        </p:blipFill>
-        <p:spPr>
-          <a:xfrm>
-            <a:off x="2187386" y="5006660"/>
-            <a:ext cx="6154421" cy="3470334"/>
-          </a:xfrm>
-          <a:prstGeom prst="rect">
-            <a:avLst/>
-          </a:prstGeom>
-        </p:spPr>
-      </p:pic>
-      <p:sp>
-        <p:nvSpPr>
-          <p:cNvPr id="16" name="Shape 149">
-            <a:extLst>
-              <a:ext uri="{FF2B5EF4-FFF2-40B4-BE49-F238E27FC236}">
-                <a16:creationId xmlns:a16="http://schemas.microsoft.com/office/drawing/2014/main" id="{81983761-C905-3A4C-946F-8D17A76BF177}"/>
-              </a:ext>
-            </a:extLst>
-          </p:cNvPr>
-          <p:cNvSpPr txBox="1">
-            <a:spLocks/>
-          </p:cNvSpPr>
-          <p:nvPr/>
-        </p:nvSpPr>
-        <p:spPr>
-          <a:xfrm>
-            <a:off x="413459" y="1776132"/>
-            <a:ext cx="17440478" cy="2508998"/>
-          </a:xfrm>
-          <a:prstGeom prst="rect">
-            <a:avLst/>
-          </a:prstGeom>
-          <a:noFill/>
-          <a:ln>
-            <a:noFill/>
-          </a:ln>
-        </p:spPr>
-        <p:txBody>
-          <a:bodyPr lIns="182874" tIns="182874" rIns="182874" bIns="182874" anchor="t" anchorCtr="0">
-            <a:noAutofit/>
-          </a:bodyPr>
-          <a:lstStyle>
-            <a:defPPr marR="0" lvl="0" algn="l" rtl="0">
-              <a:lnSpc>
-                <a:spcPct val="100000"/>
-              </a:lnSpc>
-              <a:spcBef>
-                <a:spcPts val="0"/>
-              </a:spcBef>
-              <a:spcAft>
-                <a:spcPts val="0"/>
-              </a:spcAft>
-            </a:defPPr>
-            <a:lvl1pPr marR="0" lvl="0" algn="l" rtl="0">
-              <a:lnSpc>
-                <a:spcPct val="115000"/>
-              </a:lnSpc>
-              <a:spcBef>
-                <a:spcPts val="0"/>
-              </a:spcBef>
-              <a:spcAft>
-                <a:spcPts val="1600"/>
-              </a:spcAft>
-              <a:buClr>
-                <a:schemeClr val="lt2"/>
-              </a:buClr>
-              <a:buSzPct val="100000"/>
-              <a:buFont typeface="Calibri"/>
-              <a:buNone/>
-              <a:defRPr sz="1800" b="0" i="0" u="none" strike="noStrike" cap="none">
-                <a:solidFill>
-                  <a:schemeClr val="lt2"/>
-                </a:solidFill>
-                <a:latin typeface="Calibri"/>
-                <a:ea typeface="Calibri"/>
-                <a:cs typeface="Calibri"/>
-                <a:sym typeface="Calibri"/>
-              </a:defRPr>
-            </a:lvl1pPr>
-            <a:lvl2pPr marR="0" lvl="1" algn="l" rtl="0">
-              <a:lnSpc>
-                <a:spcPct val="115000"/>
-              </a:lnSpc>
-              <a:spcBef>
-                <a:spcPts val="0"/>
-              </a:spcBef>
-              <a:spcAft>
-                <a:spcPts val="1600"/>
-              </a:spcAft>
-              <a:buClr>
-                <a:schemeClr val="lt2"/>
-              </a:buClr>
-              <a:buFont typeface="Calibri"/>
-              <a:buNone/>
-              <a:defRPr sz="2801" b="0" i="0" u="none" strike="noStrike" cap="none">
-                <a:solidFill>
-                  <a:schemeClr val="lt2"/>
-                </a:solidFill>
-                <a:latin typeface="Calibri"/>
-                <a:ea typeface="Calibri"/>
-                <a:cs typeface="Calibri"/>
-                <a:sym typeface="Calibri"/>
-              </a:defRPr>
-            </a:lvl2pPr>
-            <a:lvl3pPr marR="0" lvl="2" algn="l" rtl="0">
-              <a:lnSpc>
-                <a:spcPct val="115000"/>
-              </a:lnSpc>
-              <a:spcBef>
-                <a:spcPts val="0"/>
-              </a:spcBef>
-              <a:spcAft>
-                <a:spcPts val="1600"/>
-              </a:spcAft>
-              <a:buClr>
-                <a:schemeClr val="lt2"/>
-              </a:buClr>
-              <a:buFont typeface="Calibri"/>
-              <a:buNone/>
-              <a:defRPr sz="2801" b="0" i="0" u="none" strike="noStrike" cap="none">
-                <a:solidFill>
-                  <a:schemeClr val="lt2"/>
-                </a:solidFill>
-                <a:latin typeface="Calibri"/>
-                <a:ea typeface="Calibri"/>
-                <a:cs typeface="Calibri"/>
-                <a:sym typeface="Calibri"/>
-              </a:defRPr>
-            </a:lvl3pPr>
-            <a:lvl4pPr marR="0" lvl="3" algn="l" rtl="0">
-              <a:lnSpc>
-                <a:spcPct val="115000"/>
-              </a:lnSpc>
-              <a:spcBef>
-                <a:spcPts val="0"/>
-              </a:spcBef>
-              <a:spcAft>
-                <a:spcPts val="1600"/>
-              </a:spcAft>
-              <a:buClr>
-                <a:schemeClr val="lt2"/>
-              </a:buClr>
-              <a:buFont typeface="Calibri"/>
-              <a:buNone/>
-              <a:defRPr sz="2801" b="0" i="0" u="none" strike="noStrike" cap="none">
-                <a:solidFill>
-                  <a:schemeClr val="lt2"/>
-                </a:solidFill>
-                <a:latin typeface="Calibri"/>
-                <a:ea typeface="Calibri"/>
-                <a:cs typeface="Calibri"/>
-                <a:sym typeface="Calibri"/>
-              </a:defRPr>
-            </a:lvl4pPr>
-            <a:lvl5pPr marR="0" lvl="4" algn="l" rtl="0">
-              <a:lnSpc>
-                <a:spcPct val="115000"/>
-              </a:lnSpc>
-              <a:spcBef>
-                <a:spcPts val="0"/>
-              </a:spcBef>
-              <a:spcAft>
-                <a:spcPts val="1600"/>
-              </a:spcAft>
-              <a:buClr>
-                <a:schemeClr val="lt2"/>
-              </a:buClr>
-              <a:buFont typeface="Calibri"/>
-              <a:buNone/>
-              <a:defRPr sz="2801" b="0" i="0" u="none" strike="noStrike" cap="none">
-                <a:solidFill>
-                  <a:schemeClr val="lt2"/>
-                </a:solidFill>
-                <a:latin typeface="Calibri"/>
-                <a:ea typeface="Calibri"/>
-                <a:cs typeface="Calibri"/>
-                <a:sym typeface="Calibri"/>
-              </a:defRPr>
-            </a:lvl5pPr>
-            <a:lvl6pPr marR="0" lvl="5" algn="l" rtl="0">
-              <a:lnSpc>
-                <a:spcPct val="115000"/>
-              </a:lnSpc>
-              <a:spcBef>
-                <a:spcPts val="0"/>
-              </a:spcBef>
-              <a:spcAft>
-                <a:spcPts val="1600"/>
-              </a:spcAft>
-              <a:buClr>
-                <a:schemeClr val="lt2"/>
-              </a:buClr>
-              <a:buFont typeface="Calibri"/>
-              <a:buNone/>
-              <a:defRPr sz="2801" b="0" i="0" u="none" strike="noStrike" cap="none">
-                <a:solidFill>
-                  <a:schemeClr val="lt2"/>
-                </a:solidFill>
-                <a:latin typeface="Calibri"/>
-                <a:ea typeface="Calibri"/>
-                <a:cs typeface="Calibri"/>
-                <a:sym typeface="Calibri"/>
-              </a:defRPr>
-            </a:lvl6pPr>
-            <a:lvl7pPr marR="0" lvl="6" algn="l" rtl="0">
-              <a:lnSpc>
-                <a:spcPct val="115000"/>
-              </a:lnSpc>
-              <a:spcBef>
-                <a:spcPts val="0"/>
-              </a:spcBef>
-              <a:spcAft>
-                <a:spcPts val="1600"/>
-              </a:spcAft>
-              <a:buClr>
-                <a:schemeClr val="lt2"/>
-              </a:buClr>
-              <a:buFont typeface="Calibri"/>
-              <a:buNone/>
-              <a:defRPr sz="2801" b="0" i="0" u="none" strike="noStrike" cap="none">
-                <a:solidFill>
-                  <a:schemeClr val="lt2"/>
-                </a:solidFill>
-                <a:latin typeface="Calibri"/>
-                <a:ea typeface="Calibri"/>
-                <a:cs typeface="Calibri"/>
-                <a:sym typeface="Calibri"/>
-              </a:defRPr>
-            </a:lvl7pPr>
-            <a:lvl8pPr marR="0" lvl="7" algn="l" rtl="0">
-              <a:lnSpc>
-                <a:spcPct val="115000"/>
-              </a:lnSpc>
-              <a:spcBef>
-                <a:spcPts val="0"/>
-              </a:spcBef>
-              <a:spcAft>
-                <a:spcPts val="1600"/>
-              </a:spcAft>
-              <a:buClr>
-                <a:schemeClr val="lt2"/>
-              </a:buClr>
-              <a:buFont typeface="Calibri"/>
-              <a:buNone/>
-              <a:defRPr sz="2801" b="0" i="0" u="none" strike="noStrike" cap="none">
-                <a:solidFill>
-                  <a:schemeClr val="lt2"/>
-                </a:solidFill>
-                <a:latin typeface="Calibri"/>
-                <a:ea typeface="Calibri"/>
-                <a:cs typeface="Calibri"/>
-                <a:sym typeface="Calibri"/>
-              </a:defRPr>
-            </a:lvl8pPr>
-            <a:lvl9pPr marR="0" lvl="8" algn="l" rtl="0">
-              <a:lnSpc>
-                <a:spcPct val="115000"/>
-              </a:lnSpc>
-              <a:spcBef>
-                <a:spcPts val="0"/>
-              </a:spcBef>
-              <a:spcAft>
-                <a:spcPts val="1600"/>
-              </a:spcAft>
-              <a:buClr>
-                <a:schemeClr val="lt2"/>
-              </a:buClr>
-              <a:buFont typeface="Calibri"/>
-              <a:buNone/>
-              <a:defRPr sz="2801" b="0" i="0" u="none" strike="noStrike" cap="none">
-                <a:solidFill>
-                  <a:schemeClr val="lt2"/>
-                </a:solidFill>
-                <a:latin typeface="Calibri"/>
-                <a:ea typeface="Calibri"/>
-                <a:cs typeface="Calibri"/>
-                <a:sym typeface="Calibri"/>
-              </a:defRPr>
-            </a:lvl9pPr>
-          </a:lstStyle>
-          <a:p>
-            <a:pPr marL="914507" indent="-711281">
-              <a:buClr>
-                <a:srgbClr val="434343"/>
-              </a:buClr>
-              <a:buFont typeface="Calibri"/>
-              <a:buChar char="●"/>
-            </a:pPr>
-            <a:r>
-              <a:rPr lang="en-US" sz="4002" dirty="0">
-                <a:solidFill>
-                  <a:srgbClr val="434343"/>
-                </a:solidFill>
-              </a:rPr>
-              <a:t>We resize and crop the image, focusing on the road as this is the region of interest for predicting steering angles.</a:t>
-            </a:r>
-          </a:p>
-          <a:p>
-            <a:pPr marL="914507" indent="-711281">
-              <a:buClr>
-                <a:srgbClr val="434343"/>
-              </a:buClr>
-              <a:buFont typeface="Calibri"/>
-              <a:buChar char="●"/>
-            </a:pPr>
-            <a:r>
-              <a:rPr lang="en-US" sz="4002" dirty="0">
-                <a:solidFill>
-                  <a:srgbClr val="434343"/>
-                </a:solidFill>
-              </a:rPr>
-              <a:t>Resizing reduces the amount of processing for each image</a:t>
-            </a:r>
-          </a:p>
-          <a:p>
-            <a:pPr marL="914507" indent="-711281">
-              <a:buClr>
-                <a:srgbClr val="434343"/>
-              </a:buClr>
-              <a:buFont typeface="Calibri"/>
-              <a:buChar char="●"/>
-            </a:pPr>
-            <a:endParaRPr lang="en-US" sz="4002" dirty="0">
-              <a:solidFill>
-                <a:srgbClr val="434343"/>
-              </a:solidFill>
-            </a:endParaRPr>
-          </a:p>
-          <a:p>
-            <a:pPr marL="203226" lvl="1">
-              <a:buClr>
-                <a:srgbClr val="434343"/>
-              </a:buClr>
-            </a:pPr>
-            <a:r>
-              <a:rPr lang="en-GB" sz="3200" dirty="0">
-                <a:solidFill>
-                  <a:srgbClr val="434343"/>
-                </a:solidFill>
-                <a:latin typeface="Consolas" panose="020B0609020204030204" pitchFamily="49" charset="0"/>
-                <a:cs typeface="Consolas" panose="020B0609020204030204" pitchFamily="49" charset="0"/>
-              </a:rPr>
-              <a:t>		</a:t>
-            </a:r>
-            <a:endParaRPr lang="en-US" sz="4002" dirty="0">
-              <a:solidFill>
-                <a:srgbClr val="434343"/>
-              </a:solidFill>
-            </a:endParaRPr>
-          </a:p>
-        </p:txBody>
-      </p:sp>
-      <p:sp>
-        <p:nvSpPr>
-          <p:cNvPr id="9" name="Right Arrow 8">
-            <a:extLst>
-              <a:ext uri="{FF2B5EF4-FFF2-40B4-BE49-F238E27FC236}">
-                <a16:creationId xmlns:a16="http://schemas.microsoft.com/office/drawing/2014/main" id="{9B3D739C-B0F4-C943-881E-2704EB70424D}"/>
-              </a:ext>
-            </a:extLst>
-          </p:cNvPr>
-          <p:cNvSpPr/>
-          <p:nvPr/>
-        </p:nvSpPr>
-        <p:spPr>
-          <a:xfrm>
-            <a:off x="8866655" y="6314784"/>
-            <a:ext cx="1954306" cy="860612"/>
-          </a:xfrm>
-          <a:prstGeom prst="rightArrow">
-            <a:avLst/>
-          </a:prstGeom>
-        </p:spPr>
-        <p:style>
-          <a:lnRef idx="2">
-            <a:schemeClr val="accent1">
-              <a:shade val="50000"/>
-            </a:schemeClr>
-          </a:lnRef>
-          <a:fillRef idx="1">
-            <a:schemeClr val="accent1"/>
-          </a:fillRef>
-          <a:effectRef idx="0">
-            <a:schemeClr val="accent1"/>
-          </a:effectRef>
-          <a:fontRef idx="minor">
-            <a:schemeClr val="lt1"/>
-          </a:fontRef>
-        </p:style>
-        <p:txBody>
-          <a:bodyPr rtlCol="0" anchor="ctr"/>
-          <a:lstStyle/>
-          <a:p>
-            <a:pPr algn="ctr"/>
-            <a:endParaRPr lang="en-US"/>
-          </a:p>
-        </p:txBody>
-      </p:sp>
-      <p:pic>
-        <p:nvPicPr>
-          <p:cNvPr id="7" name="Picture 6">
-            <a:extLst>
-              <a:ext uri="{FF2B5EF4-FFF2-40B4-BE49-F238E27FC236}">
-                <a16:creationId xmlns:a16="http://schemas.microsoft.com/office/drawing/2014/main" id="{FCC6AD04-7951-624D-B022-7CBAADBFFF95}"/>
-              </a:ext>
-            </a:extLst>
-          </p:cNvPr>
-          <p:cNvPicPr>
-            <a:picLocks noChangeAspect="1"/>
-          </p:cNvPicPr>
-          <p:nvPr/>
-        </p:nvPicPr>
-        <p:blipFill rotWithShape="1">
-          <a:blip r:embed="rId2"/>
-          <a:srcRect t="39391" b="-39391"/>
-          <a:stretch/>
-        </p:blipFill>
-        <p:spPr>
-          <a:xfrm>
-            <a:off x="11190192" y="6011981"/>
-            <a:ext cx="4449553" cy="2508999"/>
-          </a:xfrm>
-          <a:prstGeom prst="rect">
-            <a:avLst/>
-          </a:prstGeom>
-        </p:spPr>
-      </p:pic>
-      <mc:AlternateContent xmlns:mc="http://schemas.openxmlformats.org/markup-compatibility/2006" xmlns:p14="http://schemas.microsoft.com/office/powerpoint/2010/main">
-        <mc:Choice Requires="p14">
-          <p:contentPart p14:bwMode="auto" r:id="rId3">
-            <p14:nvContentPartPr>
-              <p14:cNvPr id="3" name="Ink 2">
-                <a:extLst>
-                  <a:ext uri="{FF2B5EF4-FFF2-40B4-BE49-F238E27FC236}">
-                    <a16:creationId xmlns:a16="http://schemas.microsoft.com/office/drawing/2014/main" id="{6330F84A-302E-3740-B75A-7286AF9B2B03}"/>
-                  </a:ext>
-                </a:extLst>
-              </p14:cNvPr>
-              <p14:cNvContentPartPr/>
-              <p14:nvPr/>
-            </p14:nvContentPartPr>
-            <p14:xfrm>
-              <a:off x="6686449" y="6133856"/>
-              <a:ext cx="4680" cy="4680"/>
-            </p14:xfrm>
-          </p:contentPart>
-        </mc:Choice>
-        <mc:Fallback xmlns="">
-          <p:pic>
-            <p:nvPicPr>
-              <p:cNvPr id="3" name="Ink 2">
-                <a:extLst>
-                  <a:ext uri="{FF2B5EF4-FFF2-40B4-BE49-F238E27FC236}">
-                    <a16:creationId xmlns:a16="http://schemas.microsoft.com/office/drawing/2014/main" id="{6330F84A-302E-3740-B75A-7286AF9B2B03}"/>
-                  </a:ext>
-                </a:extLst>
-              </p:cNvPr>
-              <p:cNvPicPr/>
-              <p:nvPr/>
-            </p:nvPicPr>
-            <p:blipFill>
-              <a:blip r:embed="rId4"/>
-              <a:stretch>
-                <a:fillRect/>
-              </a:stretch>
-            </p:blipFill>
-            <p:spPr>
-              <a:xfrm>
-                <a:off x="6677809" y="6124856"/>
-                <a:ext cx="22320" cy="22320"/>
-              </a:xfrm>
-              <a:prstGeom prst="rect">
-                <a:avLst/>
-              </a:prstGeom>
-            </p:spPr>
-          </p:pic>
-        </mc:Fallback>
-      </mc:AlternateContent>
-    </p:spTree>
-    <p:extLst>
-      <p:ext uri="{BB962C8B-B14F-4D97-AF65-F5344CB8AC3E}">
-        <p14:creationId xmlns:p14="http://schemas.microsoft.com/office/powerpoint/2010/main" val="2761259632"/>
-      </p:ext>
-    </p:extLst>
-  </p:cSld>
-  <p:clrMapOvr>
-    <a:masterClrMapping/>
-  </p:clrMapOvr>
-</p:sld>
-</file>
-
-<file path=ppt/slides/slide16.xml><?xml version="1.0" encoding="utf-8"?>
-<p:sld xmlns:a="http://schemas.openxmlformats.org/drawingml/2006/main" xmlns:r="http://schemas.openxmlformats.org/officeDocument/2006/relationships" xmlns:p="http://schemas.openxmlformats.org/presentationml/2006/main" show="0">
-  <p:cSld>
-    <p:spTree>
-      <p:nvGrpSpPr>
-        <p:cNvPr id="1" name="Shape 147"/>
-        <p:cNvGrpSpPr/>
-        <p:nvPr/>
-      </p:nvGrpSpPr>
-      <p:grpSpPr>
-        <a:xfrm>
-          <a:off x="0" y="0"/>
-          <a:ext cx="0" cy="0"/>
-          <a:chOff x="0" y="0"/>
-          <a:chExt cx="0" cy="0"/>
-        </a:xfrm>
-      </p:grpSpPr>
-      <p:sp>
-        <p:nvSpPr>
-          <p:cNvPr id="148" name="Shape 148"/>
-          <p:cNvSpPr txBox="1">
-            <a:spLocks noGrp="1"/>
-          </p:cNvSpPr>
-          <p:nvPr>
-            <p:ph type="title"/>
-          </p:nvPr>
-        </p:nvSpPr>
-        <p:spPr>
-          <a:xfrm>
-            <a:off x="192358" y="32689"/>
-            <a:ext cx="17661379" cy="1204842"/>
-          </a:xfrm>
-          <a:prstGeom prst="rect">
-            <a:avLst/>
-          </a:prstGeom>
-        </p:spPr>
-        <p:txBody>
-          <a:bodyPr lIns="182874" tIns="182874" rIns="182874" bIns="182874" anchor="ctr" anchorCtr="0">
-            <a:noAutofit/>
-          </a:bodyPr>
-          <a:lstStyle/>
-          <a:p>
-            <a:pPr algn="ctr"/>
-            <a:r>
-              <a:rPr lang="en" sz="4402" dirty="0"/>
-              <a:t>Generators</a:t>
-            </a:r>
-          </a:p>
-        </p:txBody>
-      </p:sp>
-      <p:sp>
-        <p:nvSpPr>
-          <p:cNvPr id="149" name="Shape 149"/>
-          <p:cNvSpPr txBox="1">
-            <a:spLocks noGrp="1"/>
-          </p:cNvSpPr>
-          <p:nvPr>
-            <p:ph type="body" idx="4294967295"/>
-          </p:nvPr>
-        </p:nvSpPr>
-        <p:spPr>
-          <a:xfrm>
-            <a:off x="413459" y="1776131"/>
-            <a:ext cx="17440478" cy="8042873"/>
-          </a:xfrm>
-          <a:prstGeom prst="rect">
-            <a:avLst/>
-          </a:prstGeom>
-        </p:spPr>
-        <p:txBody>
-          <a:bodyPr lIns="182874" tIns="182874" rIns="182874" bIns="182874" anchor="t" anchorCtr="0">
-            <a:noAutofit/>
-          </a:bodyPr>
-          <a:lstStyle/>
-          <a:p>
-            <a:pPr marL="914507" indent="-711281">
-              <a:buClr>
-                <a:srgbClr val="434343"/>
-              </a:buClr>
-              <a:buFont typeface="Calibri"/>
-              <a:buChar char="●"/>
-            </a:pPr>
-            <a:r>
-              <a:rPr lang="en-US" sz="4002" dirty="0">
-                <a:solidFill>
-                  <a:srgbClr val="434343"/>
-                </a:solidFill>
-              </a:rPr>
-              <a:t>As our dataset is large, we don’t want to load it all into memory</a:t>
-            </a:r>
-          </a:p>
-          <a:p>
-            <a:pPr marL="914507" indent="-711281">
-              <a:buClr>
-                <a:srgbClr val="434343"/>
-              </a:buClr>
-              <a:buFont typeface="Calibri"/>
-              <a:buChar char="●"/>
-            </a:pPr>
-            <a:r>
-              <a:rPr lang="en-US" sz="4002" dirty="0">
-                <a:solidFill>
-                  <a:srgbClr val="434343"/>
-                </a:solidFill>
-              </a:rPr>
-              <a:t>Generators give us the ability to iterate through our dataset and train on batches</a:t>
-            </a:r>
-          </a:p>
-          <a:p>
-            <a:pPr marL="914507" indent="-711281">
-              <a:buClr>
-                <a:srgbClr val="434343"/>
-              </a:buClr>
-              <a:buFont typeface="Calibri"/>
-              <a:buChar char="●"/>
-            </a:pPr>
-            <a:endParaRPr lang="en-US" sz="4002" dirty="0">
-              <a:solidFill>
-                <a:srgbClr val="434343"/>
-              </a:solidFill>
-            </a:endParaRPr>
-          </a:p>
-          <a:p>
-            <a:pPr marL="914507" indent="-711281">
-              <a:buClr>
-                <a:srgbClr val="434343"/>
-              </a:buClr>
-              <a:buChar char="●"/>
-            </a:pPr>
-            <a:endParaRPr lang="en-US" sz="4002" dirty="0">
-              <a:solidFill>
-                <a:srgbClr val="434343"/>
-              </a:solidFill>
-            </a:endParaRPr>
-          </a:p>
-          <a:p>
-            <a:pPr marL="914507" indent="-711281">
-              <a:buClr>
-                <a:srgbClr val="434343"/>
-              </a:buClr>
-              <a:buChar char="●"/>
-            </a:pPr>
-            <a:endParaRPr lang="en-US" sz="4002" dirty="0">
-              <a:solidFill>
-                <a:srgbClr val="434343"/>
-              </a:solidFill>
-            </a:endParaRPr>
-          </a:p>
-          <a:p>
-            <a:pPr marL="203226" lvl="1">
-              <a:buClr>
-                <a:srgbClr val="434343"/>
-              </a:buClr>
-            </a:pPr>
-            <a:r>
-              <a:rPr lang="en-GB" sz="3200" dirty="0">
-                <a:solidFill>
-                  <a:srgbClr val="434343"/>
-                </a:solidFill>
-                <a:latin typeface="Consolas" panose="020B0609020204030204" pitchFamily="49" charset="0"/>
-                <a:cs typeface="Consolas" panose="020B0609020204030204" pitchFamily="49" charset="0"/>
-              </a:rPr>
-              <a:t>		</a:t>
-            </a:r>
-            <a:endParaRPr lang="en-US" sz="4002" dirty="0">
-              <a:solidFill>
-                <a:srgbClr val="434343"/>
-              </a:solidFill>
-            </a:endParaRPr>
-          </a:p>
-          <a:p>
-            <a:pPr marL="774726" indent="-571500">
-              <a:buClr>
-                <a:srgbClr val="434343"/>
-              </a:buClr>
-              <a:buFont typeface="Arial" panose="020B0604020202020204" pitchFamily="34" charset="0"/>
-              <a:buChar char="•"/>
-            </a:pPr>
-            <a:endParaRPr lang="en" sz="4002" dirty="0">
-              <a:solidFill>
-                <a:srgbClr val="434343"/>
-              </a:solidFill>
-            </a:endParaRPr>
-          </a:p>
-        </p:txBody>
-      </p:sp>
-    </p:spTree>
-    <p:extLst>
-      <p:ext uri="{BB962C8B-B14F-4D97-AF65-F5344CB8AC3E}">
-        <p14:creationId xmlns:p14="http://schemas.microsoft.com/office/powerpoint/2010/main" val="2370473635"/>
-      </p:ext>
-    </p:extLst>
-  </p:cSld>
-  <p:clrMapOvr>
-    <a:masterClrMapping/>
-  </p:clrMapOvr>
-</p:sld>
-</file>
-
-<file path=ppt/slides/slide17.xml><?xml version="1.0" encoding="utf-8"?>
-<p:sld xmlns:a="http://schemas.openxmlformats.org/drawingml/2006/main" xmlns:r="http://schemas.openxmlformats.org/officeDocument/2006/relationships" xmlns:p="http://schemas.openxmlformats.org/presentationml/2006/main" show="0">
-  <p:cSld>
-    <p:spTree>
-      <p:nvGrpSpPr>
-        <p:cNvPr id="1" name="Shape 147"/>
-        <p:cNvGrpSpPr/>
-        <p:nvPr/>
-      </p:nvGrpSpPr>
-      <p:grpSpPr>
-        <a:xfrm>
-          <a:off x="0" y="0"/>
-          <a:ext cx="0" cy="0"/>
-          <a:chOff x="0" y="0"/>
-          <a:chExt cx="0" cy="0"/>
-        </a:xfrm>
-      </p:grpSpPr>
-      <p:sp>
-        <p:nvSpPr>
-          <p:cNvPr id="148" name="Shape 148"/>
-          <p:cNvSpPr txBox="1">
-            <a:spLocks noGrp="1"/>
-          </p:cNvSpPr>
-          <p:nvPr>
-            <p:ph type="title"/>
-          </p:nvPr>
-        </p:nvSpPr>
-        <p:spPr>
-          <a:xfrm>
-            <a:off x="192358" y="32689"/>
-            <a:ext cx="17661379" cy="1204842"/>
-          </a:xfrm>
-          <a:prstGeom prst="rect">
-            <a:avLst/>
-          </a:prstGeom>
-        </p:spPr>
-        <p:txBody>
-          <a:bodyPr lIns="182874" tIns="182874" rIns="182874" bIns="182874" anchor="ctr" anchorCtr="0">
-            <a:noAutofit/>
-          </a:bodyPr>
-          <a:lstStyle/>
-          <a:p>
-            <a:pPr algn="ctr"/>
-            <a:r>
-              <a:rPr lang="en" sz="4402" dirty="0"/>
-              <a:t>Our CNN</a:t>
-            </a:r>
-          </a:p>
-        </p:txBody>
-      </p:sp>
-      <p:pic>
-        <p:nvPicPr>
-          <p:cNvPr id="3" name="Picture 2" descr="A screenshot of a cell phone&#13;&#10;&#13;&#10;Description automatically generated">
-            <a:extLst>
-              <a:ext uri="{FF2B5EF4-FFF2-40B4-BE49-F238E27FC236}">
-                <a16:creationId xmlns:a16="http://schemas.microsoft.com/office/drawing/2014/main" id="{08754724-7C1D-3949-915A-4C796CAD48AD}"/>
-              </a:ext>
-            </a:extLst>
-          </p:cNvPr>
-          <p:cNvPicPr>
-            <a:picLocks noChangeAspect="1"/>
-          </p:cNvPicPr>
-          <p:nvPr/>
-        </p:nvPicPr>
-        <p:blipFill>
-          <a:blip r:embed="rId3"/>
-          <a:stretch>
-            <a:fillRect/>
-          </a:stretch>
-        </p:blipFill>
-        <p:spPr>
-          <a:xfrm rot="5400000">
-            <a:off x="6902823" y="-2259104"/>
-            <a:ext cx="3514166" cy="15383436"/>
-          </a:xfrm>
-          <a:prstGeom prst="rect">
-            <a:avLst/>
-          </a:prstGeom>
-        </p:spPr>
-      </p:pic>
-      <p:pic>
-        <p:nvPicPr>
-          <p:cNvPr id="5" name="Picture 4">
-            <a:extLst>
-              <a:ext uri="{FF2B5EF4-FFF2-40B4-BE49-F238E27FC236}">
-                <a16:creationId xmlns:a16="http://schemas.microsoft.com/office/drawing/2014/main" id="{C0727B88-7B7B-A34E-B33D-30CFFB31EC9D}"/>
-              </a:ext>
-            </a:extLst>
-          </p:cNvPr>
-          <p:cNvPicPr>
-            <a:picLocks noChangeAspect="1"/>
-          </p:cNvPicPr>
-          <p:nvPr/>
-        </p:nvPicPr>
-        <p:blipFill rotWithShape="1">
-          <a:blip r:embed="rId4"/>
-          <a:srcRect t="39391" b="-39391"/>
-          <a:stretch/>
-        </p:blipFill>
-        <p:spPr>
-          <a:xfrm rot="5400000">
-            <a:off x="14614709" y="4178114"/>
-            <a:ext cx="4449553" cy="2508999"/>
-          </a:xfrm>
-          <a:prstGeom prst="rect">
-            <a:avLst/>
-          </a:prstGeom>
-        </p:spPr>
-      </p:pic>
-      <p:sp>
-        <p:nvSpPr>
-          <p:cNvPr id="4" name="TextBox 3">
-            <a:extLst>
-              <a:ext uri="{FF2B5EF4-FFF2-40B4-BE49-F238E27FC236}">
-                <a16:creationId xmlns:a16="http://schemas.microsoft.com/office/drawing/2014/main" id="{2A7B5968-FBD4-5047-9B6B-A11D6B6F310F}"/>
-              </a:ext>
-            </a:extLst>
-          </p:cNvPr>
-          <p:cNvSpPr txBox="1"/>
-          <p:nvPr/>
-        </p:nvSpPr>
-        <p:spPr>
-          <a:xfrm rot="5400000">
-            <a:off x="-99068" y="5170842"/>
-            <a:ext cx="1106393" cy="523541"/>
-          </a:xfrm>
-          <a:prstGeom prst="rect">
-            <a:avLst/>
-          </a:prstGeom>
-          <a:noFill/>
-        </p:spPr>
-        <p:txBody>
-          <a:bodyPr wrap="none" rtlCol="0">
-            <a:spAutoFit/>
-          </a:bodyPr>
-          <a:lstStyle/>
-          <a:p>
-            <a:r>
-              <a:rPr lang="en-US" dirty="0"/>
-              <a:t>Angle</a:t>
-            </a:r>
-          </a:p>
-        </p:txBody>
-      </p:sp>
-    </p:spTree>
-    <p:extLst>
-      <p:ext uri="{BB962C8B-B14F-4D97-AF65-F5344CB8AC3E}">
-        <p14:creationId xmlns:p14="http://schemas.microsoft.com/office/powerpoint/2010/main" val="251888988"/>
-      </p:ext>
-    </p:extLst>
-  </p:cSld>
-  <p:clrMapOvr>
-    <a:masterClrMapping/>
-  </p:clrMapOvr>
-</p:sld>
-</file>
-
-<file path=ppt/slides/slide18.xml><?xml version="1.0" encoding="utf-8"?>
-<p:sld xmlns:a="http://schemas.openxmlformats.org/drawingml/2006/main" xmlns:r="http://schemas.openxmlformats.org/officeDocument/2006/relationships" xmlns:p="http://schemas.openxmlformats.org/presentationml/2006/main" show="0">
-  <p:cSld>
-    <p:spTree>
-      <p:nvGrpSpPr>
-        <p:cNvPr id="1" name="Shape 172"/>
-        <p:cNvGrpSpPr/>
-        <p:nvPr/>
-      </p:nvGrpSpPr>
-      <p:grpSpPr>
-        <a:xfrm>
-          <a:off x="0" y="0"/>
-          <a:ext cx="0" cy="0"/>
-          <a:chOff x="0" y="0"/>
-          <a:chExt cx="0" cy="0"/>
-        </a:xfrm>
-      </p:grpSpPr>
-      <p:sp>
-        <p:nvSpPr>
-          <p:cNvPr id="173" name="Shape 173"/>
-          <p:cNvSpPr txBox="1">
-            <a:spLocks noGrp="1"/>
-          </p:cNvSpPr>
-          <p:nvPr>
-            <p:ph type="title"/>
-          </p:nvPr>
-        </p:nvSpPr>
-        <p:spPr>
-          <a:xfrm>
-            <a:off x="976721" y="976049"/>
-            <a:ext cx="16075446" cy="8177813"/>
-          </a:xfrm>
-          <a:prstGeom prst="rect">
-            <a:avLst/>
-          </a:prstGeom>
-        </p:spPr>
-        <p:txBody>
-          <a:bodyPr lIns="182874" tIns="182874" rIns="182874" bIns="182874" anchor="ctr" anchorCtr="0">
-            <a:noAutofit/>
-          </a:bodyPr>
-          <a:lstStyle/>
-          <a:p>
-            <a:r>
-              <a:rPr lang="en" dirty="0">
-                <a:latin typeface="Consolas" panose="020B0609020204030204" pitchFamily="49" charset="0"/>
-                <a:cs typeface="Consolas" panose="020B0609020204030204" pitchFamily="49" charset="0"/>
-              </a:rPr>
-              <a:t>Let’s explore the code…</a:t>
-            </a:r>
-          </a:p>
-        </p:txBody>
-      </p:sp>
-    </p:spTree>
-    <p:extLst>
-      <p:ext uri="{BB962C8B-B14F-4D97-AF65-F5344CB8AC3E}">
-        <p14:creationId xmlns:p14="http://schemas.microsoft.com/office/powerpoint/2010/main" val="2039812599"/>
-      </p:ext>
-    </p:extLst>
-  </p:cSld>
-  <p:clrMapOvr>
-    <a:masterClrMapping/>
-  </p:clrMapOvr>
-</p:sld>
-</file>
-
-<file path=ppt/slides/slide19.xml><?xml version="1.0" encoding="utf-8"?>
-<p:sld xmlns:a="http://schemas.openxmlformats.org/drawingml/2006/main" xmlns:r="http://schemas.openxmlformats.org/officeDocument/2006/relationships" xmlns:p="http://schemas.openxmlformats.org/presentationml/2006/main" show="0">
-  <p:cSld>
-    <p:spTree>
-      <p:nvGrpSpPr>
-        <p:cNvPr id="1" name="Shape 147"/>
-        <p:cNvGrpSpPr/>
-        <p:nvPr/>
-      </p:nvGrpSpPr>
-      <p:grpSpPr>
-        <a:xfrm>
-          <a:off x="0" y="0"/>
-          <a:ext cx="0" cy="0"/>
-          <a:chOff x="0" y="0"/>
-          <a:chExt cx="0" cy="0"/>
-        </a:xfrm>
-      </p:grpSpPr>
-      <p:sp>
-        <p:nvSpPr>
-          <p:cNvPr id="148" name="Shape 148"/>
-          <p:cNvSpPr txBox="1">
-            <a:spLocks noGrp="1"/>
-          </p:cNvSpPr>
-          <p:nvPr>
-            <p:ph type="title"/>
-          </p:nvPr>
-        </p:nvSpPr>
-        <p:spPr>
-          <a:xfrm>
-            <a:off x="192358" y="32689"/>
-            <a:ext cx="17661379" cy="1204842"/>
-          </a:xfrm>
-          <a:prstGeom prst="rect">
-            <a:avLst/>
-          </a:prstGeom>
-        </p:spPr>
-        <p:txBody>
-          <a:bodyPr lIns="182874" tIns="182874" rIns="182874" bIns="182874" anchor="ctr" anchorCtr="0">
-            <a:noAutofit/>
-          </a:bodyPr>
-          <a:lstStyle/>
-          <a:p>
-            <a:pPr algn="ctr"/>
-            <a:r>
-              <a:rPr lang="en" sz="4402" dirty="0"/>
-              <a:t>Debugging Neural Networks</a:t>
-            </a:r>
-          </a:p>
-        </p:txBody>
-      </p:sp>
-      <p:sp>
-        <p:nvSpPr>
-          <p:cNvPr id="149" name="Shape 149"/>
-          <p:cNvSpPr txBox="1">
-            <a:spLocks noGrp="1"/>
-          </p:cNvSpPr>
-          <p:nvPr>
-            <p:ph type="body" idx="4294967295"/>
-          </p:nvPr>
-        </p:nvSpPr>
-        <p:spPr>
-          <a:xfrm>
-            <a:off x="413459" y="1776131"/>
-            <a:ext cx="17440478" cy="8042873"/>
-          </a:xfrm>
-          <a:prstGeom prst="rect">
-            <a:avLst/>
-          </a:prstGeom>
-        </p:spPr>
-        <p:txBody>
-          <a:bodyPr lIns="182874" tIns="182874" rIns="182874" bIns="182874" anchor="t" anchorCtr="0">
-            <a:noAutofit/>
-          </a:bodyPr>
-          <a:lstStyle/>
-          <a:p>
-            <a:pPr marL="914507" indent="-711281">
-              <a:buClr>
-                <a:srgbClr val="434343"/>
-              </a:buClr>
-              <a:buFont typeface="Calibri"/>
-              <a:buChar char="●"/>
-            </a:pPr>
-            <a:r>
-              <a:rPr lang="en-US" sz="4002" dirty="0">
-                <a:solidFill>
-                  <a:srgbClr val="434343"/>
-                </a:solidFill>
-              </a:rPr>
-              <a:t>Training neural networks can be more trial-and-error than science</a:t>
-            </a:r>
-          </a:p>
-          <a:p>
-            <a:pPr marL="914507" indent="-711281">
-              <a:buClr>
-                <a:srgbClr val="434343"/>
-              </a:buClr>
-              <a:buFont typeface="Calibri"/>
-              <a:buChar char="●"/>
-            </a:pPr>
-            <a:r>
-              <a:rPr lang="en-US" sz="4002" dirty="0">
-                <a:solidFill>
-                  <a:srgbClr val="434343"/>
-                </a:solidFill>
-              </a:rPr>
-              <a:t>Prove the code works by running a small number of samples and a single batch</a:t>
-            </a:r>
-          </a:p>
-          <a:p>
-            <a:pPr marL="914507" indent="-711281">
-              <a:buClr>
-                <a:srgbClr val="434343"/>
-              </a:buClr>
-              <a:buFont typeface="Calibri"/>
-              <a:buChar char="●"/>
-            </a:pPr>
-            <a:r>
-              <a:rPr lang="en-US" sz="4002" dirty="0">
-                <a:solidFill>
-                  <a:srgbClr val="434343"/>
-                </a:solidFill>
-              </a:rPr>
-              <a:t>Train using a small number of samples to check that the model converges and you see overfitting</a:t>
-            </a:r>
-          </a:p>
-          <a:p>
-            <a:pPr marL="914507" indent="-711281">
-              <a:buClr>
-                <a:srgbClr val="434343"/>
-              </a:buClr>
-              <a:buFont typeface="Calibri"/>
-              <a:buChar char="●"/>
-            </a:pPr>
-            <a:r>
-              <a:rPr lang="en-US" sz="4002" dirty="0">
-                <a:solidFill>
-                  <a:srgbClr val="434343"/>
-                </a:solidFill>
-              </a:rPr>
-              <a:t>Increase the number of samples over time</a:t>
-            </a:r>
-          </a:p>
-          <a:p>
-            <a:pPr marL="914507" indent="-711281">
-              <a:buClr>
-                <a:srgbClr val="434343"/>
-              </a:buClr>
-              <a:buFont typeface="Calibri"/>
-              <a:buChar char="●"/>
-            </a:pPr>
-            <a:r>
-              <a:rPr lang="en-US" sz="4002" dirty="0">
-                <a:solidFill>
-                  <a:srgbClr val="434343"/>
-                </a:solidFill>
-              </a:rPr>
-              <a:t>Make changes to the network architecture, hyper-parameters, etc. to find an optimal solution</a:t>
-            </a:r>
-          </a:p>
-          <a:p>
-            <a:pPr marL="914507" indent="-711281">
-              <a:buClr>
-                <a:srgbClr val="434343"/>
-              </a:buClr>
-              <a:buFont typeface="Calibri"/>
-              <a:buChar char="●"/>
-            </a:pPr>
-            <a:r>
-              <a:rPr lang="en-US" sz="4002" dirty="0">
-                <a:solidFill>
-                  <a:srgbClr val="434343"/>
-                </a:solidFill>
-              </a:rPr>
-              <a:t>Then scale to the full dataset</a:t>
-            </a:r>
-          </a:p>
-          <a:p>
-            <a:pPr marL="914507" indent="-711281">
-              <a:buClr>
-                <a:srgbClr val="434343"/>
-              </a:buClr>
-              <a:buFont typeface="Calibri"/>
-              <a:buChar char="●"/>
-            </a:pPr>
-            <a:r>
-              <a:rPr lang="en-US" sz="2400" dirty="0">
-                <a:solidFill>
-                  <a:srgbClr val="434343"/>
-                </a:solidFill>
-              </a:rPr>
-              <a:t>See </a:t>
-            </a:r>
-            <a:r>
-              <a:rPr lang="en-US" sz="2400" dirty="0">
-                <a:solidFill>
-                  <a:srgbClr val="434343"/>
-                </a:solidFill>
-                <a:hlinkClick r:id="rId3"/>
-              </a:rPr>
-              <a:t>https://keras.io/getting-started/faq/#why-is-the-training-loss-much-higher-than-the-testing-loss</a:t>
-            </a:r>
-            <a:r>
-              <a:rPr lang="en-US" sz="2400" dirty="0">
-                <a:solidFill>
-                  <a:srgbClr val="434343"/>
-                </a:solidFill>
-              </a:rPr>
-              <a:t> </a:t>
-            </a:r>
-          </a:p>
-          <a:p>
-            <a:pPr marL="914507" indent="-711281">
-              <a:buClr>
-                <a:srgbClr val="434343"/>
-              </a:buClr>
-              <a:buFont typeface="Calibri"/>
-              <a:buChar char="●"/>
-            </a:pPr>
-            <a:endParaRPr lang="en-US" sz="4002" dirty="0">
-              <a:solidFill>
-                <a:srgbClr val="434343"/>
-              </a:solidFill>
-            </a:endParaRPr>
-          </a:p>
-          <a:p>
-            <a:pPr marL="914507" indent="-711281">
-              <a:buClr>
-                <a:srgbClr val="434343"/>
-              </a:buClr>
-              <a:buChar char="●"/>
-            </a:pPr>
-            <a:endParaRPr lang="en-US" sz="4002" dirty="0">
-              <a:solidFill>
-                <a:srgbClr val="434343"/>
-              </a:solidFill>
-            </a:endParaRPr>
-          </a:p>
-          <a:p>
-            <a:pPr marL="914507" indent="-711281">
-              <a:buClr>
-                <a:srgbClr val="434343"/>
-              </a:buClr>
-              <a:buChar char="●"/>
-            </a:pPr>
-            <a:endParaRPr lang="en-US" sz="4002" dirty="0">
-              <a:solidFill>
-                <a:srgbClr val="434343"/>
-              </a:solidFill>
-            </a:endParaRPr>
-          </a:p>
-          <a:p>
-            <a:pPr marL="203226" lvl="1">
-              <a:buClr>
-                <a:srgbClr val="434343"/>
-              </a:buClr>
-            </a:pPr>
-            <a:r>
-              <a:rPr lang="en-GB" sz="3200" dirty="0">
-                <a:solidFill>
-                  <a:srgbClr val="434343"/>
-                </a:solidFill>
-                <a:latin typeface="Consolas" panose="020B0609020204030204" pitchFamily="49" charset="0"/>
-                <a:cs typeface="Consolas" panose="020B0609020204030204" pitchFamily="49" charset="0"/>
-              </a:rPr>
-              <a:t>		</a:t>
-            </a:r>
-            <a:endParaRPr lang="en-US" sz="4002" dirty="0">
-              <a:solidFill>
-                <a:srgbClr val="434343"/>
-              </a:solidFill>
-            </a:endParaRPr>
-          </a:p>
-          <a:p>
-            <a:pPr marL="774726" indent="-571500">
-              <a:buClr>
-                <a:srgbClr val="434343"/>
-              </a:buClr>
-              <a:buFont typeface="Arial" panose="020B0604020202020204" pitchFamily="34" charset="0"/>
-              <a:buChar char="•"/>
-            </a:pPr>
-            <a:endParaRPr lang="en" sz="4002" dirty="0">
-              <a:solidFill>
-                <a:srgbClr val="434343"/>
-              </a:solidFill>
-            </a:endParaRPr>
-          </a:p>
-        </p:txBody>
-      </p:sp>
-    </p:spTree>
-    <p:extLst>
-      <p:ext uri="{BB962C8B-B14F-4D97-AF65-F5344CB8AC3E}">
-        <p14:creationId xmlns:p14="http://schemas.microsoft.com/office/powerpoint/2010/main" val="3367407288"/>
-      </p:ext>
-    </p:extLst>
-  </p:cSld>
-  <p:clrMapOvr>
-    <a:masterClrMapping/>
-  </p:clrMapOvr>
-</p:sld>
-</file>
-
-<file path=ppt/slides/slide2.xml><?xml version="1.0" encoding="utf-8"?>
-<p:sld xmlns:a="http://schemas.openxmlformats.org/drawingml/2006/main" xmlns:r="http://schemas.openxmlformats.org/officeDocument/2006/relationships" xmlns:p="http://schemas.openxmlformats.org/presentationml/2006/main" show="0">
-  <p:cSld>
-    <p:spTree>
-      <p:nvGrpSpPr>
-        <p:cNvPr id="1" name="Shape 147"/>
-        <p:cNvGrpSpPr/>
-        <p:nvPr/>
-      </p:nvGrpSpPr>
-      <p:grpSpPr>
-        <a:xfrm>
-          <a:off x="0" y="0"/>
-          <a:ext cx="0" cy="0"/>
-          <a:chOff x="0" y="0"/>
-          <a:chExt cx="0" cy="0"/>
-        </a:xfrm>
-      </p:grpSpPr>
-      <p:sp>
-        <p:nvSpPr>
-          <p:cNvPr id="148" name="Shape 148"/>
-          <p:cNvSpPr txBox="1">
-            <a:spLocks noGrp="1"/>
-          </p:cNvSpPr>
-          <p:nvPr>
-            <p:ph type="title"/>
-          </p:nvPr>
-        </p:nvSpPr>
-        <p:spPr>
-          <a:xfrm>
-            <a:off x="192358" y="32689"/>
-            <a:ext cx="17661379" cy="1204842"/>
-          </a:xfrm>
-          <a:prstGeom prst="rect">
-            <a:avLst/>
-          </a:prstGeom>
-        </p:spPr>
-        <p:txBody>
-          <a:bodyPr lIns="182874" tIns="182874" rIns="182874" bIns="182874" anchor="ctr" anchorCtr="0">
-            <a:noAutofit/>
-          </a:bodyPr>
-          <a:lstStyle/>
-          <a:p>
-            <a:pPr algn="ctr"/>
-            <a:r>
-              <a:rPr lang="en" sz="4402" dirty="0"/>
-              <a:t>What we will cover in this section</a:t>
-            </a:r>
-          </a:p>
-        </p:txBody>
-      </p:sp>
-      <p:sp>
-        <p:nvSpPr>
-          <p:cNvPr id="149" name="Shape 149"/>
-          <p:cNvSpPr txBox="1">
-            <a:spLocks noGrp="1"/>
-          </p:cNvSpPr>
-          <p:nvPr>
-            <p:ph type="body" idx="4294967295"/>
-          </p:nvPr>
-        </p:nvSpPr>
-        <p:spPr>
-          <a:xfrm>
-            <a:off x="413459" y="1776131"/>
-            <a:ext cx="17440478" cy="8042873"/>
-          </a:xfrm>
-          <a:prstGeom prst="rect">
-            <a:avLst/>
-          </a:prstGeom>
-        </p:spPr>
-        <p:txBody>
-          <a:bodyPr lIns="182874" tIns="182874" rIns="182874" bIns="182874" anchor="t" anchorCtr="0">
-            <a:noAutofit/>
-          </a:bodyPr>
-          <a:lstStyle/>
-          <a:p>
-            <a:pPr marL="914507" indent="-711281">
-              <a:buClr>
-                <a:srgbClr val="434343"/>
-              </a:buClr>
-              <a:buFont typeface="Calibri"/>
-              <a:buChar char="●"/>
-            </a:pPr>
-            <a:r>
-              <a:rPr lang="en-US" sz="4002" dirty="0">
-                <a:solidFill>
-                  <a:srgbClr val="434343"/>
-                </a:solidFill>
-              </a:rPr>
-              <a:t>IMPORTANT REMINDER!!</a:t>
-            </a:r>
-          </a:p>
-          <a:p>
-            <a:pPr marL="914507" indent="-711281">
-              <a:buClr>
-                <a:srgbClr val="434343"/>
-              </a:buClr>
-              <a:buChar char="●"/>
-            </a:pPr>
-            <a:r>
-              <a:rPr lang="en-US" sz="4002" dirty="0">
-                <a:solidFill>
-                  <a:srgbClr val="434343"/>
-                </a:solidFill>
-              </a:rPr>
-              <a:t>How can we predict steering angles for a car</a:t>
-            </a:r>
-          </a:p>
-          <a:p>
-            <a:pPr marL="914507" indent="-711281">
-              <a:buClr>
-                <a:srgbClr val="434343"/>
-              </a:buClr>
-              <a:buChar char="●"/>
-            </a:pPr>
-            <a:r>
-              <a:rPr lang="en-US" sz="4002" dirty="0">
-                <a:solidFill>
-                  <a:srgbClr val="434343"/>
-                </a:solidFill>
-              </a:rPr>
-              <a:t>What are convolutional neural networks (CNNs)</a:t>
-            </a:r>
-          </a:p>
-          <a:p>
-            <a:pPr marL="914507" indent="-711281">
-              <a:buClr>
-                <a:srgbClr val="434343"/>
-              </a:buClr>
-              <a:buFont typeface="Calibri"/>
-              <a:buChar char="●"/>
-            </a:pPr>
-            <a:r>
-              <a:rPr lang="en-US" sz="4002" dirty="0">
-                <a:solidFill>
-                  <a:srgbClr val="434343"/>
-                </a:solidFill>
-              </a:rPr>
-              <a:t>Environment and dataset</a:t>
-            </a:r>
-          </a:p>
-          <a:p>
-            <a:pPr marL="914507" indent="-711281">
-              <a:buClr>
-                <a:srgbClr val="434343"/>
-              </a:buClr>
-              <a:buChar char="●"/>
-            </a:pPr>
-            <a:r>
-              <a:rPr lang="en-US" sz="4002" dirty="0">
-                <a:solidFill>
-                  <a:srgbClr val="434343"/>
-                </a:solidFill>
-              </a:rPr>
-              <a:t>Exploring our data</a:t>
-            </a:r>
-          </a:p>
-          <a:p>
-            <a:pPr marL="914507" indent="-711281">
-              <a:buClr>
-                <a:srgbClr val="434343"/>
-              </a:buClr>
-              <a:buChar char="●"/>
-            </a:pPr>
-            <a:r>
-              <a:rPr lang="en-US" sz="4002" dirty="0">
-                <a:solidFill>
-                  <a:srgbClr val="434343"/>
-                </a:solidFill>
-              </a:rPr>
-              <a:t>Training our model</a:t>
-            </a:r>
-          </a:p>
-          <a:p>
-            <a:pPr marL="914507" indent="-711281">
-              <a:buClr>
-                <a:srgbClr val="434343"/>
-              </a:buClr>
-              <a:buChar char="●"/>
-            </a:pPr>
-            <a:r>
-              <a:rPr lang="en-US" sz="4002" dirty="0">
-                <a:solidFill>
-                  <a:srgbClr val="434343"/>
-                </a:solidFill>
-              </a:rPr>
-              <a:t>Testing our model</a:t>
-            </a:r>
-          </a:p>
-          <a:p>
-            <a:pPr marL="914507" indent="-711281">
-              <a:buClr>
-                <a:srgbClr val="434343"/>
-              </a:buClr>
-              <a:buChar char="●"/>
-            </a:pPr>
-            <a:endParaRPr lang="en" sz="4002" dirty="0">
-              <a:solidFill>
-                <a:srgbClr val="434343"/>
-              </a:solidFill>
-            </a:endParaRPr>
-          </a:p>
-        </p:txBody>
-      </p:sp>
-    </p:spTree>
-    <p:extLst>
-      <p:ext uri="{BB962C8B-B14F-4D97-AF65-F5344CB8AC3E}">
-        <p14:creationId xmlns:p14="http://schemas.microsoft.com/office/powerpoint/2010/main" val="1153452404"/>
-      </p:ext>
-    </p:extLst>
-  </p:cSld>
-  <p:clrMapOvr>
-    <a:masterClrMapping/>
-  </p:clrMapOvr>
-</p:sld>
-</file>
-
-<file path=ppt/slides/slide20.xml><?xml version="1.0" encoding="utf-8"?>
-<p:sld xmlns:a="http://schemas.openxmlformats.org/drawingml/2006/main" xmlns:r="http://schemas.openxmlformats.org/officeDocument/2006/relationships" xmlns:p="http://schemas.openxmlformats.org/presentationml/2006/main" show="0">
-  <p:cSld>
-    <p:spTree>
-      <p:nvGrpSpPr>
-        <p:cNvPr id="1" name="Shape 147"/>
-        <p:cNvGrpSpPr/>
-        <p:nvPr/>
-      </p:nvGrpSpPr>
-      <p:grpSpPr>
-        <a:xfrm>
-          <a:off x="0" y="0"/>
-          <a:ext cx="0" cy="0"/>
-          <a:chOff x="0" y="0"/>
-          <a:chExt cx="0" cy="0"/>
-        </a:xfrm>
-      </p:grpSpPr>
-      <p:sp>
-        <p:nvSpPr>
-          <p:cNvPr id="148" name="Shape 148"/>
-          <p:cNvSpPr txBox="1">
-            <a:spLocks noGrp="1"/>
-          </p:cNvSpPr>
-          <p:nvPr>
-            <p:ph type="title"/>
-          </p:nvPr>
-        </p:nvSpPr>
-        <p:spPr>
-          <a:xfrm>
-            <a:off x="192358" y="32689"/>
-            <a:ext cx="17661379" cy="1204842"/>
-          </a:xfrm>
-          <a:prstGeom prst="rect">
-            <a:avLst/>
-          </a:prstGeom>
-        </p:spPr>
-        <p:txBody>
-          <a:bodyPr lIns="182874" tIns="182874" rIns="182874" bIns="182874" anchor="ctr" anchorCtr="0">
-            <a:noAutofit/>
-          </a:bodyPr>
-          <a:lstStyle/>
-          <a:p>
-            <a:pPr algn="ctr"/>
-            <a:r>
-              <a:rPr lang="en" sz="4402" dirty="0" err="1"/>
-              <a:t>Analysing</a:t>
-            </a:r>
-            <a:r>
-              <a:rPr lang="en" sz="4402" dirty="0"/>
-              <a:t> Training Performance</a:t>
-            </a:r>
-          </a:p>
-        </p:txBody>
-      </p:sp>
-      <p:sp>
-        <p:nvSpPr>
-          <p:cNvPr id="149" name="Shape 149"/>
-          <p:cNvSpPr txBox="1">
-            <a:spLocks noGrp="1"/>
-          </p:cNvSpPr>
-          <p:nvPr>
-            <p:ph type="body" idx="4294967295"/>
-          </p:nvPr>
-        </p:nvSpPr>
-        <p:spPr>
-          <a:xfrm>
-            <a:off x="413459" y="1776131"/>
-            <a:ext cx="17440478" cy="8042873"/>
-          </a:xfrm>
-          <a:prstGeom prst="rect">
-            <a:avLst/>
-          </a:prstGeom>
-        </p:spPr>
-        <p:txBody>
-          <a:bodyPr lIns="182874" tIns="182874" rIns="182874" bIns="182874" anchor="t" anchorCtr="0">
-            <a:noAutofit/>
-          </a:bodyPr>
-          <a:lstStyle/>
-          <a:p>
-            <a:pPr marL="914507" indent="-711281">
-              <a:buClr>
-                <a:srgbClr val="434343"/>
-              </a:buClr>
-              <a:buFont typeface="Calibri"/>
-              <a:buChar char="●"/>
-            </a:pPr>
-            <a:r>
-              <a:rPr lang="en-US" sz="4002" dirty="0">
-                <a:solidFill>
-                  <a:srgbClr val="434343"/>
-                </a:solidFill>
-              </a:rPr>
-              <a:t>We are looking for the [training] loss and validation loss to decrease over time</a:t>
-            </a:r>
-          </a:p>
-          <a:p>
-            <a:pPr marL="914507" indent="-711281">
-              <a:buClr>
-                <a:srgbClr val="434343"/>
-              </a:buClr>
-              <a:buFont typeface="Calibri"/>
-              <a:buChar char="●"/>
-            </a:pPr>
-            <a:endParaRPr lang="en-US" sz="4002" dirty="0">
-              <a:solidFill>
-                <a:srgbClr val="434343"/>
-              </a:solidFill>
-            </a:endParaRPr>
-          </a:p>
-          <a:p>
-            <a:pPr marL="914507" indent="-711281">
-              <a:buClr>
-                <a:srgbClr val="434343"/>
-              </a:buClr>
-              <a:buFont typeface="Calibri"/>
-              <a:buChar char="●"/>
-            </a:pPr>
-            <a:endParaRPr lang="en-US" sz="4002" dirty="0">
-              <a:solidFill>
-                <a:srgbClr val="434343"/>
-              </a:solidFill>
-            </a:endParaRPr>
-          </a:p>
-          <a:p>
-            <a:pPr marL="914507" indent="-711281">
-              <a:buClr>
-                <a:srgbClr val="434343"/>
-              </a:buClr>
-              <a:buFont typeface="Calibri"/>
-              <a:buChar char="●"/>
-            </a:pPr>
-            <a:endParaRPr lang="en-US" sz="4002" dirty="0">
-              <a:solidFill>
-                <a:srgbClr val="434343"/>
-              </a:solidFill>
-            </a:endParaRPr>
-          </a:p>
-          <a:p>
-            <a:pPr marL="914507" indent="-711281">
-              <a:buClr>
-                <a:srgbClr val="434343"/>
-              </a:buClr>
-              <a:buFont typeface="Calibri"/>
-              <a:buChar char="●"/>
-            </a:pPr>
-            <a:endParaRPr lang="en-US" sz="4002" dirty="0">
-              <a:solidFill>
-                <a:srgbClr val="434343"/>
-              </a:solidFill>
-            </a:endParaRPr>
-          </a:p>
-          <a:p>
-            <a:pPr marL="914507" indent="-711281">
-              <a:buClr>
-                <a:srgbClr val="434343"/>
-              </a:buClr>
-              <a:buChar char="●"/>
-            </a:pPr>
-            <a:endParaRPr lang="en-US" sz="4002" dirty="0">
-              <a:solidFill>
-                <a:srgbClr val="434343"/>
-              </a:solidFill>
-            </a:endParaRPr>
-          </a:p>
-          <a:p>
-            <a:pPr marL="914507" indent="-711281">
-              <a:buClr>
-                <a:srgbClr val="434343"/>
-              </a:buClr>
-              <a:buChar char="●"/>
-            </a:pPr>
-            <a:endParaRPr lang="en-US" sz="4002" dirty="0">
-              <a:solidFill>
-                <a:srgbClr val="434343"/>
-              </a:solidFill>
-            </a:endParaRPr>
-          </a:p>
-          <a:p>
-            <a:pPr marL="203226" lvl="1">
-              <a:buClr>
-                <a:srgbClr val="434343"/>
-              </a:buClr>
-            </a:pPr>
-            <a:r>
-              <a:rPr lang="en-GB" sz="3200" dirty="0">
-                <a:solidFill>
-                  <a:srgbClr val="434343"/>
-                </a:solidFill>
-                <a:latin typeface="Consolas" panose="020B0609020204030204" pitchFamily="49" charset="0"/>
-                <a:cs typeface="Consolas" panose="020B0609020204030204" pitchFamily="49" charset="0"/>
-              </a:rPr>
-              <a:t>		</a:t>
-            </a:r>
-            <a:endParaRPr lang="en-US" sz="4002" dirty="0">
-              <a:solidFill>
-                <a:srgbClr val="434343"/>
-              </a:solidFill>
-            </a:endParaRPr>
-          </a:p>
-          <a:p>
-            <a:pPr marL="774726" indent="-571500">
-              <a:buClr>
-                <a:srgbClr val="434343"/>
-              </a:buClr>
-              <a:buFont typeface="Arial" panose="020B0604020202020204" pitchFamily="34" charset="0"/>
-              <a:buChar char="•"/>
-            </a:pPr>
-            <a:endParaRPr lang="en" sz="4002" dirty="0">
-              <a:solidFill>
-                <a:srgbClr val="434343"/>
-              </a:solidFill>
-            </a:endParaRPr>
-          </a:p>
-        </p:txBody>
-      </p:sp>
-    </p:spTree>
-    <p:extLst>
-      <p:ext uri="{BB962C8B-B14F-4D97-AF65-F5344CB8AC3E}">
-        <p14:creationId xmlns:p14="http://schemas.microsoft.com/office/powerpoint/2010/main" val="283994799"/>
-      </p:ext>
-    </p:extLst>
-  </p:cSld>
-  <p:clrMapOvr>
-    <a:masterClrMapping/>
-  </p:clrMapOvr>
-</p:sld>
-</file>
-
-<file path=ppt/slides/slide21.xml><?xml version="1.0" encoding="utf-8"?>
-<p:sld xmlns:a="http://schemas.openxmlformats.org/drawingml/2006/main" xmlns:r="http://schemas.openxmlformats.org/officeDocument/2006/relationships" xmlns:p="http://schemas.openxmlformats.org/presentationml/2006/main" show="0">
-  <p:cSld>
-    <p:bg>
-      <p:bgPr>
-        <a:solidFill>
-          <a:srgbClr val="F37021"/>
-        </a:solidFill>
-        <a:effectLst/>
-      </p:bgPr>
-    </p:bg>
-    <p:spTree>
-      <p:nvGrpSpPr>
-        <p:cNvPr id="1" name="Shape 154"/>
-        <p:cNvGrpSpPr/>
-        <p:nvPr/>
-      </p:nvGrpSpPr>
-      <p:grpSpPr>
-        <a:xfrm>
-          <a:off x="0" y="0"/>
-          <a:ext cx="0" cy="0"/>
-          <a:chOff x="0" y="0"/>
-          <a:chExt cx="0" cy="0"/>
-        </a:xfrm>
-      </p:grpSpPr>
-      <p:sp>
-        <p:nvSpPr>
-          <p:cNvPr id="155" name="Shape 155"/>
-          <p:cNvSpPr txBox="1">
-            <a:spLocks noGrp="1"/>
-          </p:cNvSpPr>
-          <p:nvPr>
-            <p:ph type="ctrTitle"/>
-          </p:nvPr>
-        </p:nvSpPr>
-        <p:spPr>
-          <a:xfrm>
-            <a:off x="777178" y="4207953"/>
-            <a:ext cx="16451820" cy="1866335"/>
-          </a:xfrm>
-          <a:prstGeom prst="rect">
-            <a:avLst/>
-          </a:prstGeom>
-        </p:spPr>
-        <p:txBody>
-          <a:bodyPr lIns="182874" tIns="182874" rIns="182874" bIns="182874" anchor="b" anchorCtr="0">
-            <a:noAutofit/>
-          </a:bodyPr>
-          <a:lstStyle/>
-          <a:p>
-            <a:pPr algn="ctr"/>
-            <a:r>
-              <a:rPr lang="en" dirty="0"/>
-              <a:t>4.4 Inferring Steering Angles</a:t>
-            </a:r>
-          </a:p>
-        </p:txBody>
-      </p:sp>
-    </p:spTree>
-    <p:extLst>
-      <p:ext uri="{BB962C8B-B14F-4D97-AF65-F5344CB8AC3E}">
-        <p14:creationId xmlns:p14="http://schemas.microsoft.com/office/powerpoint/2010/main" val="592704715"/>
-      </p:ext>
-    </p:extLst>
-  </p:cSld>
-  <p:clrMapOvr>
-    <a:masterClrMapping/>
-  </p:clrMapOvr>
-</p:sld>
-</file>
-
-<file path=ppt/slides/slide22.xml><?xml version="1.0" encoding="utf-8"?>
-<p:sld xmlns:a="http://schemas.openxmlformats.org/drawingml/2006/main" xmlns:r="http://schemas.openxmlformats.org/officeDocument/2006/relationships" xmlns:p="http://schemas.openxmlformats.org/presentationml/2006/main" show="0">
-  <p:cSld>
-    <p:spTree>
-      <p:nvGrpSpPr>
-        <p:cNvPr id="1" name="Shape 147"/>
-        <p:cNvGrpSpPr/>
-        <p:nvPr/>
-      </p:nvGrpSpPr>
-      <p:grpSpPr>
-        <a:xfrm>
-          <a:off x="0" y="0"/>
-          <a:ext cx="0" cy="0"/>
-          <a:chOff x="0" y="0"/>
-          <a:chExt cx="0" cy="0"/>
-        </a:xfrm>
-      </p:grpSpPr>
-      <p:sp>
-        <p:nvSpPr>
-          <p:cNvPr id="148" name="Shape 148"/>
-          <p:cNvSpPr txBox="1">
-            <a:spLocks noGrp="1"/>
-          </p:cNvSpPr>
-          <p:nvPr>
-            <p:ph type="title"/>
-          </p:nvPr>
-        </p:nvSpPr>
-        <p:spPr>
-          <a:xfrm>
-            <a:off x="192358" y="32689"/>
-            <a:ext cx="17661379" cy="1204842"/>
-          </a:xfrm>
-          <a:prstGeom prst="rect">
-            <a:avLst/>
-          </a:prstGeom>
-        </p:spPr>
-        <p:txBody>
-          <a:bodyPr lIns="182874" tIns="182874" rIns="182874" bIns="182874" anchor="ctr" anchorCtr="0">
-            <a:noAutofit/>
-          </a:bodyPr>
-          <a:lstStyle/>
-          <a:p>
-            <a:pPr algn="ctr"/>
-            <a:r>
-              <a:rPr lang="en" sz="4402" dirty="0"/>
-              <a:t>Testing Our Model</a:t>
-            </a:r>
-          </a:p>
-        </p:txBody>
-      </p:sp>
-      <p:sp>
-        <p:nvSpPr>
-          <p:cNvPr id="149" name="Shape 149"/>
-          <p:cNvSpPr txBox="1">
-            <a:spLocks noGrp="1"/>
-          </p:cNvSpPr>
-          <p:nvPr>
-            <p:ph type="body" idx="4294967295"/>
-          </p:nvPr>
-        </p:nvSpPr>
-        <p:spPr>
-          <a:xfrm>
-            <a:off x="413459" y="1776131"/>
-            <a:ext cx="17440478" cy="8042873"/>
-          </a:xfrm>
-          <a:prstGeom prst="rect">
-            <a:avLst/>
-          </a:prstGeom>
-        </p:spPr>
-        <p:txBody>
-          <a:bodyPr lIns="182874" tIns="182874" rIns="182874" bIns="182874" anchor="t" anchorCtr="0">
-            <a:noAutofit/>
-          </a:bodyPr>
-          <a:lstStyle/>
-          <a:p>
-            <a:pPr marL="914507" indent="-711281">
-              <a:buClr>
-                <a:srgbClr val="434343"/>
-              </a:buClr>
-              <a:buChar char="●"/>
-            </a:pPr>
-            <a:r>
-              <a:rPr lang="en-US" sz="4002" dirty="0">
-                <a:solidFill>
-                  <a:srgbClr val="434343"/>
-                </a:solidFill>
-              </a:rPr>
-              <a:t>Testing model accuracy</a:t>
-            </a:r>
-          </a:p>
-          <a:p>
-            <a:pPr marL="914507" indent="-711281">
-              <a:buClr>
-                <a:srgbClr val="434343"/>
-              </a:buClr>
-              <a:buChar char="●"/>
-            </a:pPr>
-            <a:r>
-              <a:rPr lang="en-US" sz="4002" dirty="0">
-                <a:solidFill>
-                  <a:srgbClr val="434343"/>
-                </a:solidFill>
-              </a:rPr>
-              <a:t>Displaying the steering wheel</a:t>
-            </a:r>
-          </a:p>
-          <a:p>
-            <a:pPr marL="914507" indent="-711281">
-              <a:buClr>
-                <a:srgbClr val="434343"/>
-              </a:buClr>
-              <a:buChar char="●"/>
-            </a:pPr>
-            <a:r>
-              <a:rPr lang="en-US" sz="4002" dirty="0">
-                <a:solidFill>
-                  <a:srgbClr val="434343"/>
-                </a:solidFill>
-              </a:rPr>
-              <a:t>Smoothing out the movement</a:t>
-            </a:r>
-          </a:p>
-          <a:p>
-            <a:pPr marL="914507" indent="-711281">
-              <a:buClr>
-                <a:srgbClr val="434343"/>
-              </a:buClr>
-              <a:buChar char="●"/>
-            </a:pPr>
-            <a:r>
-              <a:rPr lang="en-US" sz="4002" dirty="0">
-                <a:solidFill>
-                  <a:srgbClr val="434343"/>
-                </a:solidFill>
-              </a:rPr>
-              <a:t>Creating a video of this in action</a:t>
-            </a:r>
-          </a:p>
-          <a:p>
-            <a:pPr marL="914507" indent="-711281">
-              <a:buClr>
-                <a:srgbClr val="434343"/>
-              </a:buClr>
-              <a:buChar char="●"/>
-            </a:pPr>
-            <a:endParaRPr lang="en-US" sz="4002" dirty="0">
-              <a:solidFill>
-                <a:srgbClr val="434343"/>
-              </a:solidFill>
-            </a:endParaRPr>
-          </a:p>
-          <a:p>
-            <a:pPr marL="203226" lvl="1">
-              <a:buClr>
-                <a:srgbClr val="434343"/>
-              </a:buClr>
-            </a:pPr>
-            <a:r>
-              <a:rPr lang="en-GB" sz="3200" dirty="0">
-                <a:solidFill>
-                  <a:srgbClr val="434343"/>
-                </a:solidFill>
-                <a:latin typeface="Consolas" panose="020B0609020204030204" pitchFamily="49" charset="0"/>
-                <a:cs typeface="Consolas" panose="020B0609020204030204" pitchFamily="49" charset="0"/>
-              </a:rPr>
-              <a:t>		</a:t>
-            </a:r>
-            <a:endParaRPr lang="en-US" sz="4002" dirty="0">
-              <a:solidFill>
-                <a:srgbClr val="434343"/>
-              </a:solidFill>
-            </a:endParaRPr>
-          </a:p>
-          <a:p>
-            <a:pPr marL="774726" indent="-571500">
-              <a:buClr>
-                <a:srgbClr val="434343"/>
-              </a:buClr>
-              <a:buFont typeface="Arial" panose="020B0604020202020204" pitchFamily="34" charset="0"/>
-              <a:buChar char="•"/>
-            </a:pPr>
-            <a:endParaRPr lang="en" sz="4002" dirty="0">
-              <a:solidFill>
-                <a:srgbClr val="434343"/>
-              </a:solidFill>
-            </a:endParaRPr>
-          </a:p>
-        </p:txBody>
-      </p:sp>
-    </p:spTree>
-    <p:extLst>
-      <p:ext uri="{BB962C8B-B14F-4D97-AF65-F5344CB8AC3E}">
-        <p14:creationId xmlns:p14="http://schemas.microsoft.com/office/powerpoint/2010/main" val="3783544927"/>
-      </p:ext>
-    </p:extLst>
-  </p:cSld>
-  <p:clrMapOvr>
-    <a:masterClrMapping/>
-  </p:clrMapOvr>
-</p:sld>
-</file>
-
-<file path=ppt/slides/slide23.xml><?xml version="1.0" encoding="utf-8"?>
-<p:sld xmlns:a="http://schemas.openxmlformats.org/drawingml/2006/main" xmlns:r="http://schemas.openxmlformats.org/officeDocument/2006/relationships" xmlns:p="http://schemas.openxmlformats.org/presentationml/2006/main" show="0">
-  <p:cSld>
-    <p:spTree>
-      <p:nvGrpSpPr>
-        <p:cNvPr id="1" name="Shape 172"/>
-        <p:cNvGrpSpPr/>
-        <p:nvPr/>
-      </p:nvGrpSpPr>
-      <p:grpSpPr>
-        <a:xfrm>
-          <a:off x="0" y="0"/>
-          <a:ext cx="0" cy="0"/>
-          <a:chOff x="0" y="0"/>
-          <a:chExt cx="0" cy="0"/>
-        </a:xfrm>
-      </p:grpSpPr>
-      <p:sp>
-        <p:nvSpPr>
-          <p:cNvPr id="173" name="Shape 173"/>
-          <p:cNvSpPr txBox="1">
-            <a:spLocks noGrp="1"/>
-          </p:cNvSpPr>
-          <p:nvPr>
-            <p:ph type="title"/>
-          </p:nvPr>
-        </p:nvSpPr>
-        <p:spPr>
-          <a:xfrm>
-            <a:off x="976721" y="976049"/>
-            <a:ext cx="16075446" cy="8177813"/>
-          </a:xfrm>
-          <a:prstGeom prst="rect">
-            <a:avLst/>
-          </a:prstGeom>
-        </p:spPr>
-        <p:txBody>
-          <a:bodyPr lIns="182874" tIns="182874" rIns="182874" bIns="182874" anchor="ctr" anchorCtr="0">
-            <a:noAutofit/>
-          </a:bodyPr>
-          <a:lstStyle/>
-          <a:p>
-            <a:r>
-              <a:rPr lang="en" dirty="0">
-                <a:latin typeface="Consolas" panose="020B0609020204030204" pitchFamily="49" charset="0"/>
-                <a:cs typeface="Consolas" panose="020B0609020204030204" pitchFamily="49" charset="0"/>
-              </a:rPr>
-              <a:t>Let’s explore the code…</a:t>
-            </a:r>
-          </a:p>
-        </p:txBody>
-      </p:sp>
-    </p:spTree>
-    <p:extLst>
-      <p:ext uri="{BB962C8B-B14F-4D97-AF65-F5344CB8AC3E}">
-        <p14:creationId xmlns:p14="http://schemas.microsoft.com/office/powerpoint/2010/main" val="2664113388"/>
-      </p:ext>
-    </p:extLst>
-  </p:cSld>
-  <p:clrMapOvr>
-    <a:masterClrMapping/>
-  </p:clrMapOvr>
-</p:sld>
-</file>
-
-<file path=ppt/slides/slide24.xml><?xml version="1.0" encoding="utf-8"?>
-<p:sld xmlns:a="http://schemas.openxmlformats.org/drawingml/2006/main" xmlns:r="http://schemas.openxmlformats.org/officeDocument/2006/relationships" xmlns:p="http://schemas.openxmlformats.org/presentationml/2006/main" show="0">
-  <p:cSld>
-    <p:spTree>
-      <p:nvGrpSpPr>
-        <p:cNvPr id="1" name="Shape 147"/>
-        <p:cNvGrpSpPr/>
-        <p:nvPr/>
-      </p:nvGrpSpPr>
-      <p:grpSpPr>
-        <a:xfrm>
-          <a:off x="0" y="0"/>
-          <a:ext cx="0" cy="0"/>
-          <a:chOff x="0" y="0"/>
-          <a:chExt cx="0" cy="0"/>
-        </a:xfrm>
-      </p:grpSpPr>
-      <p:sp>
-        <p:nvSpPr>
-          <p:cNvPr id="148" name="Shape 148"/>
-          <p:cNvSpPr txBox="1">
-            <a:spLocks noGrp="1"/>
-          </p:cNvSpPr>
-          <p:nvPr>
-            <p:ph type="title"/>
-          </p:nvPr>
-        </p:nvSpPr>
-        <p:spPr>
-          <a:xfrm>
-            <a:off x="192358" y="32689"/>
-            <a:ext cx="17661379" cy="1204842"/>
-          </a:xfrm>
-          <a:prstGeom prst="rect">
-            <a:avLst/>
-          </a:prstGeom>
-        </p:spPr>
-        <p:txBody>
-          <a:bodyPr lIns="182874" tIns="182874" rIns="182874" bIns="182874" anchor="ctr" anchorCtr="0">
-            <a:noAutofit/>
-          </a:bodyPr>
-          <a:lstStyle/>
-          <a:p>
-            <a:pPr algn="ctr"/>
-            <a:r>
-              <a:rPr lang="en" sz="4402" dirty="0"/>
-              <a:t>How to make it better?</a:t>
-            </a:r>
-          </a:p>
-        </p:txBody>
-      </p:sp>
-      <p:sp>
-        <p:nvSpPr>
-          <p:cNvPr id="149" name="Shape 149"/>
-          <p:cNvSpPr txBox="1">
-            <a:spLocks noGrp="1"/>
-          </p:cNvSpPr>
-          <p:nvPr>
-            <p:ph type="body" idx="4294967295"/>
-          </p:nvPr>
-        </p:nvSpPr>
-        <p:spPr>
-          <a:xfrm>
-            <a:off x="413459" y="1776131"/>
-            <a:ext cx="17440478" cy="8042873"/>
-          </a:xfrm>
-          <a:prstGeom prst="rect">
-            <a:avLst/>
-          </a:prstGeom>
-        </p:spPr>
-        <p:txBody>
-          <a:bodyPr lIns="182874" tIns="182874" rIns="182874" bIns="182874" anchor="t" anchorCtr="0">
-            <a:noAutofit/>
-          </a:bodyPr>
-          <a:lstStyle/>
-          <a:p>
-            <a:pPr marL="914507" indent="-711281">
-              <a:buClr>
-                <a:srgbClr val="434343"/>
-              </a:buClr>
-              <a:buChar char="●"/>
-            </a:pPr>
-            <a:r>
-              <a:rPr lang="en-US" sz="4002" dirty="0">
-                <a:solidFill>
-                  <a:srgbClr val="434343"/>
-                </a:solidFill>
-              </a:rPr>
-              <a:t>Use a larger dataset</a:t>
-            </a:r>
-          </a:p>
-          <a:p>
-            <a:pPr marL="914507" indent="-711281">
-              <a:buClr>
-                <a:srgbClr val="434343"/>
-              </a:buClr>
-              <a:buChar char="●"/>
-            </a:pPr>
-            <a:r>
-              <a:rPr lang="en-US" sz="4002" dirty="0">
-                <a:solidFill>
-                  <a:srgbClr val="434343"/>
-                </a:solidFill>
-              </a:rPr>
-              <a:t>Augment the data</a:t>
-            </a:r>
-          </a:p>
-          <a:p>
-            <a:pPr marL="914507" indent="-711281">
-              <a:buClr>
-                <a:srgbClr val="434343"/>
-              </a:buClr>
-              <a:buChar char="●"/>
-            </a:pPr>
-            <a:r>
-              <a:rPr lang="en-US" sz="4002" dirty="0">
-                <a:solidFill>
-                  <a:srgbClr val="434343"/>
-                </a:solidFill>
-              </a:rPr>
-              <a:t>Skew the image for the next frame to reflect what would happen with the predicted steering angle</a:t>
-            </a:r>
-          </a:p>
-          <a:p>
-            <a:pPr marL="914507" indent="-711281">
-              <a:buClr>
-                <a:srgbClr val="434343"/>
-              </a:buClr>
-              <a:buChar char="●"/>
-            </a:pPr>
-            <a:endParaRPr lang="en-US" sz="4002" dirty="0">
-              <a:solidFill>
-                <a:srgbClr val="434343"/>
-              </a:solidFill>
-            </a:endParaRPr>
-          </a:p>
-          <a:p>
-            <a:pPr marL="203226" lvl="1">
-              <a:buClr>
-                <a:srgbClr val="434343"/>
-              </a:buClr>
-            </a:pPr>
-            <a:r>
-              <a:rPr lang="en-GB" sz="3200" dirty="0">
-                <a:solidFill>
-                  <a:srgbClr val="434343"/>
-                </a:solidFill>
-                <a:latin typeface="Consolas" panose="020B0609020204030204" pitchFamily="49" charset="0"/>
-                <a:cs typeface="Consolas" panose="020B0609020204030204" pitchFamily="49" charset="0"/>
-              </a:rPr>
-              <a:t>		</a:t>
-            </a:r>
-            <a:endParaRPr lang="en-US" sz="4002" dirty="0">
-              <a:solidFill>
-                <a:srgbClr val="434343"/>
-              </a:solidFill>
-            </a:endParaRPr>
-          </a:p>
-          <a:p>
-            <a:pPr marL="774726" indent="-571500">
-              <a:buClr>
-                <a:srgbClr val="434343"/>
-              </a:buClr>
-              <a:buFont typeface="Arial" panose="020B0604020202020204" pitchFamily="34" charset="0"/>
-              <a:buChar char="•"/>
-            </a:pPr>
-            <a:endParaRPr lang="en" sz="4002" dirty="0">
-              <a:solidFill>
-                <a:srgbClr val="434343"/>
-              </a:solidFill>
-            </a:endParaRPr>
-          </a:p>
-        </p:txBody>
-      </p:sp>
-    </p:spTree>
-    <p:extLst>
-      <p:ext uri="{BB962C8B-B14F-4D97-AF65-F5344CB8AC3E}">
-        <p14:creationId xmlns:p14="http://schemas.microsoft.com/office/powerpoint/2010/main" val="2612864631"/>
-      </p:ext>
-    </p:extLst>
-  </p:cSld>
-  <p:clrMapOvr>
-    <a:masterClrMapping/>
-  </p:clrMapOvr>
-</p:sld>
-</file>
-
-<file path=ppt/slides/slide25.xml><?xml version="1.0" encoding="utf-8"?>
-<p:sld xmlns:a="http://schemas.openxmlformats.org/drawingml/2006/main" xmlns:r="http://schemas.openxmlformats.org/officeDocument/2006/relationships" xmlns:p="http://schemas.openxmlformats.org/presentationml/2006/main" show="0">
-  <p:cSld>
-    <p:bg>
-      <p:bgPr>
-        <a:solidFill>
-          <a:srgbClr val="F37021"/>
-        </a:solidFill>
-        <a:effectLst/>
-      </p:bgPr>
-    </p:bg>
-    <p:spTree>
-      <p:nvGrpSpPr>
-        <p:cNvPr id="1" name="Shape 154"/>
-        <p:cNvGrpSpPr/>
-        <p:nvPr/>
-      </p:nvGrpSpPr>
-      <p:grpSpPr>
-        <a:xfrm>
-          <a:off x="0" y="0"/>
-          <a:ext cx="0" cy="0"/>
-          <a:chOff x="0" y="0"/>
-          <a:chExt cx="0" cy="0"/>
-        </a:xfrm>
-      </p:grpSpPr>
-      <p:sp>
-        <p:nvSpPr>
-          <p:cNvPr id="155" name="Shape 155"/>
-          <p:cNvSpPr txBox="1">
-            <a:spLocks noGrp="1"/>
-          </p:cNvSpPr>
-          <p:nvPr>
-            <p:ph type="ctrTitle"/>
-          </p:nvPr>
-        </p:nvSpPr>
-        <p:spPr>
-          <a:xfrm>
-            <a:off x="777178" y="4207953"/>
-            <a:ext cx="16451820" cy="1866335"/>
-          </a:xfrm>
-          <a:prstGeom prst="rect">
-            <a:avLst/>
-          </a:prstGeom>
-        </p:spPr>
-        <p:txBody>
-          <a:bodyPr lIns="182874" tIns="182874" rIns="182874" bIns="182874" anchor="b" anchorCtr="0">
-            <a:noAutofit/>
-          </a:bodyPr>
-          <a:lstStyle/>
-          <a:p>
-            <a:r>
-              <a:rPr lang="en" dirty="0"/>
-              <a:t>That’s the end of this course…!</a:t>
-            </a:r>
-          </a:p>
-        </p:txBody>
-      </p:sp>
-    </p:spTree>
-    <p:extLst>
-      <p:ext uri="{BB962C8B-B14F-4D97-AF65-F5344CB8AC3E}">
-        <p14:creationId xmlns:p14="http://schemas.microsoft.com/office/powerpoint/2010/main" val="3693721200"/>
-      </p:ext>
-    </p:extLst>
-  </p:cSld>
-  <p:clrMapOvr>
-    <a:masterClrMapping/>
-  </p:clrMapOvr>
-</p:sld>
-</file>
-
-<file path=ppt/slides/slide3.xml><?xml version="1.0" encoding="utf-8"?>
-<p:sld xmlns:a="http://schemas.openxmlformats.org/drawingml/2006/main" xmlns:r="http://schemas.openxmlformats.org/officeDocument/2006/relationships" xmlns:p="http://schemas.openxmlformats.org/presentationml/2006/main" show="0">
-  <p:cSld>
-    <p:bg>
-      <p:bgPr>
-        <a:solidFill>
-          <a:srgbClr val="F37021"/>
-        </a:solidFill>
-        <a:effectLst/>
-      </p:bgPr>
-    </p:bg>
-    <p:spTree>
-      <p:nvGrpSpPr>
-        <p:cNvPr id="1" name="Shape 154"/>
-        <p:cNvGrpSpPr/>
-        <p:nvPr/>
-      </p:nvGrpSpPr>
-      <p:grpSpPr>
-        <a:xfrm>
-          <a:off x="0" y="0"/>
-          <a:ext cx="0" cy="0"/>
-          <a:chOff x="0" y="0"/>
-          <a:chExt cx="0" cy="0"/>
-        </a:xfrm>
-      </p:grpSpPr>
-      <p:sp>
-        <p:nvSpPr>
-          <p:cNvPr id="155" name="Shape 155"/>
-          <p:cNvSpPr txBox="1">
-            <a:spLocks noGrp="1"/>
-          </p:cNvSpPr>
-          <p:nvPr>
-            <p:ph type="ctrTitle"/>
-          </p:nvPr>
-        </p:nvSpPr>
-        <p:spPr>
-          <a:xfrm>
-            <a:off x="777178" y="4207953"/>
-            <a:ext cx="16451820" cy="1866335"/>
-          </a:xfrm>
-          <a:prstGeom prst="rect">
-            <a:avLst/>
-          </a:prstGeom>
-        </p:spPr>
-        <p:txBody>
-          <a:bodyPr lIns="182874" tIns="182874" rIns="182874" bIns="182874" anchor="b" anchorCtr="0">
-            <a:noAutofit/>
-          </a:bodyPr>
-          <a:lstStyle/>
-          <a:p>
-            <a:pPr algn="ctr"/>
-            <a:r>
-              <a:rPr lang="en" dirty="0"/>
-              <a:t>4.1 Intro to CNNs</a:t>
-            </a:r>
-          </a:p>
-        </p:txBody>
-      </p:sp>
-    </p:spTree>
-    <p:extLst>
-      <p:ext uri="{BB962C8B-B14F-4D97-AF65-F5344CB8AC3E}">
-        <p14:creationId xmlns:p14="http://schemas.microsoft.com/office/powerpoint/2010/main" val="1063112979"/>
-      </p:ext>
-    </p:extLst>
-  </p:cSld>
-  <p:clrMapOvr>
-    <a:masterClrMapping/>
-  </p:clrMapOvr>
-</p:sld>
-</file>
-
-<file path=ppt/slides/slide4.xml><?xml version="1.0" encoding="utf-8"?>
-<p:sld xmlns:a="http://schemas.openxmlformats.org/drawingml/2006/main" xmlns:r="http://schemas.openxmlformats.org/officeDocument/2006/relationships" xmlns:p="http://schemas.openxmlformats.org/presentationml/2006/main" show="0">
-  <p:cSld>
-    <p:spTree>
-      <p:nvGrpSpPr>
-        <p:cNvPr id="1" name="Shape 172"/>
-        <p:cNvGrpSpPr/>
-        <p:nvPr/>
-      </p:nvGrpSpPr>
-      <p:grpSpPr>
-        <a:xfrm>
-          <a:off x="0" y="0"/>
-          <a:ext cx="0" cy="0"/>
-          <a:chOff x="0" y="0"/>
-          <a:chExt cx="0" cy="0"/>
-        </a:xfrm>
-      </p:grpSpPr>
-      <p:sp>
-        <p:nvSpPr>
-          <p:cNvPr id="173" name="Shape 173"/>
-          <p:cNvSpPr txBox="1">
-            <a:spLocks noGrp="1"/>
-          </p:cNvSpPr>
-          <p:nvPr>
-            <p:ph type="title"/>
-          </p:nvPr>
-        </p:nvSpPr>
-        <p:spPr>
-          <a:xfrm>
-            <a:off x="976721" y="976049"/>
-            <a:ext cx="16075446" cy="8177813"/>
-          </a:xfrm>
-          <a:prstGeom prst="rect">
-            <a:avLst/>
-          </a:prstGeom>
-        </p:spPr>
-        <p:txBody>
-          <a:bodyPr lIns="182874" tIns="182874" rIns="182874" bIns="182874" anchor="ctr" anchorCtr="0">
-            <a:noAutofit/>
-          </a:bodyPr>
-          <a:lstStyle/>
-          <a:p>
-            <a:r>
-              <a:rPr lang="en" dirty="0">
-                <a:latin typeface="Consolas" panose="020B0609020204030204" pitchFamily="49" charset="0"/>
-                <a:cs typeface="Consolas" panose="020B0609020204030204" pitchFamily="49" charset="0"/>
-              </a:rPr>
-              <a:t>THIS CODE IS NOT DESIGNED FOR REAL LIFE USAGE!</a:t>
-            </a:r>
-          </a:p>
-        </p:txBody>
-      </p:sp>
-    </p:spTree>
-    <p:extLst>
-      <p:ext uri="{BB962C8B-B14F-4D97-AF65-F5344CB8AC3E}">
-        <p14:creationId xmlns:p14="http://schemas.microsoft.com/office/powerpoint/2010/main" val="1726626619"/>
-      </p:ext>
-    </p:extLst>
-  </p:cSld>
-  <p:clrMapOvr>
-    <a:masterClrMapping/>
-  </p:clrMapOvr>
-</p:sld>
-</file>
-
-<file path=ppt/slides/slide5.xml><?xml version="1.0" encoding="utf-8"?>
-<p:sld xmlns:a="http://schemas.openxmlformats.org/drawingml/2006/main" xmlns:r="http://schemas.openxmlformats.org/officeDocument/2006/relationships" xmlns:p="http://schemas.openxmlformats.org/presentationml/2006/main" show="0">
-  <p:cSld>
-    <p:spTree>
-      <p:nvGrpSpPr>
-        <p:cNvPr id="1" name="Shape 147"/>
-        <p:cNvGrpSpPr/>
-        <p:nvPr/>
-      </p:nvGrpSpPr>
-      <p:grpSpPr>
-        <a:xfrm>
-          <a:off x="0" y="0"/>
-          <a:ext cx="0" cy="0"/>
-          <a:chOff x="0" y="0"/>
-          <a:chExt cx="0" cy="0"/>
-        </a:xfrm>
-      </p:grpSpPr>
-      <p:sp>
-        <p:nvSpPr>
-          <p:cNvPr id="148" name="Shape 148"/>
-          <p:cNvSpPr txBox="1">
-            <a:spLocks noGrp="1"/>
-          </p:cNvSpPr>
-          <p:nvPr>
-            <p:ph type="title"/>
-          </p:nvPr>
-        </p:nvSpPr>
-        <p:spPr>
-          <a:xfrm>
-            <a:off x="192358" y="32689"/>
-            <a:ext cx="17661379" cy="1204842"/>
-          </a:xfrm>
-          <a:prstGeom prst="rect">
-            <a:avLst/>
-          </a:prstGeom>
-        </p:spPr>
-        <p:txBody>
-          <a:bodyPr lIns="182874" tIns="182874" rIns="182874" bIns="182874" anchor="ctr" anchorCtr="0">
-            <a:noAutofit/>
-          </a:bodyPr>
-          <a:lstStyle/>
-          <a:p>
-            <a:pPr algn="ctr"/>
-            <a:r>
-              <a:rPr lang="en" sz="4402" dirty="0"/>
-              <a:t>How can we predict the steering angle of a car?</a:t>
-            </a:r>
-          </a:p>
-        </p:txBody>
-      </p:sp>
-      <p:sp>
-        <p:nvSpPr>
-          <p:cNvPr id="149" name="Shape 149"/>
-          <p:cNvSpPr txBox="1">
-            <a:spLocks noGrp="1"/>
-          </p:cNvSpPr>
-          <p:nvPr>
-            <p:ph type="body" idx="4294967295"/>
-          </p:nvPr>
-        </p:nvSpPr>
-        <p:spPr>
-          <a:xfrm>
-            <a:off x="413459" y="1776131"/>
-            <a:ext cx="17440478" cy="8042873"/>
-          </a:xfrm>
-          <a:prstGeom prst="rect">
-            <a:avLst/>
-          </a:prstGeom>
-        </p:spPr>
-        <p:txBody>
-          <a:bodyPr lIns="182874" tIns="182874" rIns="182874" bIns="182874" anchor="t" anchorCtr="0">
-            <a:noAutofit/>
-          </a:bodyPr>
-          <a:lstStyle/>
-          <a:p>
-            <a:pPr marL="914507" indent="-711281">
-              <a:buClr>
-                <a:srgbClr val="434343"/>
-              </a:buClr>
-              <a:buChar char="●"/>
-            </a:pPr>
-            <a:endParaRPr lang="en-US" sz="4002" dirty="0">
-              <a:solidFill>
-                <a:srgbClr val="434343"/>
-              </a:solidFill>
-            </a:endParaRPr>
-          </a:p>
-          <a:p>
-            <a:pPr marL="914507" indent="-711281">
-              <a:buClr>
-                <a:srgbClr val="434343"/>
-              </a:buClr>
-              <a:buChar char="●"/>
-            </a:pPr>
-            <a:endParaRPr lang="en" sz="4002" dirty="0">
-              <a:solidFill>
-                <a:srgbClr val="434343"/>
-              </a:solidFill>
-            </a:endParaRPr>
-          </a:p>
-        </p:txBody>
-      </p:sp>
-    </p:spTree>
-    <p:extLst>
-      <p:ext uri="{BB962C8B-B14F-4D97-AF65-F5344CB8AC3E}">
-        <p14:creationId xmlns:p14="http://schemas.microsoft.com/office/powerpoint/2010/main" val="1181090348"/>
-      </p:ext>
-    </p:extLst>
-  </p:cSld>
-  <p:clrMapOvr>
-    <a:masterClrMapping/>
-  </p:clrMapOvr>
-</p:sld>
-</file>
-
-<file path=ppt/slides/slide6.xml><?xml version="1.0" encoding="utf-8"?>
-<p:sld xmlns:a="http://schemas.openxmlformats.org/drawingml/2006/main" xmlns:r="http://schemas.openxmlformats.org/officeDocument/2006/relationships" xmlns:p="http://schemas.openxmlformats.org/presentationml/2006/main" show="0">
-  <p:cSld>
-    <p:spTree>
-      <p:nvGrpSpPr>
-        <p:cNvPr id="1" name="Shape 147"/>
-        <p:cNvGrpSpPr/>
-        <p:nvPr/>
-      </p:nvGrpSpPr>
-      <p:grpSpPr>
-        <a:xfrm>
-          <a:off x="0" y="0"/>
-          <a:ext cx="0" cy="0"/>
-          <a:chOff x="0" y="0"/>
-          <a:chExt cx="0" cy="0"/>
-        </a:xfrm>
-      </p:grpSpPr>
-      <p:sp>
-        <p:nvSpPr>
-          <p:cNvPr id="148" name="Shape 148"/>
-          <p:cNvSpPr txBox="1">
-            <a:spLocks noGrp="1"/>
-          </p:cNvSpPr>
-          <p:nvPr>
-            <p:ph type="title"/>
-          </p:nvPr>
-        </p:nvSpPr>
-        <p:spPr>
-          <a:xfrm>
-            <a:off x="192358" y="32689"/>
-            <a:ext cx="17661379" cy="1204842"/>
-          </a:xfrm>
-          <a:prstGeom prst="rect">
-            <a:avLst/>
-          </a:prstGeom>
-        </p:spPr>
-        <p:txBody>
-          <a:bodyPr lIns="182874" tIns="182874" rIns="182874" bIns="182874" anchor="ctr" anchorCtr="0">
-            <a:noAutofit/>
-          </a:bodyPr>
-          <a:lstStyle/>
-          <a:p>
-            <a:pPr algn="ctr"/>
-            <a:r>
-              <a:rPr lang="en" sz="4402" dirty="0"/>
-              <a:t>What are Convolutional Neural Networks (CNNs)</a:t>
-            </a:r>
-          </a:p>
-        </p:txBody>
-      </p:sp>
-      <p:sp>
-        <p:nvSpPr>
-          <p:cNvPr id="149" name="Shape 149"/>
-          <p:cNvSpPr txBox="1">
-            <a:spLocks noGrp="1"/>
-          </p:cNvSpPr>
-          <p:nvPr>
-            <p:ph type="body" idx="4294967295"/>
-          </p:nvPr>
-        </p:nvSpPr>
-        <p:spPr>
-          <a:xfrm>
-            <a:off x="413459" y="1776131"/>
-            <a:ext cx="17440478" cy="8042873"/>
-          </a:xfrm>
-          <a:prstGeom prst="rect">
-            <a:avLst/>
-          </a:prstGeom>
-        </p:spPr>
-        <p:txBody>
-          <a:bodyPr lIns="182874" tIns="182874" rIns="182874" bIns="182874" anchor="t" anchorCtr="0">
-            <a:noAutofit/>
-          </a:bodyPr>
-          <a:lstStyle/>
-          <a:p>
-            <a:pPr marL="914507" indent="-711281">
-              <a:buClr>
-                <a:srgbClr val="434343"/>
-              </a:buClr>
-              <a:buChar char="●"/>
-            </a:pPr>
-            <a:r>
-              <a:rPr lang="en-US" sz="4002" dirty="0">
-                <a:solidFill>
-                  <a:srgbClr val="434343"/>
-                </a:solidFill>
-              </a:rPr>
-              <a:t>CNNs are…</a:t>
-            </a:r>
-          </a:p>
-        </p:txBody>
-      </p:sp>
-    </p:spTree>
-    <p:extLst>
-      <p:ext uri="{BB962C8B-B14F-4D97-AF65-F5344CB8AC3E}">
-        <p14:creationId xmlns:p14="http://schemas.microsoft.com/office/powerpoint/2010/main" val="1792233795"/>
-      </p:ext>
-    </p:extLst>
-  </p:cSld>
-  <p:clrMapOvr>
-    <a:masterClrMapping/>
-  </p:clrMapOvr>
-</p:sld>
-</file>
-
-<file path=ppt/slides/slide7.xml><?xml version="1.0" encoding="utf-8"?>
+<file path=ppt/slides/slide12.xml><?xml version="1.0" encoding="utf-8"?>
 <p:sld xmlns:a="http://schemas.openxmlformats.org/drawingml/2006/main" xmlns:r="http://schemas.openxmlformats.org/officeDocument/2006/relationships" xmlns:p="http://schemas.openxmlformats.org/presentationml/2006/main">
   <p:cSld>
     <p:bg>
@@ -9976,7 +6366,7 @@
             <a:pPr algn="ctr"/>
             <a:r>
               <a:rPr lang="en" dirty="0"/>
-              <a:t>4.2 Environment and Data</a:t>
+              <a:t>3.3 Training Our Model</a:t>
             </a:r>
           </a:p>
         </p:txBody>
@@ -9984,7 +6374,7 @@
     </p:spTree>
     <p:extLst>
       <p:ext uri="{BB962C8B-B14F-4D97-AF65-F5344CB8AC3E}">
-        <p14:creationId xmlns:p14="http://schemas.microsoft.com/office/powerpoint/2010/main" val="2140907078"/>
+        <p14:creationId xmlns:p14="http://schemas.microsoft.com/office/powerpoint/2010/main" val="1246701380"/>
       </p:ext>
     </p:extLst>
   </p:cSld>
@@ -9994,7 +6384,7 @@
 </p:sld>
 </file>
 
-<file path=ppt/slides/slide8.xml><?xml version="1.0" encoding="utf-8"?>
+<file path=ppt/slides/slide13.xml><?xml version="1.0" encoding="utf-8"?>
 <p:sld xmlns:a="http://schemas.openxmlformats.org/drawingml/2006/main" xmlns:r="http://schemas.openxmlformats.org/officeDocument/2006/relationships" xmlns:p="http://schemas.openxmlformats.org/presentationml/2006/main">
   <p:cSld>
     <p:spTree>
@@ -10039,7 +6429,7 @@
             <a:pPr algn="ctr"/>
             <a:r>
               <a:rPr lang="en" sz="4402" dirty="0"/>
-              <a:t>What we will cover</a:t>
+              <a:t>Training our model</a:t>
             </a:r>
           </a:p>
         </p:txBody>
@@ -10073,6 +6463,7 @@
               <a:buClr>
                 <a:srgbClr val="434343"/>
               </a:buClr>
+              <a:buFont typeface="Calibri"/>
               <a:buChar char="●"/>
             </a:pPr>
             <a:r>
@@ -10081,7 +6472,7 @@
                   <a:srgbClr val="434343"/>
                 </a:solidFill>
               </a:rPr>
-              <a:t>Environment</a:t>
+              <a:t>Creating training, validation and test datasets</a:t>
             </a:r>
           </a:p>
           <a:p>
@@ -10091,13 +6482,21 @@
               </a:buClr>
               <a:buChar char="●"/>
             </a:pPr>
+            <a:r>
+              <a:rPr lang="en-US" sz="4002" dirty="0" err="1">
+                <a:solidFill>
+                  <a:srgbClr val="434343"/>
+                </a:solidFill>
+              </a:rPr>
+              <a:t>Keras</a:t>
+            </a:r>
             <a:r>
               <a:rPr lang="en-US" sz="4002" dirty="0">
                 <a:solidFill>
                   <a:srgbClr val="434343"/>
                 </a:solidFill>
               </a:rPr>
-              <a:t>Where to get the dataset</a:t>
+              <a:t> neural network definition</a:t>
             </a:r>
           </a:p>
           <a:p>
@@ -10113,7 +6512,7 @@
                   <a:srgbClr val="434343"/>
                 </a:solidFill>
               </a:rPr>
-              <a:t>Size of the dataset</a:t>
+              <a:t>Generators</a:t>
             </a:r>
           </a:p>
           <a:p>
@@ -10123,13 +6522,21 @@
               </a:buClr>
               <a:buChar char="●"/>
             </a:pPr>
+            <a:r>
+              <a:rPr lang="en-US" sz="4002" dirty="0" err="1">
+                <a:solidFill>
+                  <a:srgbClr val="434343"/>
+                </a:solidFill>
+              </a:rPr>
+              <a:t>Analysing</a:t>
+            </a:r>
             <a:r>
               <a:rPr lang="en-US" sz="4002" dirty="0">
                 <a:solidFill>
                   <a:srgbClr val="434343"/>
                 </a:solidFill>
               </a:rPr>
-              <a:t>Viewing the datasets steering angles</a:t>
+              <a:t> our model’s performance</a:t>
             </a:r>
           </a:p>
           <a:p>
@@ -10139,14 +6546,24 @@
               </a:buClr>
               <a:buChar char="●"/>
             </a:pPr>
-            <a:r>
-              <a:rPr lang="en-US" sz="4002" dirty="0">
-                <a:solidFill>
-                  <a:srgbClr val="434343"/>
-                </a:solidFill>
-              </a:rPr>
-              <a:t>What observations can be made?</a:t>
-            </a:r>
+            <a:endParaRPr lang="en-US" sz="4002" dirty="0">
+              <a:solidFill>
+                <a:srgbClr val="434343"/>
+              </a:solidFill>
+            </a:endParaRPr>
+          </a:p>
+          <a:p>
+            <a:pPr marL="914507" indent="-711281">
+              <a:buClr>
+                <a:srgbClr val="434343"/>
+              </a:buClr>
+              <a:buChar char="●"/>
+            </a:pPr>
+            <a:endParaRPr lang="en-US" sz="4002" dirty="0">
+              <a:solidFill>
+                <a:srgbClr val="434343"/>
+              </a:solidFill>
+            </a:endParaRPr>
           </a:p>
           <a:p>
             <a:pPr marL="203226" lvl="1">
@@ -10189,7 +6606,3226 @@
     </p:spTree>
     <p:extLst>
       <p:ext uri="{BB962C8B-B14F-4D97-AF65-F5344CB8AC3E}">
-        <p14:creationId xmlns:p14="http://schemas.microsoft.com/office/powerpoint/2010/main" val="496600239"/>
+        <p14:creationId xmlns:p14="http://schemas.microsoft.com/office/powerpoint/2010/main" val="3087879986"/>
+      </p:ext>
+    </p:extLst>
+  </p:cSld>
+  <p:clrMapOvr>
+    <a:masterClrMapping/>
+  </p:clrMapOvr>
+</p:sld>
+</file>
+
+<file path=ppt/slides/slide14.xml><?xml version="1.0" encoding="utf-8"?>
+<p:sld xmlns:a="http://schemas.openxmlformats.org/drawingml/2006/main" xmlns:r="http://schemas.openxmlformats.org/officeDocument/2006/relationships" xmlns:p="http://schemas.openxmlformats.org/presentationml/2006/main">
+  <p:cSld>
+    <p:spTree>
+      <p:nvGrpSpPr>
+        <p:cNvPr id="1" name=""/>
+        <p:cNvGrpSpPr/>
+        <p:nvPr/>
+      </p:nvGrpSpPr>
+      <p:grpSpPr>
+        <a:xfrm>
+          <a:off x="0" y="0"/>
+          <a:ext cx="0" cy="0"/>
+          <a:chOff x="0" y="0"/>
+          <a:chExt cx="0" cy="0"/>
+        </a:xfrm>
+      </p:grpSpPr>
+      <p:pic>
+        <p:nvPicPr>
+          <p:cNvPr id="11" name="Picture 10">
+            <a:extLst>
+              <a:ext uri="{FF2B5EF4-FFF2-40B4-BE49-F238E27FC236}">
+                <a16:creationId xmlns:a16="http://schemas.microsoft.com/office/drawing/2014/main" id="{23F0F5B2-D3E6-1C44-8643-135CCA014B9F}"/>
+              </a:ext>
+            </a:extLst>
+          </p:cNvPr>
+          <p:cNvPicPr>
+            <a:picLocks noChangeAspect="1"/>
+          </p:cNvPicPr>
+          <p:nvPr/>
+        </p:nvPicPr>
+        <p:blipFill>
+          <a:blip r:embed="rId3"/>
+          <a:stretch>
+            <a:fillRect/>
+          </a:stretch>
+        </p:blipFill>
+        <p:spPr>
+          <a:xfrm>
+            <a:off x="2599765" y="1325621"/>
+            <a:ext cx="10669536" cy="8946959"/>
+          </a:xfrm>
+          <a:prstGeom prst="rect">
+            <a:avLst/>
+          </a:prstGeom>
+        </p:spPr>
+      </p:pic>
+      <p:sp>
+        <p:nvSpPr>
+          <p:cNvPr id="2" name="Title 1">
+            <a:extLst>
+              <a:ext uri="{FF2B5EF4-FFF2-40B4-BE49-F238E27FC236}">
+                <a16:creationId xmlns:a16="http://schemas.microsoft.com/office/drawing/2014/main" id="{53CA41F2-396A-D24E-AB66-1C0509B1988F}"/>
+              </a:ext>
+            </a:extLst>
+          </p:cNvPr>
+          <p:cNvSpPr>
+            <a:spLocks noGrp="1"/>
+          </p:cNvSpPr>
+          <p:nvPr>
+            <p:ph type="title"/>
+          </p:nvPr>
+        </p:nvSpPr>
+        <p:spPr/>
+        <p:txBody>
+          <a:bodyPr/>
+          <a:lstStyle/>
+          <a:p>
+            <a:r>
+              <a:rPr lang="en-US" dirty="0"/>
+              <a:t>Splitting our data into train, validate and test datasets</a:t>
+            </a:r>
+          </a:p>
+        </p:txBody>
+      </p:sp>
+      <p:sp>
+        <p:nvSpPr>
+          <p:cNvPr id="5" name="Right Brace 4">
+            <a:extLst>
+              <a:ext uri="{FF2B5EF4-FFF2-40B4-BE49-F238E27FC236}">
+                <a16:creationId xmlns:a16="http://schemas.microsoft.com/office/drawing/2014/main" id="{B14F2498-BC5A-3447-BD4B-76903B9207B5}"/>
+              </a:ext>
+            </a:extLst>
+          </p:cNvPr>
+          <p:cNvSpPr/>
+          <p:nvPr/>
+        </p:nvSpPr>
+        <p:spPr>
+          <a:xfrm>
+            <a:off x="13411200" y="1775011"/>
+            <a:ext cx="663388" cy="5029688"/>
+          </a:xfrm>
+          <a:prstGeom prst="rightBrace">
+            <a:avLst/>
+          </a:prstGeom>
+        </p:spPr>
+        <p:style>
+          <a:lnRef idx="1">
+            <a:schemeClr val="accent1"/>
+          </a:lnRef>
+          <a:fillRef idx="0">
+            <a:schemeClr val="accent1"/>
+          </a:fillRef>
+          <a:effectRef idx="0">
+            <a:schemeClr val="accent1"/>
+          </a:effectRef>
+          <a:fontRef idx="minor">
+            <a:schemeClr val="tx1"/>
+          </a:fontRef>
+        </p:style>
+        <p:txBody>
+          <a:bodyPr rtlCol="0" anchor="ctr"/>
+          <a:lstStyle/>
+          <a:p>
+            <a:pPr algn="ctr"/>
+            <a:endParaRPr lang="en-US"/>
+          </a:p>
+        </p:txBody>
+      </p:sp>
+      <p:sp>
+        <p:nvSpPr>
+          <p:cNvPr id="15" name="Right Brace 14">
+            <a:extLst>
+              <a:ext uri="{FF2B5EF4-FFF2-40B4-BE49-F238E27FC236}">
+                <a16:creationId xmlns:a16="http://schemas.microsoft.com/office/drawing/2014/main" id="{16D60BEA-0005-7B41-B71D-B3EC54309EB7}"/>
+              </a:ext>
+            </a:extLst>
+          </p:cNvPr>
+          <p:cNvSpPr/>
+          <p:nvPr/>
+        </p:nvSpPr>
+        <p:spPr>
+          <a:xfrm>
+            <a:off x="13411200" y="8462680"/>
+            <a:ext cx="663388" cy="1676120"/>
+          </a:xfrm>
+          <a:prstGeom prst="rightBrace">
+            <a:avLst/>
+          </a:prstGeom>
+        </p:spPr>
+        <p:style>
+          <a:lnRef idx="1">
+            <a:schemeClr val="accent1"/>
+          </a:lnRef>
+          <a:fillRef idx="0">
+            <a:schemeClr val="accent1"/>
+          </a:fillRef>
+          <a:effectRef idx="0">
+            <a:schemeClr val="accent1"/>
+          </a:effectRef>
+          <a:fontRef idx="minor">
+            <a:schemeClr val="tx1"/>
+          </a:fontRef>
+        </p:style>
+        <p:txBody>
+          <a:bodyPr rtlCol="0" anchor="ctr"/>
+          <a:lstStyle/>
+          <a:p>
+            <a:pPr algn="ctr"/>
+            <a:endParaRPr lang="en-US"/>
+          </a:p>
+        </p:txBody>
+      </p:sp>
+      <p:sp>
+        <p:nvSpPr>
+          <p:cNvPr id="17" name="Right Brace 16">
+            <a:extLst>
+              <a:ext uri="{FF2B5EF4-FFF2-40B4-BE49-F238E27FC236}">
+                <a16:creationId xmlns:a16="http://schemas.microsoft.com/office/drawing/2014/main" id="{2A36007E-9D4D-824A-88A9-A1436323D86F}"/>
+              </a:ext>
+            </a:extLst>
+          </p:cNvPr>
+          <p:cNvSpPr/>
+          <p:nvPr/>
+        </p:nvSpPr>
+        <p:spPr>
+          <a:xfrm>
+            <a:off x="13411200" y="6866963"/>
+            <a:ext cx="663388" cy="1533453"/>
+          </a:xfrm>
+          <a:prstGeom prst="rightBrace">
+            <a:avLst/>
+          </a:prstGeom>
+        </p:spPr>
+        <p:style>
+          <a:lnRef idx="1">
+            <a:schemeClr val="accent1"/>
+          </a:lnRef>
+          <a:fillRef idx="0">
+            <a:schemeClr val="accent1"/>
+          </a:fillRef>
+          <a:effectRef idx="0">
+            <a:schemeClr val="accent1"/>
+          </a:effectRef>
+          <a:fontRef idx="minor">
+            <a:schemeClr val="tx1"/>
+          </a:fontRef>
+        </p:style>
+        <p:txBody>
+          <a:bodyPr rtlCol="0" anchor="ctr"/>
+          <a:lstStyle/>
+          <a:p>
+            <a:pPr algn="ctr"/>
+            <a:endParaRPr lang="en-US"/>
+          </a:p>
+        </p:txBody>
+      </p:sp>
+      <p:cxnSp>
+        <p:nvCxnSpPr>
+          <p:cNvPr id="9" name="Straight Connector 8">
+            <a:extLst>
+              <a:ext uri="{FF2B5EF4-FFF2-40B4-BE49-F238E27FC236}">
+                <a16:creationId xmlns:a16="http://schemas.microsoft.com/office/drawing/2014/main" id="{D591BC14-3F0A-0346-9C2B-E2616EAE244F}"/>
+              </a:ext>
+            </a:extLst>
+          </p:cNvPr>
+          <p:cNvCxnSpPr/>
+          <p:nvPr/>
+        </p:nvCxnSpPr>
+        <p:spPr>
+          <a:xfrm flipH="1">
+            <a:off x="2743200" y="6866964"/>
+            <a:ext cx="10384202" cy="0"/>
+          </a:xfrm>
+          <a:prstGeom prst="line">
+            <a:avLst/>
+          </a:prstGeom>
+        </p:spPr>
+        <p:style>
+          <a:lnRef idx="1">
+            <a:schemeClr val="accent1"/>
+          </a:lnRef>
+          <a:fillRef idx="0">
+            <a:schemeClr val="accent1"/>
+          </a:fillRef>
+          <a:effectRef idx="0">
+            <a:schemeClr val="accent1"/>
+          </a:effectRef>
+          <a:fontRef idx="minor">
+            <a:schemeClr val="tx1"/>
+          </a:fontRef>
+        </p:style>
+      </p:cxnSp>
+      <p:cxnSp>
+        <p:nvCxnSpPr>
+          <p:cNvPr id="20" name="Straight Connector 19">
+            <a:extLst>
+              <a:ext uri="{FF2B5EF4-FFF2-40B4-BE49-F238E27FC236}">
+                <a16:creationId xmlns:a16="http://schemas.microsoft.com/office/drawing/2014/main" id="{4A99863D-3891-CA45-A185-6F7548D41C65}"/>
+              </a:ext>
+            </a:extLst>
+          </p:cNvPr>
+          <p:cNvCxnSpPr/>
+          <p:nvPr/>
+        </p:nvCxnSpPr>
+        <p:spPr>
+          <a:xfrm flipH="1">
+            <a:off x="2743200" y="8462680"/>
+            <a:ext cx="10384202" cy="0"/>
+          </a:xfrm>
+          <a:prstGeom prst="line">
+            <a:avLst/>
+          </a:prstGeom>
+        </p:spPr>
+        <p:style>
+          <a:lnRef idx="1">
+            <a:schemeClr val="accent1"/>
+          </a:lnRef>
+          <a:fillRef idx="0">
+            <a:schemeClr val="accent1"/>
+          </a:fillRef>
+          <a:effectRef idx="0">
+            <a:schemeClr val="accent1"/>
+          </a:effectRef>
+          <a:fontRef idx="minor">
+            <a:schemeClr val="tx1"/>
+          </a:fontRef>
+        </p:style>
+      </p:cxnSp>
+      <p:sp>
+        <p:nvSpPr>
+          <p:cNvPr id="10" name="TextBox 9">
+            <a:extLst>
+              <a:ext uri="{FF2B5EF4-FFF2-40B4-BE49-F238E27FC236}">
+                <a16:creationId xmlns:a16="http://schemas.microsoft.com/office/drawing/2014/main" id="{65487F56-AFF7-D546-8164-392AB2DCFDFE}"/>
+              </a:ext>
+            </a:extLst>
+          </p:cNvPr>
+          <p:cNvSpPr txBox="1"/>
+          <p:nvPr/>
+        </p:nvSpPr>
+        <p:spPr>
+          <a:xfrm>
+            <a:off x="13730866" y="3812480"/>
+            <a:ext cx="2456330" cy="954749"/>
+          </a:xfrm>
+          <a:prstGeom prst="rect">
+            <a:avLst/>
+          </a:prstGeom>
+          <a:noFill/>
+        </p:spPr>
+        <p:txBody>
+          <a:bodyPr wrap="square" rtlCol="0">
+            <a:spAutoFit/>
+          </a:bodyPr>
+          <a:lstStyle/>
+          <a:p>
+            <a:pPr algn="ctr"/>
+            <a:r>
+              <a:rPr lang="en-US" dirty="0"/>
+              <a:t>Training Samples</a:t>
+            </a:r>
+          </a:p>
+        </p:txBody>
+      </p:sp>
+      <p:sp>
+        <p:nvSpPr>
+          <p:cNvPr id="23" name="TextBox 22">
+            <a:extLst>
+              <a:ext uri="{FF2B5EF4-FFF2-40B4-BE49-F238E27FC236}">
+                <a16:creationId xmlns:a16="http://schemas.microsoft.com/office/drawing/2014/main" id="{50C6545E-9E69-C64F-B78F-4852D815BACB}"/>
+              </a:ext>
+            </a:extLst>
+          </p:cNvPr>
+          <p:cNvSpPr txBox="1"/>
+          <p:nvPr/>
+        </p:nvSpPr>
+        <p:spPr>
+          <a:xfrm>
+            <a:off x="13730866" y="7156314"/>
+            <a:ext cx="2456330" cy="954749"/>
+          </a:xfrm>
+          <a:prstGeom prst="rect">
+            <a:avLst/>
+          </a:prstGeom>
+          <a:noFill/>
+        </p:spPr>
+        <p:txBody>
+          <a:bodyPr wrap="square" rtlCol="0">
+            <a:spAutoFit/>
+          </a:bodyPr>
+          <a:lstStyle/>
+          <a:p>
+            <a:pPr algn="ctr"/>
+            <a:r>
+              <a:rPr lang="en-US" dirty="0"/>
+              <a:t>Validation Samples</a:t>
+            </a:r>
+          </a:p>
+        </p:txBody>
+      </p:sp>
+      <p:sp>
+        <p:nvSpPr>
+          <p:cNvPr id="25" name="TextBox 24">
+            <a:extLst>
+              <a:ext uri="{FF2B5EF4-FFF2-40B4-BE49-F238E27FC236}">
+                <a16:creationId xmlns:a16="http://schemas.microsoft.com/office/drawing/2014/main" id="{A3877371-06C9-FD4A-9376-DC87D8335EB3}"/>
+              </a:ext>
+            </a:extLst>
+          </p:cNvPr>
+          <p:cNvSpPr txBox="1"/>
+          <p:nvPr/>
+        </p:nvSpPr>
+        <p:spPr>
+          <a:xfrm>
+            <a:off x="13730866" y="8823365"/>
+            <a:ext cx="2456330" cy="954749"/>
+          </a:xfrm>
+          <a:prstGeom prst="rect">
+            <a:avLst/>
+          </a:prstGeom>
+          <a:noFill/>
+        </p:spPr>
+        <p:txBody>
+          <a:bodyPr wrap="square" rtlCol="0">
+            <a:spAutoFit/>
+          </a:bodyPr>
+          <a:lstStyle/>
+          <a:p>
+            <a:pPr algn="ctr"/>
+            <a:r>
+              <a:rPr lang="en-US" dirty="0"/>
+              <a:t>Test</a:t>
+            </a:r>
+          </a:p>
+          <a:p>
+            <a:pPr algn="ctr"/>
+            <a:r>
+              <a:rPr lang="en-US" dirty="0"/>
+              <a:t>Samples</a:t>
+            </a:r>
+          </a:p>
+        </p:txBody>
+      </p:sp>
+    </p:spTree>
+    <p:extLst>
+      <p:ext uri="{BB962C8B-B14F-4D97-AF65-F5344CB8AC3E}">
+        <p14:creationId xmlns:p14="http://schemas.microsoft.com/office/powerpoint/2010/main" val="1732188623"/>
+      </p:ext>
+    </p:extLst>
+  </p:cSld>
+  <p:clrMapOvr>
+    <a:masterClrMapping/>
+  </p:clrMapOvr>
+</p:sld>
+</file>
+
+<file path=ppt/slides/slide15.xml><?xml version="1.0" encoding="utf-8"?>
+<p:sld xmlns:a="http://schemas.openxmlformats.org/drawingml/2006/main" xmlns:r="http://schemas.openxmlformats.org/officeDocument/2006/relationships" xmlns:p="http://schemas.openxmlformats.org/presentationml/2006/main">
+  <p:cSld>
+    <p:spTree>
+      <p:nvGrpSpPr>
+        <p:cNvPr id="1" name="Shape 147"/>
+        <p:cNvGrpSpPr/>
+        <p:nvPr/>
+      </p:nvGrpSpPr>
+      <p:grpSpPr>
+        <a:xfrm>
+          <a:off x="0" y="0"/>
+          <a:ext cx="0" cy="0"/>
+          <a:chOff x="0" y="0"/>
+          <a:chExt cx="0" cy="0"/>
+        </a:xfrm>
+      </p:grpSpPr>
+      <p:sp>
+        <p:nvSpPr>
+          <p:cNvPr id="148" name="Shape 148"/>
+          <p:cNvSpPr txBox="1">
+            <a:spLocks noGrp="1"/>
+          </p:cNvSpPr>
+          <p:nvPr>
+            <p:ph type="title"/>
+          </p:nvPr>
+        </p:nvSpPr>
+        <p:spPr>
+          <a:xfrm>
+            <a:off x="192358" y="32689"/>
+            <a:ext cx="17661379" cy="1204842"/>
+          </a:xfrm>
+          <a:prstGeom prst="rect">
+            <a:avLst/>
+          </a:prstGeom>
+        </p:spPr>
+        <p:txBody>
+          <a:bodyPr lIns="182874" tIns="182874" rIns="182874" bIns="182874" anchor="ctr" anchorCtr="0">
+            <a:noAutofit/>
+          </a:bodyPr>
+          <a:lstStyle/>
+          <a:p>
+            <a:pPr algn="ctr"/>
+            <a:r>
+              <a:rPr lang="en" sz="4402" dirty="0"/>
+              <a:t>Generators</a:t>
+            </a:r>
+          </a:p>
+        </p:txBody>
+      </p:sp>
+      <p:sp>
+        <p:nvSpPr>
+          <p:cNvPr id="149" name="Shape 149"/>
+          <p:cNvSpPr txBox="1">
+            <a:spLocks noGrp="1"/>
+          </p:cNvSpPr>
+          <p:nvPr>
+            <p:ph type="body" idx="4294967295"/>
+          </p:nvPr>
+        </p:nvSpPr>
+        <p:spPr>
+          <a:xfrm>
+            <a:off x="413459" y="1776131"/>
+            <a:ext cx="17440478" cy="8042873"/>
+          </a:xfrm>
+          <a:prstGeom prst="rect">
+            <a:avLst/>
+          </a:prstGeom>
+        </p:spPr>
+        <p:txBody>
+          <a:bodyPr lIns="182874" tIns="182874" rIns="182874" bIns="182874" anchor="t" anchorCtr="0">
+            <a:noAutofit/>
+          </a:bodyPr>
+          <a:lstStyle/>
+          <a:p>
+            <a:pPr marL="914507" indent="-711281">
+              <a:buClr>
+                <a:srgbClr val="434343"/>
+              </a:buClr>
+              <a:buFont typeface="Calibri"/>
+              <a:buChar char="●"/>
+            </a:pPr>
+            <a:r>
+              <a:rPr lang="en-US" sz="4002" dirty="0">
+                <a:solidFill>
+                  <a:srgbClr val="434343"/>
+                </a:solidFill>
+              </a:rPr>
+              <a:t>As our dataset is large, we don’t want to load it all into memory</a:t>
+            </a:r>
+          </a:p>
+          <a:p>
+            <a:pPr marL="914507" indent="-711281">
+              <a:buClr>
+                <a:srgbClr val="434343"/>
+              </a:buClr>
+              <a:buFont typeface="Calibri"/>
+              <a:buChar char="●"/>
+            </a:pPr>
+            <a:r>
+              <a:rPr lang="en-US" sz="4002" dirty="0">
+                <a:solidFill>
+                  <a:srgbClr val="434343"/>
+                </a:solidFill>
+              </a:rPr>
+              <a:t>Generators give us the ability to iterate through our dataset and train on batches</a:t>
+            </a:r>
+          </a:p>
+          <a:p>
+            <a:pPr marL="914507" indent="-711281">
+              <a:buClr>
+                <a:srgbClr val="434343"/>
+              </a:buClr>
+              <a:buFont typeface="Calibri"/>
+              <a:buChar char="●"/>
+            </a:pPr>
+            <a:endParaRPr lang="en-US" sz="4002" dirty="0">
+              <a:solidFill>
+                <a:srgbClr val="434343"/>
+              </a:solidFill>
+            </a:endParaRPr>
+          </a:p>
+          <a:p>
+            <a:pPr marL="914507" indent="-711281">
+              <a:buClr>
+                <a:srgbClr val="434343"/>
+              </a:buClr>
+              <a:buChar char="●"/>
+            </a:pPr>
+            <a:endParaRPr lang="en-US" sz="4002" dirty="0">
+              <a:solidFill>
+                <a:srgbClr val="434343"/>
+              </a:solidFill>
+            </a:endParaRPr>
+          </a:p>
+          <a:p>
+            <a:pPr marL="914507" indent="-711281">
+              <a:buClr>
+                <a:srgbClr val="434343"/>
+              </a:buClr>
+              <a:buChar char="●"/>
+            </a:pPr>
+            <a:endParaRPr lang="en-US" sz="4002" dirty="0">
+              <a:solidFill>
+                <a:srgbClr val="434343"/>
+              </a:solidFill>
+            </a:endParaRPr>
+          </a:p>
+          <a:p>
+            <a:pPr marL="203226" lvl="1">
+              <a:buClr>
+                <a:srgbClr val="434343"/>
+              </a:buClr>
+            </a:pPr>
+            <a:r>
+              <a:rPr lang="en-GB" sz="3200" dirty="0">
+                <a:solidFill>
+                  <a:srgbClr val="434343"/>
+                </a:solidFill>
+                <a:latin typeface="Consolas" panose="020B0609020204030204" pitchFamily="49" charset="0"/>
+                <a:cs typeface="Consolas" panose="020B0609020204030204" pitchFamily="49" charset="0"/>
+              </a:rPr>
+              <a:t>		</a:t>
+            </a:r>
+            <a:endParaRPr lang="en-US" sz="4002" dirty="0">
+              <a:solidFill>
+                <a:srgbClr val="434343"/>
+              </a:solidFill>
+            </a:endParaRPr>
+          </a:p>
+          <a:p>
+            <a:pPr marL="774726" indent="-571500">
+              <a:buClr>
+                <a:srgbClr val="434343"/>
+              </a:buClr>
+              <a:buFont typeface="Arial" panose="020B0604020202020204" pitchFamily="34" charset="0"/>
+              <a:buChar char="•"/>
+            </a:pPr>
+            <a:endParaRPr lang="en" sz="4002" dirty="0">
+              <a:solidFill>
+                <a:srgbClr val="434343"/>
+              </a:solidFill>
+            </a:endParaRPr>
+          </a:p>
+        </p:txBody>
+      </p:sp>
+    </p:spTree>
+    <p:extLst>
+      <p:ext uri="{BB962C8B-B14F-4D97-AF65-F5344CB8AC3E}">
+        <p14:creationId xmlns:p14="http://schemas.microsoft.com/office/powerpoint/2010/main" val="2370473635"/>
+      </p:ext>
+    </p:extLst>
+  </p:cSld>
+  <p:clrMapOvr>
+    <a:masterClrMapping/>
+  </p:clrMapOvr>
+</p:sld>
+</file>
+
+<file path=ppt/slides/slide16.xml><?xml version="1.0" encoding="utf-8"?>
+<p:sld xmlns:a="http://schemas.openxmlformats.org/drawingml/2006/main" xmlns:r="http://schemas.openxmlformats.org/officeDocument/2006/relationships" xmlns:p="http://schemas.openxmlformats.org/presentationml/2006/main">
+  <p:cSld>
+    <p:spTree>
+      <p:nvGrpSpPr>
+        <p:cNvPr id="1" name="Shape 147"/>
+        <p:cNvGrpSpPr/>
+        <p:nvPr/>
+      </p:nvGrpSpPr>
+      <p:grpSpPr>
+        <a:xfrm>
+          <a:off x="0" y="0"/>
+          <a:ext cx="0" cy="0"/>
+          <a:chOff x="0" y="0"/>
+          <a:chExt cx="0" cy="0"/>
+        </a:xfrm>
+      </p:grpSpPr>
+      <p:sp>
+        <p:nvSpPr>
+          <p:cNvPr id="148" name="Shape 148"/>
+          <p:cNvSpPr txBox="1">
+            <a:spLocks noGrp="1"/>
+          </p:cNvSpPr>
+          <p:nvPr>
+            <p:ph type="title"/>
+          </p:nvPr>
+        </p:nvSpPr>
+        <p:spPr>
+          <a:xfrm>
+            <a:off x="192358" y="32689"/>
+            <a:ext cx="17661379" cy="1204842"/>
+          </a:xfrm>
+          <a:prstGeom prst="rect">
+            <a:avLst/>
+          </a:prstGeom>
+        </p:spPr>
+        <p:txBody>
+          <a:bodyPr lIns="182874" tIns="182874" rIns="182874" bIns="182874" anchor="ctr" anchorCtr="0">
+            <a:noAutofit/>
+          </a:bodyPr>
+          <a:lstStyle/>
+          <a:p>
+            <a:pPr algn="ctr"/>
+            <a:r>
+              <a:rPr lang="en" sz="4402" dirty="0"/>
+              <a:t>Our CNN</a:t>
+            </a:r>
+          </a:p>
+        </p:txBody>
+      </p:sp>
+      <p:pic>
+        <p:nvPicPr>
+          <p:cNvPr id="6" name="Picture 5">
+            <a:extLst>
+              <a:ext uri="{FF2B5EF4-FFF2-40B4-BE49-F238E27FC236}">
+                <a16:creationId xmlns:a16="http://schemas.microsoft.com/office/drawing/2014/main" id="{A49DBACA-B7C0-384C-A2CA-C99DB0710541}"/>
+              </a:ext>
+            </a:extLst>
+          </p:cNvPr>
+          <p:cNvPicPr>
+            <a:picLocks noChangeAspect="1"/>
+          </p:cNvPicPr>
+          <p:nvPr/>
+        </p:nvPicPr>
+        <p:blipFill>
+          <a:blip r:embed="rId3"/>
+          <a:stretch>
+            <a:fillRect/>
+          </a:stretch>
+        </p:blipFill>
+        <p:spPr>
+          <a:xfrm>
+            <a:off x="1842019" y="1509889"/>
+            <a:ext cx="14603961" cy="537475"/>
+          </a:xfrm>
+          <a:prstGeom prst="rect">
+            <a:avLst/>
+          </a:prstGeom>
+        </p:spPr>
+      </p:pic>
+      <p:pic>
+        <p:nvPicPr>
+          <p:cNvPr id="10" name="Picture 9" descr="A close up of a sign&#13;&#10;&#13;&#10;Description automatically generated">
+            <a:extLst>
+              <a:ext uri="{FF2B5EF4-FFF2-40B4-BE49-F238E27FC236}">
+                <a16:creationId xmlns:a16="http://schemas.microsoft.com/office/drawing/2014/main" id="{16A06999-DF39-0942-99A0-D57BD94ED805}"/>
+              </a:ext>
+            </a:extLst>
+          </p:cNvPr>
+          <p:cNvPicPr>
+            <a:picLocks noChangeAspect="1"/>
+          </p:cNvPicPr>
+          <p:nvPr/>
+        </p:nvPicPr>
+        <p:blipFill>
+          <a:blip r:embed="rId4"/>
+          <a:stretch>
+            <a:fillRect/>
+          </a:stretch>
+        </p:blipFill>
+        <p:spPr>
+          <a:xfrm>
+            <a:off x="7919353" y="2047364"/>
+            <a:ext cx="2449293" cy="7440304"/>
+          </a:xfrm>
+          <a:prstGeom prst="rect">
+            <a:avLst/>
+          </a:prstGeom>
+        </p:spPr>
+      </p:pic>
+      <p:sp>
+        <p:nvSpPr>
+          <p:cNvPr id="11" name="TextBox 10">
+            <a:extLst>
+              <a:ext uri="{FF2B5EF4-FFF2-40B4-BE49-F238E27FC236}">
+                <a16:creationId xmlns:a16="http://schemas.microsoft.com/office/drawing/2014/main" id="{54F7300A-20D8-B44C-A56E-F86440A5B849}"/>
+              </a:ext>
+            </a:extLst>
+          </p:cNvPr>
+          <p:cNvSpPr txBox="1"/>
+          <p:nvPr/>
+        </p:nvSpPr>
+        <p:spPr>
+          <a:xfrm>
+            <a:off x="488348" y="1509889"/>
+            <a:ext cx="2707341" cy="523541"/>
+          </a:xfrm>
+          <a:prstGeom prst="rect">
+            <a:avLst/>
+          </a:prstGeom>
+          <a:noFill/>
+        </p:spPr>
+        <p:txBody>
+          <a:bodyPr wrap="square" rtlCol="0">
+            <a:spAutoFit/>
+          </a:bodyPr>
+          <a:lstStyle/>
+          <a:p>
+            <a:r>
+              <a:rPr lang="en-US" dirty="0"/>
+              <a:t>Sample</a:t>
+            </a:r>
+          </a:p>
+        </p:txBody>
+      </p:sp>
+      <p:sp>
+        <p:nvSpPr>
+          <p:cNvPr id="13" name="TextBox 12">
+            <a:extLst>
+              <a:ext uri="{FF2B5EF4-FFF2-40B4-BE49-F238E27FC236}">
+                <a16:creationId xmlns:a16="http://schemas.microsoft.com/office/drawing/2014/main" id="{4BA66B1C-DEE3-4846-AAFC-20F3497B6BBD}"/>
+              </a:ext>
+            </a:extLst>
+          </p:cNvPr>
+          <p:cNvSpPr txBox="1"/>
+          <p:nvPr/>
+        </p:nvSpPr>
+        <p:spPr>
+          <a:xfrm>
+            <a:off x="6824491" y="9504611"/>
+            <a:ext cx="4639017" cy="523541"/>
+          </a:xfrm>
+          <a:prstGeom prst="rect">
+            <a:avLst/>
+          </a:prstGeom>
+          <a:noFill/>
+        </p:spPr>
+        <p:txBody>
+          <a:bodyPr wrap="square" rtlCol="0">
+            <a:spAutoFit/>
+          </a:bodyPr>
+          <a:lstStyle/>
+          <a:p>
+            <a:pPr algn="ctr"/>
+            <a:r>
+              <a:rPr lang="en-US" dirty="0"/>
+              <a:t>Prediction of Trip Duration</a:t>
+            </a:r>
+          </a:p>
+        </p:txBody>
+      </p:sp>
+    </p:spTree>
+    <p:extLst>
+      <p:ext uri="{BB962C8B-B14F-4D97-AF65-F5344CB8AC3E}">
+        <p14:creationId xmlns:p14="http://schemas.microsoft.com/office/powerpoint/2010/main" val="251888988"/>
+      </p:ext>
+    </p:extLst>
+  </p:cSld>
+  <p:clrMapOvr>
+    <a:masterClrMapping/>
+  </p:clrMapOvr>
+</p:sld>
+</file>
+
+<file path=ppt/slides/slide17.xml><?xml version="1.0" encoding="utf-8"?>
+<p:sld xmlns:a="http://schemas.openxmlformats.org/drawingml/2006/main" xmlns:r="http://schemas.openxmlformats.org/officeDocument/2006/relationships" xmlns:p="http://schemas.openxmlformats.org/presentationml/2006/main">
+  <p:cSld>
+    <p:spTree>
+      <p:nvGrpSpPr>
+        <p:cNvPr id="1" name="Shape 172"/>
+        <p:cNvGrpSpPr/>
+        <p:nvPr/>
+      </p:nvGrpSpPr>
+      <p:grpSpPr>
+        <a:xfrm>
+          <a:off x="0" y="0"/>
+          <a:ext cx="0" cy="0"/>
+          <a:chOff x="0" y="0"/>
+          <a:chExt cx="0" cy="0"/>
+        </a:xfrm>
+      </p:grpSpPr>
+      <p:sp>
+        <p:nvSpPr>
+          <p:cNvPr id="173" name="Shape 173"/>
+          <p:cNvSpPr txBox="1">
+            <a:spLocks noGrp="1"/>
+          </p:cNvSpPr>
+          <p:nvPr>
+            <p:ph type="title"/>
+          </p:nvPr>
+        </p:nvSpPr>
+        <p:spPr>
+          <a:xfrm>
+            <a:off x="976721" y="976049"/>
+            <a:ext cx="16075446" cy="8177813"/>
+          </a:xfrm>
+          <a:prstGeom prst="rect">
+            <a:avLst/>
+          </a:prstGeom>
+        </p:spPr>
+        <p:txBody>
+          <a:bodyPr lIns="182874" tIns="182874" rIns="182874" bIns="182874" anchor="ctr" anchorCtr="0">
+            <a:noAutofit/>
+          </a:bodyPr>
+          <a:lstStyle/>
+          <a:p>
+            <a:r>
+              <a:rPr lang="en" dirty="0">
+                <a:latin typeface="Consolas" panose="020B0609020204030204" pitchFamily="49" charset="0"/>
+                <a:cs typeface="Consolas" panose="020B0609020204030204" pitchFamily="49" charset="0"/>
+              </a:rPr>
+              <a:t>Let’s explore the code…</a:t>
+            </a:r>
+          </a:p>
+        </p:txBody>
+      </p:sp>
+    </p:spTree>
+    <p:extLst>
+      <p:ext uri="{BB962C8B-B14F-4D97-AF65-F5344CB8AC3E}">
+        <p14:creationId xmlns:p14="http://schemas.microsoft.com/office/powerpoint/2010/main" val="2039812599"/>
+      </p:ext>
+    </p:extLst>
+  </p:cSld>
+  <p:clrMapOvr>
+    <a:masterClrMapping/>
+  </p:clrMapOvr>
+</p:sld>
+</file>
+
+<file path=ppt/slides/slide18.xml><?xml version="1.0" encoding="utf-8"?>
+<p:sld xmlns:a="http://schemas.openxmlformats.org/drawingml/2006/main" xmlns:r="http://schemas.openxmlformats.org/officeDocument/2006/relationships" xmlns:p="http://schemas.openxmlformats.org/presentationml/2006/main">
+  <p:cSld>
+    <p:spTree>
+      <p:nvGrpSpPr>
+        <p:cNvPr id="1" name="Shape 147"/>
+        <p:cNvGrpSpPr/>
+        <p:nvPr/>
+      </p:nvGrpSpPr>
+      <p:grpSpPr>
+        <a:xfrm>
+          <a:off x="0" y="0"/>
+          <a:ext cx="0" cy="0"/>
+          <a:chOff x="0" y="0"/>
+          <a:chExt cx="0" cy="0"/>
+        </a:xfrm>
+      </p:grpSpPr>
+      <p:sp>
+        <p:nvSpPr>
+          <p:cNvPr id="148" name="Shape 148"/>
+          <p:cNvSpPr txBox="1">
+            <a:spLocks noGrp="1"/>
+          </p:cNvSpPr>
+          <p:nvPr>
+            <p:ph type="title"/>
+          </p:nvPr>
+        </p:nvSpPr>
+        <p:spPr>
+          <a:xfrm>
+            <a:off x="192358" y="32689"/>
+            <a:ext cx="17661379" cy="1204842"/>
+          </a:xfrm>
+          <a:prstGeom prst="rect">
+            <a:avLst/>
+          </a:prstGeom>
+        </p:spPr>
+        <p:txBody>
+          <a:bodyPr lIns="182874" tIns="182874" rIns="182874" bIns="182874" anchor="ctr" anchorCtr="0">
+            <a:noAutofit/>
+          </a:bodyPr>
+          <a:lstStyle/>
+          <a:p>
+            <a:pPr algn="ctr"/>
+            <a:r>
+              <a:rPr lang="en" sz="4402" dirty="0"/>
+              <a:t>Debugging Neural Networks</a:t>
+            </a:r>
+          </a:p>
+        </p:txBody>
+      </p:sp>
+      <p:sp>
+        <p:nvSpPr>
+          <p:cNvPr id="149" name="Shape 149"/>
+          <p:cNvSpPr txBox="1">
+            <a:spLocks noGrp="1"/>
+          </p:cNvSpPr>
+          <p:nvPr>
+            <p:ph type="body" idx="4294967295"/>
+          </p:nvPr>
+        </p:nvSpPr>
+        <p:spPr>
+          <a:xfrm>
+            <a:off x="413459" y="1776131"/>
+            <a:ext cx="17440478" cy="8042873"/>
+          </a:xfrm>
+          <a:prstGeom prst="rect">
+            <a:avLst/>
+          </a:prstGeom>
+        </p:spPr>
+        <p:txBody>
+          <a:bodyPr lIns="182874" tIns="182874" rIns="182874" bIns="182874" anchor="t" anchorCtr="0">
+            <a:noAutofit/>
+          </a:bodyPr>
+          <a:lstStyle/>
+          <a:p>
+            <a:pPr marL="914507" indent="-711281">
+              <a:buClr>
+                <a:srgbClr val="434343"/>
+              </a:buClr>
+              <a:buFont typeface="Calibri"/>
+              <a:buChar char="●"/>
+            </a:pPr>
+            <a:r>
+              <a:rPr lang="en-US" sz="4002" dirty="0">
+                <a:solidFill>
+                  <a:srgbClr val="434343"/>
+                </a:solidFill>
+              </a:rPr>
+              <a:t>Training neural networks can be more trial-and-error than science</a:t>
+            </a:r>
+          </a:p>
+          <a:p>
+            <a:pPr marL="914507" indent="-711281">
+              <a:buClr>
+                <a:srgbClr val="434343"/>
+              </a:buClr>
+              <a:buFont typeface="Calibri"/>
+              <a:buChar char="●"/>
+            </a:pPr>
+            <a:r>
+              <a:rPr lang="en-US" sz="4002" dirty="0">
+                <a:solidFill>
+                  <a:srgbClr val="434343"/>
+                </a:solidFill>
+              </a:rPr>
+              <a:t>Prove the code works by running a small number of samples and a single batch</a:t>
+            </a:r>
+          </a:p>
+          <a:p>
+            <a:pPr marL="914507" indent="-711281">
+              <a:buClr>
+                <a:srgbClr val="434343"/>
+              </a:buClr>
+              <a:buFont typeface="Calibri"/>
+              <a:buChar char="●"/>
+            </a:pPr>
+            <a:r>
+              <a:rPr lang="en-US" sz="4002" dirty="0">
+                <a:solidFill>
+                  <a:srgbClr val="434343"/>
+                </a:solidFill>
+              </a:rPr>
+              <a:t>Train using a small number of samples to check that the model converges and you see overfitting</a:t>
+            </a:r>
+          </a:p>
+          <a:p>
+            <a:pPr marL="914507" indent="-711281">
+              <a:buClr>
+                <a:srgbClr val="434343"/>
+              </a:buClr>
+              <a:buFont typeface="Calibri"/>
+              <a:buChar char="●"/>
+            </a:pPr>
+            <a:r>
+              <a:rPr lang="en-US" sz="4002" dirty="0">
+                <a:solidFill>
+                  <a:srgbClr val="434343"/>
+                </a:solidFill>
+              </a:rPr>
+              <a:t>Increase the number of samples over time</a:t>
+            </a:r>
+          </a:p>
+          <a:p>
+            <a:pPr marL="914507" indent="-711281">
+              <a:buClr>
+                <a:srgbClr val="434343"/>
+              </a:buClr>
+              <a:buFont typeface="Calibri"/>
+              <a:buChar char="●"/>
+            </a:pPr>
+            <a:r>
+              <a:rPr lang="en-US" sz="4002" dirty="0">
+                <a:solidFill>
+                  <a:srgbClr val="434343"/>
+                </a:solidFill>
+              </a:rPr>
+              <a:t>Make changes to the network architecture, hyper-parameters, etc. to find an optimal solution</a:t>
+            </a:r>
+          </a:p>
+          <a:p>
+            <a:pPr marL="914507" indent="-711281">
+              <a:buClr>
+                <a:srgbClr val="434343"/>
+              </a:buClr>
+              <a:buFont typeface="Calibri"/>
+              <a:buChar char="●"/>
+            </a:pPr>
+            <a:r>
+              <a:rPr lang="en-US" sz="4002" dirty="0">
+                <a:solidFill>
+                  <a:srgbClr val="434343"/>
+                </a:solidFill>
+              </a:rPr>
+              <a:t>Then scale to the full dataset</a:t>
+            </a:r>
+          </a:p>
+          <a:p>
+            <a:pPr marL="914507" indent="-711281">
+              <a:buClr>
+                <a:srgbClr val="434343"/>
+              </a:buClr>
+              <a:buFont typeface="Calibri"/>
+              <a:buChar char="●"/>
+            </a:pPr>
+            <a:r>
+              <a:rPr lang="en-US" sz="2400" dirty="0">
+                <a:solidFill>
+                  <a:srgbClr val="434343"/>
+                </a:solidFill>
+              </a:rPr>
+              <a:t>See </a:t>
+            </a:r>
+            <a:r>
+              <a:rPr lang="en-US" sz="2400" dirty="0">
+                <a:solidFill>
+                  <a:srgbClr val="434343"/>
+                </a:solidFill>
+                <a:hlinkClick r:id="rId3"/>
+              </a:rPr>
+              <a:t>https://keras.io/getting-started/faq/#why-is-the-training-loss-much-higher-than-the-testing-loss</a:t>
+            </a:r>
+            <a:r>
+              <a:rPr lang="en-US" sz="2400" dirty="0">
+                <a:solidFill>
+                  <a:srgbClr val="434343"/>
+                </a:solidFill>
+              </a:rPr>
+              <a:t> </a:t>
+            </a:r>
+          </a:p>
+          <a:p>
+            <a:pPr marL="914507" indent="-711281">
+              <a:buClr>
+                <a:srgbClr val="434343"/>
+              </a:buClr>
+              <a:buFont typeface="Calibri"/>
+              <a:buChar char="●"/>
+            </a:pPr>
+            <a:endParaRPr lang="en-US" sz="4002" dirty="0">
+              <a:solidFill>
+                <a:srgbClr val="434343"/>
+              </a:solidFill>
+            </a:endParaRPr>
+          </a:p>
+          <a:p>
+            <a:pPr marL="914507" indent="-711281">
+              <a:buClr>
+                <a:srgbClr val="434343"/>
+              </a:buClr>
+              <a:buChar char="●"/>
+            </a:pPr>
+            <a:endParaRPr lang="en-US" sz="4002" dirty="0">
+              <a:solidFill>
+                <a:srgbClr val="434343"/>
+              </a:solidFill>
+            </a:endParaRPr>
+          </a:p>
+          <a:p>
+            <a:pPr marL="914507" indent="-711281">
+              <a:buClr>
+                <a:srgbClr val="434343"/>
+              </a:buClr>
+              <a:buChar char="●"/>
+            </a:pPr>
+            <a:endParaRPr lang="en-US" sz="4002" dirty="0">
+              <a:solidFill>
+                <a:srgbClr val="434343"/>
+              </a:solidFill>
+            </a:endParaRPr>
+          </a:p>
+          <a:p>
+            <a:pPr marL="203226" lvl="1">
+              <a:buClr>
+                <a:srgbClr val="434343"/>
+              </a:buClr>
+            </a:pPr>
+            <a:r>
+              <a:rPr lang="en-GB" sz="3200" dirty="0">
+                <a:solidFill>
+                  <a:srgbClr val="434343"/>
+                </a:solidFill>
+                <a:latin typeface="Consolas" panose="020B0609020204030204" pitchFamily="49" charset="0"/>
+                <a:cs typeface="Consolas" panose="020B0609020204030204" pitchFamily="49" charset="0"/>
+              </a:rPr>
+              <a:t>		</a:t>
+            </a:r>
+            <a:endParaRPr lang="en-US" sz="4002" dirty="0">
+              <a:solidFill>
+                <a:srgbClr val="434343"/>
+              </a:solidFill>
+            </a:endParaRPr>
+          </a:p>
+          <a:p>
+            <a:pPr marL="774726" indent="-571500">
+              <a:buClr>
+                <a:srgbClr val="434343"/>
+              </a:buClr>
+              <a:buFont typeface="Arial" panose="020B0604020202020204" pitchFamily="34" charset="0"/>
+              <a:buChar char="•"/>
+            </a:pPr>
+            <a:endParaRPr lang="en" sz="4002" dirty="0">
+              <a:solidFill>
+                <a:srgbClr val="434343"/>
+              </a:solidFill>
+            </a:endParaRPr>
+          </a:p>
+        </p:txBody>
+      </p:sp>
+    </p:spTree>
+    <p:extLst>
+      <p:ext uri="{BB962C8B-B14F-4D97-AF65-F5344CB8AC3E}">
+        <p14:creationId xmlns:p14="http://schemas.microsoft.com/office/powerpoint/2010/main" val="3367407288"/>
+      </p:ext>
+    </p:extLst>
+  </p:cSld>
+  <p:clrMapOvr>
+    <a:masterClrMapping/>
+  </p:clrMapOvr>
+</p:sld>
+</file>
+
+<file path=ppt/slides/slide19.xml><?xml version="1.0" encoding="utf-8"?>
+<p:sld xmlns:a="http://schemas.openxmlformats.org/drawingml/2006/main" xmlns:r="http://schemas.openxmlformats.org/officeDocument/2006/relationships" xmlns:p="http://schemas.openxmlformats.org/presentationml/2006/main">
+  <p:cSld>
+    <p:spTree>
+      <p:nvGrpSpPr>
+        <p:cNvPr id="1" name="Shape 147"/>
+        <p:cNvGrpSpPr/>
+        <p:nvPr/>
+      </p:nvGrpSpPr>
+      <p:grpSpPr>
+        <a:xfrm>
+          <a:off x="0" y="0"/>
+          <a:ext cx="0" cy="0"/>
+          <a:chOff x="0" y="0"/>
+          <a:chExt cx="0" cy="0"/>
+        </a:xfrm>
+      </p:grpSpPr>
+      <p:sp>
+        <p:nvSpPr>
+          <p:cNvPr id="148" name="Shape 148"/>
+          <p:cNvSpPr txBox="1">
+            <a:spLocks noGrp="1"/>
+          </p:cNvSpPr>
+          <p:nvPr>
+            <p:ph type="title"/>
+          </p:nvPr>
+        </p:nvSpPr>
+        <p:spPr>
+          <a:xfrm>
+            <a:off x="192358" y="32689"/>
+            <a:ext cx="17661379" cy="1204842"/>
+          </a:xfrm>
+          <a:prstGeom prst="rect">
+            <a:avLst/>
+          </a:prstGeom>
+        </p:spPr>
+        <p:txBody>
+          <a:bodyPr lIns="182874" tIns="182874" rIns="182874" bIns="182874" anchor="ctr" anchorCtr="0">
+            <a:noAutofit/>
+          </a:bodyPr>
+          <a:lstStyle/>
+          <a:p>
+            <a:pPr algn="ctr"/>
+            <a:r>
+              <a:rPr lang="en" sz="4402" dirty="0" err="1"/>
+              <a:t>Analysing</a:t>
+            </a:r>
+            <a:r>
+              <a:rPr lang="en" sz="4402" dirty="0"/>
+              <a:t> Training Performance</a:t>
+            </a:r>
+          </a:p>
+        </p:txBody>
+      </p:sp>
+      <p:sp>
+        <p:nvSpPr>
+          <p:cNvPr id="149" name="Shape 149"/>
+          <p:cNvSpPr txBox="1">
+            <a:spLocks noGrp="1"/>
+          </p:cNvSpPr>
+          <p:nvPr>
+            <p:ph type="body" idx="4294967295"/>
+          </p:nvPr>
+        </p:nvSpPr>
+        <p:spPr>
+          <a:xfrm>
+            <a:off x="413459" y="1776131"/>
+            <a:ext cx="17440478" cy="8042873"/>
+          </a:xfrm>
+          <a:prstGeom prst="rect">
+            <a:avLst/>
+          </a:prstGeom>
+        </p:spPr>
+        <p:txBody>
+          <a:bodyPr lIns="182874" tIns="182874" rIns="182874" bIns="182874" anchor="t" anchorCtr="0">
+            <a:noAutofit/>
+          </a:bodyPr>
+          <a:lstStyle/>
+          <a:p>
+            <a:pPr marL="914507" indent="-711281">
+              <a:buClr>
+                <a:srgbClr val="434343"/>
+              </a:buClr>
+              <a:buFont typeface="Calibri"/>
+              <a:buChar char="●"/>
+            </a:pPr>
+            <a:r>
+              <a:rPr lang="en-US" sz="4002" dirty="0">
+                <a:solidFill>
+                  <a:srgbClr val="434343"/>
+                </a:solidFill>
+              </a:rPr>
+              <a:t>We are looking for the [training] loss and validation loss to decrease over time</a:t>
+            </a:r>
+          </a:p>
+          <a:p>
+            <a:pPr marL="914507" indent="-711281">
+              <a:buClr>
+                <a:srgbClr val="434343"/>
+              </a:buClr>
+              <a:buFont typeface="Calibri"/>
+              <a:buChar char="●"/>
+            </a:pPr>
+            <a:endParaRPr lang="en-US" sz="4002" dirty="0">
+              <a:solidFill>
+                <a:srgbClr val="434343"/>
+              </a:solidFill>
+            </a:endParaRPr>
+          </a:p>
+          <a:p>
+            <a:pPr marL="914507" indent="-711281">
+              <a:buClr>
+                <a:srgbClr val="434343"/>
+              </a:buClr>
+              <a:buFont typeface="Calibri"/>
+              <a:buChar char="●"/>
+            </a:pPr>
+            <a:endParaRPr lang="en-US" sz="4002" dirty="0">
+              <a:solidFill>
+                <a:srgbClr val="434343"/>
+              </a:solidFill>
+            </a:endParaRPr>
+          </a:p>
+          <a:p>
+            <a:pPr marL="914507" indent="-711281">
+              <a:buClr>
+                <a:srgbClr val="434343"/>
+              </a:buClr>
+              <a:buFont typeface="Calibri"/>
+              <a:buChar char="●"/>
+            </a:pPr>
+            <a:endParaRPr lang="en-US" sz="4002" dirty="0">
+              <a:solidFill>
+                <a:srgbClr val="434343"/>
+              </a:solidFill>
+            </a:endParaRPr>
+          </a:p>
+          <a:p>
+            <a:pPr marL="914507" indent="-711281">
+              <a:buClr>
+                <a:srgbClr val="434343"/>
+              </a:buClr>
+              <a:buFont typeface="Calibri"/>
+              <a:buChar char="●"/>
+            </a:pPr>
+            <a:endParaRPr lang="en-US" sz="4002" dirty="0">
+              <a:solidFill>
+                <a:srgbClr val="434343"/>
+              </a:solidFill>
+            </a:endParaRPr>
+          </a:p>
+          <a:p>
+            <a:pPr marL="914507" indent="-711281">
+              <a:buClr>
+                <a:srgbClr val="434343"/>
+              </a:buClr>
+              <a:buChar char="●"/>
+            </a:pPr>
+            <a:endParaRPr lang="en-US" sz="4002" dirty="0">
+              <a:solidFill>
+                <a:srgbClr val="434343"/>
+              </a:solidFill>
+            </a:endParaRPr>
+          </a:p>
+          <a:p>
+            <a:pPr marL="914507" indent="-711281">
+              <a:buClr>
+                <a:srgbClr val="434343"/>
+              </a:buClr>
+              <a:buChar char="●"/>
+            </a:pPr>
+            <a:endParaRPr lang="en-US" sz="4002" dirty="0">
+              <a:solidFill>
+                <a:srgbClr val="434343"/>
+              </a:solidFill>
+            </a:endParaRPr>
+          </a:p>
+          <a:p>
+            <a:pPr marL="203226" lvl="1">
+              <a:buClr>
+                <a:srgbClr val="434343"/>
+              </a:buClr>
+            </a:pPr>
+            <a:r>
+              <a:rPr lang="en-GB" sz="3200" dirty="0">
+                <a:solidFill>
+                  <a:srgbClr val="434343"/>
+                </a:solidFill>
+                <a:latin typeface="Consolas" panose="020B0609020204030204" pitchFamily="49" charset="0"/>
+                <a:cs typeface="Consolas" panose="020B0609020204030204" pitchFamily="49" charset="0"/>
+              </a:rPr>
+              <a:t>		</a:t>
+            </a:r>
+            <a:endParaRPr lang="en-US" sz="4002" dirty="0">
+              <a:solidFill>
+                <a:srgbClr val="434343"/>
+              </a:solidFill>
+            </a:endParaRPr>
+          </a:p>
+          <a:p>
+            <a:pPr marL="774726" indent="-571500">
+              <a:buClr>
+                <a:srgbClr val="434343"/>
+              </a:buClr>
+              <a:buFont typeface="Arial" panose="020B0604020202020204" pitchFamily="34" charset="0"/>
+              <a:buChar char="•"/>
+            </a:pPr>
+            <a:endParaRPr lang="en" sz="4002" dirty="0">
+              <a:solidFill>
+                <a:srgbClr val="434343"/>
+              </a:solidFill>
+            </a:endParaRPr>
+          </a:p>
+        </p:txBody>
+      </p:sp>
+    </p:spTree>
+    <p:extLst>
+      <p:ext uri="{BB962C8B-B14F-4D97-AF65-F5344CB8AC3E}">
+        <p14:creationId xmlns:p14="http://schemas.microsoft.com/office/powerpoint/2010/main" val="283994799"/>
+      </p:ext>
+    </p:extLst>
+  </p:cSld>
+  <p:clrMapOvr>
+    <a:masterClrMapping/>
+  </p:clrMapOvr>
+</p:sld>
+</file>
+
+<file path=ppt/slides/slide2.xml><?xml version="1.0" encoding="utf-8"?>
+<p:sld xmlns:a="http://schemas.openxmlformats.org/drawingml/2006/main" xmlns:r="http://schemas.openxmlformats.org/officeDocument/2006/relationships" xmlns:p="http://schemas.openxmlformats.org/presentationml/2006/main">
+  <p:cSld>
+    <p:spTree>
+      <p:nvGrpSpPr>
+        <p:cNvPr id="1" name="Shape 147"/>
+        <p:cNvGrpSpPr/>
+        <p:nvPr/>
+      </p:nvGrpSpPr>
+      <p:grpSpPr>
+        <a:xfrm>
+          <a:off x="0" y="0"/>
+          <a:ext cx="0" cy="0"/>
+          <a:chOff x="0" y="0"/>
+          <a:chExt cx="0" cy="0"/>
+        </a:xfrm>
+      </p:grpSpPr>
+      <p:sp>
+        <p:nvSpPr>
+          <p:cNvPr id="148" name="Shape 148"/>
+          <p:cNvSpPr txBox="1">
+            <a:spLocks noGrp="1"/>
+          </p:cNvSpPr>
+          <p:nvPr>
+            <p:ph type="title"/>
+          </p:nvPr>
+        </p:nvSpPr>
+        <p:spPr>
+          <a:xfrm>
+            <a:off x="192358" y="32689"/>
+            <a:ext cx="17661379" cy="1204842"/>
+          </a:xfrm>
+          <a:prstGeom prst="rect">
+            <a:avLst/>
+          </a:prstGeom>
+        </p:spPr>
+        <p:txBody>
+          <a:bodyPr lIns="182874" tIns="182874" rIns="182874" bIns="182874" anchor="ctr" anchorCtr="0">
+            <a:noAutofit/>
+          </a:bodyPr>
+          <a:lstStyle/>
+          <a:p>
+            <a:pPr algn="ctr"/>
+            <a:r>
+              <a:rPr lang="en" sz="4402" dirty="0"/>
+              <a:t>What we will cover in this section</a:t>
+            </a:r>
+          </a:p>
+        </p:txBody>
+      </p:sp>
+      <p:sp>
+        <p:nvSpPr>
+          <p:cNvPr id="149" name="Shape 149"/>
+          <p:cNvSpPr txBox="1">
+            <a:spLocks noGrp="1"/>
+          </p:cNvSpPr>
+          <p:nvPr>
+            <p:ph type="body" idx="4294967295"/>
+          </p:nvPr>
+        </p:nvSpPr>
+        <p:spPr>
+          <a:xfrm>
+            <a:off x="413459" y="1776131"/>
+            <a:ext cx="17440478" cy="8042873"/>
+          </a:xfrm>
+          <a:prstGeom prst="rect">
+            <a:avLst/>
+          </a:prstGeom>
+        </p:spPr>
+        <p:txBody>
+          <a:bodyPr lIns="182874" tIns="182874" rIns="182874" bIns="182874" anchor="t" anchorCtr="0">
+            <a:noAutofit/>
+          </a:bodyPr>
+          <a:lstStyle/>
+          <a:p>
+            <a:pPr marL="914507" indent="-711281">
+              <a:buClr>
+                <a:srgbClr val="434343"/>
+              </a:buClr>
+              <a:buChar char="●"/>
+            </a:pPr>
+            <a:r>
+              <a:rPr lang="en-US" sz="4002" dirty="0">
+                <a:solidFill>
+                  <a:srgbClr val="434343"/>
+                </a:solidFill>
+              </a:rPr>
+              <a:t>A summary of the problem</a:t>
+            </a:r>
+          </a:p>
+          <a:p>
+            <a:pPr marL="914507" indent="-711281">
+              <a:buClr>
+                <a:srgbClr val="434343"/>
+              </a:buClr>
+              <a:buChar char="●"/>
+            </a:pPr>
+            <a:r>
+              <a:rPr lang="en-US" sz="4002" dirty="0">
+                <a:solidFill>
+                  <a:srgbClr val="434343"/>
+                </a:solidFill>
+              </a:rPr>
+              <a:t>How we will approach it</a:t>
+            </a:r>
+          </a:p>
+          <a:p>
+            <a:pPr marL="914507" indent="-711281">
+              <a:buClr>
+                <a:srgbClr val="434343"/>
+              </a:buClr>
+              <a:buFont typeface="Calibri"/>
+              <a:buChar char="●"/>
+            </a:pPr>
+            <a:r>
+              <a:rPr lang="en-US" sz="4002" dirty="0">
+                <a:solidFill>
+                  <a:srgbClr val="434343"/>
+                </a:solidFill>
+              </a:rPr>
+              <a:t>Environment and dataset</a:t>
+            </a:r>
+          </a:p>
+          <a:p>
+            <a:pPr marL="914507" indent="-711281">
+              <a:buClr>
+                <a:srgbClr val="434343"/>
+              </a:buClr>
+              <a:buChar char="●"/>
+            </a:pPr>
+            <a:r>
+              <a:rPr lang="en-US" sz="4002" dirty="0">
+                <a:solidFill>
+                  <a:srgbClr val="434343"/>
+                </a:solidFill>
+              </a:rPr>
+              <a:t>Exploring our data</a:t>
+            </a:r>
+          </a:p>
+          <a:p>
+            <a:pPr marL="914507" indent="-711281">
+              <a:buClr>
+                <a:srgbClr val="434343"/>
+              </a:buClr>
+              <a:buChar char="●"/>
+            </a:pPr>
+            <a:r>
+              <a:rPr lang="en-US" sz="4002" dirty="0">
+                <a:solidFill>
+                  <a:srgbClr val="434343"/>
+                </a:solidFill>
+              </a:rPr>
+              <a:t>Training our model</a:t>
+            </a:r>
+          </a:p>
+          <a:p>
+            <a:pPr marL="914507" indent="-711281">
+              <a:buClr>
+                <a:srgbClr val="434343"/>
+              </a:buClr>
+              <a:buChar char="●"/>
+            </a:pPr>
+            <a:r>
+              <a:rPr lang="en-US" sz="4002" dirty="0">
+                <a:solidFill>
+                  <a:srgbClr val="434343"/>
+                </a:solidFill>
+              </a:rPr>
+              <a:t>Testing our model</a:t>
+            </a:r>
+          </a:p>
+          <a:p>
+            <a:pPr marL="914507" indent="-711281">
+              <a:buClr>
+                <a:srgbClr val="434343"/>
+              </a:buClr>
+              <a:buChar char="●"/>
+            </a:pPr>
+            <a:endParaRPr lang="en" sz="4002" dirty="0">
+              <a:solidFill>
+                <a:srgbClr val="434343"/>
+              </a:solidFill>
+            </a:endParaRPr>
+          </a:p>
+        </p:txBody>
+      </p:sp>
+    </p:spTree>
+    <p:extLst>
+      <p:ext uri="{BB962C8B-B14F-4D97-AF65-F5344CB8AC3E}">
+        <p14:creationId xmlns:p14="http://schemas.microsoft.com/office/powerpoint/2010/main" val="1153452404"/>
+      </p:ext>
+    </p:extLst>
+  </p:cSld>
+  <p:clrMapOvr>
+    <a:masterClrMapping/>
+  </p:clrMapOvr>
+</p:sld>
+</file>
+
+<file path=ppt/slides/slide20.xml><?xml version="1.0" encoding="utf-8"?>
+<p:sld xmlns:a="http://schemas.openxmlformats.org/drawingml/2006/main" xmlns:r="http://schemas.openxmlformats.org/officeDocument/2006/relationships" xmlns:p="http://schemas.openxmlformats.org/presentationml/2006/main">
+  <p:cSld>
+    <p:bg>
+      <p:bgPr>
+        <a:solidFill>
+          <a:srgbClr val="F37021"/>
+        </a:solidFill>
+        <a:effectLst/>
+      </p:bgPr>
+    </p:bg>
+    <p:spTree>
+      <p:nvGrpSpPr>
+        <p:cNvPr id="1" name="Shape 154"/>
+        <p:cNvGrpSpPr/>
+        <p:nvPr/>
+      </p:nvGrpSpPr>
+      <p:grpSpPr>
+        <a:xfrm>
+          <a:off x="0" y="0"/>
+          <a:ext cx="0" cy="0"/>
+          <a:chOff x="0" y="0"/>
+          <a:chExt cx="0" cy="0"/>
+        </a:xfrm>
+      </p:grpSpPr>
+      <p:sp>
+        <p:nvSpPr>
+          <p:cNvPr id="155" name="Shape 155"/>
+          <p:cNvSpPr txBox="1">
+            <a:spLocks noGrp="1"/>
+          </p:cNvSpPr>
+          <p:nvPr>
+            <p:ph type="ctrTitle"/>
+          </p:nvPr>
+        </p:nvSpPr>
+        <p:spPr>
+          <a:xfrm>
+            <a:off x="777178" y="4207953"/>
+            <a:ext cx="16451820" cy="1866335"/>
+          </a:xfrm>
+          <a:prstGeom prst="rect">
+            <a:avLst/>
+          </a:prstGeom>
+        </p:spPr>
+        <p:txBody>
+          <a:bodyPr lIns="182874" tIns="182874" rIns="182874" bIns="182874" anchor="b" anchorCtr="0">
+            <a:noAutofit/>
+          </a:bodyPr>
+          <a:lstStyle/>
+          <a:p>
+            <a:pPr algn="ctr"/>
+            <a:r>
+              <a:rPr lang="en" dirty="0"/>
+              <a:t>3.4 Predicting Journey Times</a:t>
+            </a:r>
+          </a:p>
+        </p:txBody>
+      </p:sp>
+    </p:spTree>
+    <p:extLst>
+      <p:ext uri="{BB962C8B-B14F-4D97-AF65-F5344CB8AC3E}">
+        <p14:creationId xmlns:p14="http://schemas.microsoft.com/office/powerpoint/2010/main" val="592704715"/>
+      </p:ext>
+    </p:extLst>
+  </p:cSld>
+  <p:clrMapOvr>
+    <a:masterClrMapping/>
+  </p:clrMapOvr>
+</p:sld>
+</file>
+
+<file path=ppt/slides/slide21.xml><?xml version="1.0" encoding="utf-8"?>
+<p:sld xmlns:a="http://schemas.openxmlformats.org/drawingml/2006/main" xmlns:r="http://schemas.openxmlformats.org/officeDocument/2006/relationships" xmlns:p="http://schemas.openxmlformats.org/presentationml/2006/main">
+  <p:cSld>
+    <p:spTree>
+      <p:nvGrpSpPr>
+        <p:cNvPr id="1" name="Shape 147"/>
+        <p:cNvGrpSpPr/>
+        <p:nvPr/>
+      </p:nvGrpSpPr>
+      <p:grpSpPr>
+        <a:xfrm>
+          <a:off x="0" y="0"/>
+          <a:ext cx="0" cy="0"/>
+          <a:chOff x="0" y="0"/>
+          <a:chExt cx="0" cy="0"/>
+        </a:xfrm>
+      </p:grpSpPr>
+      <p:sp>
+        <p:nvSpPr>
+          <p:cNvPr id="148" name="Shape 148"/>
+          <p:cNvSpPr txBox="1">
+            <a:spLocks noGrp="1"/>
+          </p:cNvSpPr>
+          <p:nvPr>
+            <p:ph type="title"/>
+          </p:nvPr>
+        </p:nvSpPr>
+        <p:spPr>
+          <a:xfrm>
+            <a:off x="192358" y="32689"/>
+            <a:ext cx="17661379" cy="1204842"/>
+          </a:xfrm>
+          <a:prstGeom prst="rect">
+            <a:avLst/>
+          </a:prstGeom>
+        </p:spPr>
+        <p:txBody>
+          <a:bodyPr lIns="182874" tIns="182874" rIns="182874" bIns="182874" anchor="ctr" anchorCtr="0">
+            <a:noAutofit/>
+          </a:bodyPr>
+          <a:lstStyle/>
+          <a:p>
+            <a:pPr algn="ctr"/>
+            <a:r>
+              <a:rPr lang="en" sz="4402" dirty="0"/>
+              <a:t>Testing Our Model</a:t>
+            </a:r>
+          </a:p>
+        </p:txBody>
+      </p:sp>
+      <p:sp>
+        <p:nvSpPr>
+          <p:cNvPr id="149" name="Shape 149"/>
+          <p:cNvSpPr txBox="1">
+            <a:spLocks noGrp="1"/>
+          </p:cNvSpPr>
+          <p:nvPr>
+            <p:ph type="body" idx="4294967295"/>
+          </p:nvPr>
+        </p:nvSpPr>
+        <p:spPr>
+          <a:xfrm>
+            <a:off x="413459" y="1776131"/>
+            <a:ext cx="17440478" cy="8042873"/>
+          </a:xfrm>
+          <a:prstGeom prst="rect">
+            <a:avLst/>
+          </a:prstGeom>
+        </p:spPr>
+        <p:txBody>
+          <a:bodyPr lIns="182874" tIns="182874" rIns="182874" bIns="182874" anchor="t" anchorCtr="0">
+            <a:noAutofit/>
+          </a:bodyPr>
+          <a:lstStyle/>
+          <a:p>
+            <a:pPr marL="914507" indent="-711281">
+              <a:buClr>
+                <a:srgbClr val="434343"/>
+              </a:buClr>
+              <a:buChar char="●"/>
+            </a:pPr>
+            <a:r>
+              <a:rPr lang="en-US" sz="4002" dirty="0">
+                <a:solidFill>
+                  <a:srgbClr val="434343"/>
+                </a:solidFill>
+              </a:rPr>
+              <a:t>Testing model accuracy to see how it performs</a:t>
+            </a:r>
+          </a:p>
+          <a:p>
+            <a:pPr marL="914507" indent="-711281">
+              <a:buClr>
+                <a:srgbClr val="434343"/>
+              </a:buClr>
+              <a:buChar char="●"/>
+            </a:pPr>
+            <a:endParaRPr lang="en-US" sz="4002" dirty="0">
+              <a:solidFill>
+                <a:srgbClr val="434343"/>
+              </a:solidFill>
+            </a:endParaRPr>
+          </a:p>
+          <a:p>
+            <a:pPr marL="203226" lvl="1">
+              <a:buClr>
+                <a:srgbClr val="434343"/>
+              </a:buClr>
+            </a:pPr>
+            <a:r>
+              <a:rPr lang="en-GB" sz="3200" dirty="0">
+                <a:solidFill>
+                  <a:srgbClr val="434343"/>
+                </a:solidFill>
+                <a:latin typeface="Consolas" panose="020B0609020204030204" pitchFamily="49" charset="0"/>
+                <a:cs typeface="Consolas" panose="020B0609020204030204" pitchFamily="49" charset="0"/>
+              </a:rPr>
+              <a:t>		</a:t>
+            </a:r>
+            <a:endParaRPr lang="en-US" sz="4002" dirty="0">
+              <a:solidFill>
+                <a:srgbClr val="434343"/>
+              </a:solidFill>
+            </a:endParaRPr>
+          </a:p>
+          <a:p>
+            <a:pPr marL="774726" indent="-571500">
+              <a:buClr>
+                <a:srgbClr val="434343"/>
+              </a:buClr>
+              <a:buFont typeface="Arial" panose="020B0604020202020204" pitchFamily="34" charset="0"/>
+              <a:buChar char="•"/>
+            </a:pPr>
+            <a:endParaRPr lang="en" sz="4002" dirty="0">
+              <a:solidFill>
+                <a:srgbClr val="434343"/>
+              </a:solidFill>
+            </a:endParaRPr>
+          </a:p>
+        </p:txBody>
+      </p:sp>
+    </p:spTree>
+    <p:extLst>
+      <p:ext uri="{BB962C8B-B14F-4D97-AF65-F5344CB8AC3E}">
+        <p14:creationId xmlns:p14="http://schemas.microsoft.com/office/powerpoint/2010/main" val="3783544927"/>
+      </p:ext>
+    </p:extLst>
+  </p:cSld>
+  <p:clrMapOvr>
+    <a:masterClrMapping/>
+  </p:clrMapOvr>
+</p:sld>
+</file>
+
+<file path=ppt/slides/slide22.xml><?xml version="1.0" encoding="utf-8"?>
+<p:sld xmlns:a="http://schemas.openxmlformats.org/drawingml/2006/main" xmlns:r="http://schemas.openxmlformats.org/officeDocument/2006/relationships" xmlns:p="http://schemas.openxmlformats.org/presentationml/2006/main">
+  <p:cSld>
+    <p:spTree>
+      <p:nvGrpSpPr>
+        <p:cNvPr id="1" name="Shape 172"/>
+        <p:cNvGrpSpPr/>
+        <p:nvPr/>
+      </p:nvGrpSpPr>
+      <p:grpSpPr>
+        <a:xfrm>
+          <a:off x="0" y="0"/>
+          <a:ext cx="0" cy="0"/>
+          <a:chOff x="0" y="0"/>
+          <a:chExt cx="0" cy="0"/>
+        </a:xfrm>
+      </p:grpSpPr>
+      <p:sp>
+        <p:nvSpPr>
+          <p:cNvPr id="173" name="Shape 173"/>
+          <p:cNvSpPr txBox="1">
+            <a:spLocks noGrp="1"/>
+          </p:cNvSpPr>
+          <p:nvPr>
+            <p:ph type="title"/>
+          </p:nvPr>
+        </p:nvSpPr>
+        <p:spPr>
+          <a:xfrm>
+            <a:off x="976721" y="976049"/>
+            <a:ext cx="16075446" cy="8177813"/>
+          </a:xfrm>
+          <a:prstGeom prst="rect">
+            <a:avLst/>
+          </a:prstGeom>
+        </p:spPr>
+        <p:txBody>
+          <a:bodyPr lIns="182874" tIns="182874" rIns="182874" bIns="182874" anchor="ctr" anchorCtr="0">
+            <a:noAutofit/>
+          </a:bodyPr>
+          <a:lstStyle/>
+          <a:p>
+            <a:r>
+              <a:rPr lang="en" dirty="0">
+                <a:latin typeface="Consolas" panose="020B0609020204030204" pitchFamily="49" charset="0"/>
+                <a:cs typeface="Consolas" panose="020B0609020204030204" pitchFamily="49" charset="0"/>
+              </a:rPr>
+              <a:t>Let’s explore the code…</a:t>
+            </a:r>
+          </a:p>
+        </p:txBody>
+      </p:sp>
+    </p:spTree>
+    <p:extLst>
+      <p:ext uri="{BB962C8B-B14F-4D97-AF65-F5344CB8AC3E}">
+        <p14:creationId xmlns:p14="http://schemas.microsoft.com/office/powerpoint/2010/main" val="2664113388"/>
+      </p:ext>
+    </p:extLst>
+  </p:cSld>
+  <p:clrMapOvr>
+    <a:masterClrMapping/>
+  </p:clrMapOvr>
+</p:sld>
+</file>
+
+<file path=ppt/slides/slide23.xml><?xml version="1.0" encoding="utf-8"?>
+<p:sld xmlns:a="http://schemas.openxmlformats.org/drawingml/2006/main" xmlns:r="http://schemas.openxmlformats.org/officeDocument/2006/relationships" xmlns:p="http://schemas.openxmlformats.org/presentationml/2006/main">
+  <p:cSld>
+    <p:spTree>
+      <p:nvGrpSpPr>
+        <p:cNvPr id="1" name="Shape 147"/>
+        <p:cNvGrpSpPr/>
+        <p:nvPr/>
+      </p:nvGrpSpPr>
+      <p:grpSpPr>
+        <a:xfrm>
+          <a:off x="0" y="0"/>
+          <a:ext cx="0" cy="0"/>
+          <a:chOff x="0" y="0"/>
+          <a:chExt cx="0" cy="0"/>
+        </a:xfrm>
+      </p:grpSpPr>
+      <p:sp>
+        <p:nvSpPr>
+          <p:cNvPr id="148" name="Shape 148"/>
+          <p:cNvSpPr txBox="1">
+            <a:spLocks noGrp="1"/>
+          </p:cNvSpPr>
+          <p:nvPr>
+            <p:ph type="title"/>
+          </p:nvPr>
+        </p:nvSpPr>
+        <p:spPr>
+          <a:xfrm>
+            <a:off x="192358" y="32689"/>
+            <a:ext cx="17661379" cy="1204842"/>
+          </a:xfrm>
+          <a:prstGeom prst="rect">
+            <a:avLst/>
+          </a:prstGeom>
+        </p:spPr>
+        <p:txBody>
+          <a:bodyPr lIns="182874" tIns="182874" rIns="182874" bIns="182874" anchor="ctr" anchorCtr="0">
+            <a:noAutofit/>
+          </a:bodyPr>
+          <a:lstStyle/>
+          <a:p>
+            <a:pPr algn="ctr"/>
+            <a:r>
+              <a:rPr lang="en" sz="4402" dirty="0"/>
+              <a:t>How to make it better?</a:t>
+            </a:r>
+          </a:p>
+        </p:txBody>
+      </p:sp>
+      <p:sp>
+        <p:nvSpPr>
+          <p:cNvPr id="149" name="Shape 149"/>
+          <p:cNvSpPr txBox="1">
+            <a:spLocks noGrp="1"/>
+          </p:cNvSpPr>
+          <p:nvPr>
+            <p:ph type="body" idx="4294967295"/>
+          </p:nvPr>
+        </p:nvSpPr>
+        <p:spPr>
+          <a:xfrm>
+            <a:off x="413459" y="1776131"/>
+            <a:ext cx="17440478" cy="8042873"/>
+          </a:xfrm>
+          <a:prstGeom prst="rect">
+            <a:avLst/>
+          </a:prstGeom>
+        </p:spPr>
+        <p:txBody>
+          <a:bodyPr lIns="182874" tIns="182874" rIns="182874" bIns="182874" anchor="t" anchorCtr="0">
+            <a:noAutofit/>
+          </a:bodyPr>
+          <a:lstStyle/>
+          <a:p>
+            <a:pPr marL="914507" indent="-711281">
+              <a:buClr>
+                <a:srgbClr val="434343"/>
+              </a:buClr>
+              <a:buChar char="●"/>
+            </a:pPr>
+            <a:r>
+              <a:rPr lang="en-US" sz="4002" dirty="0">
+                <a:solidFill>
+                  <a:srgbClr val="434343"/>
+                </a:solidFill>
+              </a:rPr>
+              <a:t>Perform more in depth investigation to the data</a:t>
+            </a:r>
+          </a:p>
+          <a:p>
+            <a:pPr marL="914507" indent="-711281">
+              <a:buClr>
+                <a:srgbClr val="434343"/>
+              </a:buClr>
+              <a:buChar char="●"/>
+            </a:pPr>
+            <a:r>
+              <a:rPr lang="en-US" sz="4002" dirty="0">
+                <a:solidFill>
+                  <a:srgbClr val="434343"/>
+                </a:solidFill>
+              </a:rPr>
+              <a:t>Use a larger dataset</a:t>
+            </a:r>
+          </a:p>
+          <a:p>
+            <a:pPr marL="914507" indent="-711281">
+              <a:buClr>
+                <a:srgbClr val="434343"/>
+              </a:buClr>
+              <a:buChar char="●"/>
+            </a:pPr>
+            <a:r>
+              <a:rPr lang="en-US" sz="4002" dirty="0">
+                <a:solidFill>
+                  <a:srgbClr val="434343"/>
+                </a:solidFill>
+              </a:rPr>
+              <a:t>Augment the data</a:t>
+            </a:r>
+          </a:p>
+          <a:p>
+            <a:pPr marL="914507" indent="-711281">
+              <a:buClr>
+                <a:srgbClr val="434343"/>
+              </a:buClr>
+              <a:buChar char="●"/>
+            </a:pPr>
+            <a:r>
+              <a:rPr lang="en-US" sz="4002" dirty="0">
+                <a:solidFill>
+                  <a:srgbClr val="434343"/>
+                </a:solidFill>
+              </a:rPr>
+              <a:t>Add additional features</a:t>
+            </a:r>
+          </a:p>
+          <a:p>
+            <a:pPr marL="914507" indent="-711281">
+              <a:buClr>
+                <a:srgbClr val="434343"/>
+              </a:buClr>
+              <a:buChar char="●"/>
+            </a:pPr>
+            <a:endParaRPr lang="en-US" sz="4002" dirty="0">
+              <a:solidFill>
+                <a:srgbClr val="434343"/>
+              </a:solidFill>
+            </a:endParaRPr>
+          </a:p>
+          <a:p>
+            <a:pPr marL="203226" lvl="1">
+              <a:buClr>
+                <a:srgbClr val="434343"/>
+              </a:buClr>
+            </a:pPr>
+            <a:r>
+              <a:rPr lang="en-GB" sz="3200" dirty="0">
+                <a:solidFill>
+                  <a:srgbClr val="434343"/>
+                </a:solidFill>
+                <a:latin typeface="Consolas" panose="020B0609020204030204" pitchFamily="49" charset="0"/>
+                <a:cs typeface="Consolas" panose="020B0609020204030204" pitchFamily="49" charset="0"/>
+              </a:rPr>
+              <a:t>		</a:t>
+            </a:r>
+            <a:endParaRPr lang="en-US" sz="4002" dirty="0">
+              <a:solidFill>
+                <a:srgbClr val="434343"/>
+              </a:solidFill>
+            </a:endParaRPr>
+          </a:p>
+          <a:p>
+            <a:pPr marL="774726" indent="-571500">
+              <a:buClr>
+                <a:srgbClr val="434343"/>
+              </a:buClr>
+              <a:buFont typeface="Arial" panose="020B0604020202020204" pitchFamily="34" charset="0"/>
+              <a:buChar char="•"/>
+            </a:pPr>
+            <a:endParaRPr lang="en" sz="4002" dirty="0">
+              <a:solidFill>
+                <a:srgbClr val="434343"/>
+              </a:solidFill>
+            </a:endParaRPr>
+          </a:p>
+        </p:txBody>
+      </p:sp>
+    </p:spTree>
+    <p:extLst>
+      <p:ext uri="{BB962C8B-B14F-4D97-AF65-F5344CB8AC3E}">
+        <p14:creationId xmlns:p14="http://schemas.microsoft.com/office/powerpoint/2010/main" val="2612864631"/>
+      </p:ext>
+    </p:extLst>
+  </p:cSld>
+  <p:clrMapOvr>
+    <a:masterClrMapping/>
+  </p:clrMapOvr>
+</p:sld>
+</file>
+
+<file path=ppt/slides/slide24.xml><?xml version="1.0" encoding="utf-8"?>
+<p:sld xmlns:a="http://schemas.openxmlformats.org/drawingml/2006/main" xmlns:r="http://schemas.openxmlformats.org/officeDocument/2006/relationships" xmlns:p="http://schemas.openxmlformats.org/presentationml/2006/main">
+  <p:cSld>
+    <p:bg>
+      <p:bgPr>
+        <a:solidFill>
+          <a:srgbClr val="F37021"/>
+        </a:solidFill>
+        <a:effectLst/>
+      </p:bgPr>
+    </p:bg>
+    <p:spTree>
+      <p:nvGrpSpPr>
+        <p:cNvPr id="1" name="Shape 154"/>
+        <p:cNvGrpSpPr/>
+        <p:nvPr/>
+      </p:nvGrpSpPr>
+      <p:grpSpPr>
+        <a:xfrm>
+          <a:off x="0" y="0"/>
+          <a:ext cx="0" cy="0"/>
+          <a:chOff x="0" y="0"/>
+          <a:chExt cx="0" cy="0"/>
+        </a:xfrm>
+      </p:grpSpPr>
+      <p:sp>
+        <p:nvSpPr>
+          <p:cNvPr id="155" name="Shape 155"/>
+          <p:cNvSpPr txBox="1">
+            <a:spLocks noGrp="1"/>
+          </p:cNvSpPr>
+          <p:nvPr>
+            <p:ph type="ctrTitle"/>
+          </p:nvPr>
+        </p:nvSpPr>
+        <p:spPr>
+          <a:xfrm>
+            <a:off x="777178" y="4207953"/>
+            <a:ext cx="16451820" cy="1866335"/>
+          </a:xfrm>
+          <a:prstGeom prst="rect">
+            <a:avLst/>
+          </a:prstGeom>
+        </p:spPr>
+        <p:txBody>
+          <a:bodyPr lIns="182874" tIns="182874" rIns="182874" bIns="182874" anchor="b" anchorCtr="0">
+            <a:noAutofit/>
+          </a:bodyPr>
+          <a:lstStyle/>
+          <a:p>
+            <a:r>
+              <a:rPr lang="en" dirty="0"/>
+              <a:t>Predicting Steering Angles</a:t>
+            </a:r>
+          </a:p>
+        </p:txBody>
+      </p:sp>
+      <p:sp>
+        <p:nvSpPr>
+          <p:cNvPr id="3" name="Shape 156">
+            <a:extLst>
+              <a:ext uri="{FF2B5EF4-FFF2-40B4-BE49-F238E27FC236}">
+                <a16:creationId xmlns:a16="http://schemas.microsoft.com/office/drawing/2014/main" id="{DB10E28E-AA33-CE4E-8DBB-EF7ABBD20DC7}"/>
+              </a:ext>
+            </a:extLst>
+          </p:cNvPr>
+          <p:cNvSpPr txBox="1">
+            <a:spLocks noGrp="1"/>
+          </p:cNvSpPr>
+          <p:nvPr>
+            <p:ph type="subTitle" idx="1"/>
+          </p:nvPr>
+        </p:nvSpPr>
+        <p:spPr>
+          <a:xfrm>
+            <a:off x="777178" y="5575681"/>
+            <a:ext cx="16451820" cy="865399"/>
+          </a:xfrm>
+          <a:prstGeom prst="rect">
+            <a:avLst/>
+          </a:prstGeom>
+        </p:spPr>
+        <p:txBody>
+          <a:bodyPr lIns="182874" tIns="182874" rIns="182874" bIns="182874" anchor="t" anchorCtr="0">
+            <a:noAutofit/>
+          </a:bodyPr>
+          <a:lstStyle/>
+          <a:p>
+            <a:r>
+              <a:rPr lang="en-US" dirty="0"/>
+              <a:t>Next Video</a:t>
+            </a:r>
+            <a:endParaRPr lang="en" dirty="0"/>
+          </a:p>
+        </p:txBody>
+      </p:sp>
+    </p:spTree>
+    <p:extLst>
+      <p:ext uri="{BB962C8B-B14F-4D97-AF65-F5344CB8AC3E}">
+        <p14:creationId xmlns:p14="http://schemas.microsoft.com/office/powerpoint/2010/main" val="3693721200"/>
+      </p:ext>
+    </p:extLst>
+  </p:cSld>
+  <p:clrMapOvr>
+    <a:masterClrMapping/>
+  </p:clrMapOvr>
+</p:sld>
+</file>
+
+<file path=ppt/slides/slide3.xml><?xml version="1.0" encoding="utf-8"?>
+<p:sld xmlns:a="http://schemas.openxmlformats.org/drawingml/2006/main" xmlns:r="http://schemas.openxmlformats.org/officeDocument/2006/relationships" xmlns:p="http://schemas.openxmlformats.org/presentationml/2006/main">
+  <p:cSld>
+    <p:bg>
+      <p:bgPr>
+        <a:solidFill>
+          <a:srgbClr val="F37021"/>
+        </a:solidFill>
+        <a:effectLst/>
+      </p:bgPr>
+    </p:bg>
+    <p:spTree>
+      <p:nvGrpSpPr>
+        <p:cNvPr id="1" name="Shape 154"/>
+        <p:cNvGrpSpPr/>
+        <p:nvPr/>
+      </p:nvGrpSpPr>
+      <p:grpSpPr>
+        <a:xfrm>
+          <a:off x="0" y="0"/>
+          <a:ext cx="0" cy="0"/>
+          <a:chOff x="0" y="0"/>
+          <a:chExt cx="0" cy="0"/>
+        </a:xfrm>
+      </p:grpSpPr>
+      <p:sp>
+        <p:nvSpPr>
+          <p:cNvPr id="155" name="Shape 155"/>
+          <p:cNvSpPr txBox="1">
+            <a:spLocks noGrp="1"/>
+          </p:cNvSpPr>
+          <p:nvPr>
+            <p:ph type="ctrTitle"/>
+          </p:nvPr>
+        </p:nvSpPr>
+        <p:spPr>
+          <a:xfrm>
+            <a:off x="777178" y="4207953"/>
+            <a:ext cx="16451820" cy="1866335"/>
+          </a:xfrm>
+          <a:prstGeom prst="rect">
+            <a:avLst/>
+          </a:prstGeom>
+        </p:spPr>
+        <p:txBody>
+          <a:bodyPr lIns="182874" tIns="182874" rIns="182874" bIns="182874" anchor="b" anchorCtr="0">
+            <a:noAutofit/>
+          </a:bodyPr>
+          <a:lstStyle/>
+          <a:p>
+            <a:pPr algn="ctr"/>
+            <a:r>
+              <a:rPr lang="en" dirty="0"/>
+              <a:t>3.1 Summary of the Problem</a:t>
+            </a:r>
+          </a:p>
+        </p:txBody>
+      </p:sp>
+    </p:spTree>
+    <p:extLst>
+      <p:ext uri="{BB962C8B-B14F-4D97-AF65-F5344CB8AC3E}">
+        <p14:creationId xmlns:p14="http://schemas.microsoft.com/office/powerpoint/2010/main" val="1063112979"/>
+      </p:ext>
+    </p:extLst>
+  </p:cSld>
+  <p:clrMapOvr>
+    <a:masterClrMapping/>
+  </p:clrMapOvr>
+</p:sld>
+</file>
+
+<file path=ppt/slides/slide4.xml><?xml version="1.0" encoding="utf-8"?>
+<p:sld xmlns:a="http://schemas.openxmlformats.org/drawingml/2006/main" xmlns:r="http://schemas.openxmlformats.org/officeDocument/2006/relationships" xmlns:p="http://schemas.openxmlformats.org/presentationml/2006/main">
+  <p:cSld>
+    <p:spTree>
+      <p:nvGrpSpPr>
+        <p:cNvPr id="1" name="Shape 147"/>
+        <p:cNvGrpSpPr/>
+        <p:nvPr/>
+      </p:nvGrpSpPr>
+      <p:grpSpPr>
+        <a:xfrm>
+          <a:off x="0" y="0"/>
+          <a:ext cx="0" cy="0"/>
+          <a:chOff x="0" y="0"/>
+          <a:chExt cx="0" cy="0"/>
+        </a:xfrm>
+      </p:grpSpPr>
+      <p:sp>
+        <p:nvSpPr>
+          <p:cNvPr id="148" name="Shape 148"/>
+          <p:cNvSpPr txBox="1">
+            <a:spLocks noGrp="1"/>
+          </p:cNvSpPr>
+          <p:nvPr>
+            <p:ph type="title"/>
+          </p:nvPr>
+        </p:nvSpPr>
+        <p:spPr>
+          <a:xfrm>
+            <a:off x="192358" y="32689"/>
+            <a:ext cx="17661379" cy="1204842"/>
+          </a:xfrm>
+          <a:prstGeom prst="rect">
+            <a:avLst/>
+          </a:prstGeom>
+        </p:spPr>
+        <p:txBody>
+          <a:bodyPr lIns="182874" tIns="182874" rIns="182874" bIns="182874" anchor="ctr" anchorCtr="0">
+            <a:noAutofit/>
+          </a:bodyPr>
+          <a:lstStyle/>
+          <a:p>
+            <a:pPr algn="ctr"/>
+            <a:r>
+              <a:rPr lang="en" sz="4402" dirty="0"/>
+              <a:t>A summary of the problem</a:t>
+            </a:r>
+          </a:p>
+        </p:txBody>
+      </p:sp>
+      <p:sp>
+        <p:nvSpPr>
+          <p:cNvPr id="149" name="Shape 149"/>
+          <p:cNvSpPr txBox="1">
+            <a:spLocks noGrp="1"/>
+          </p:cNvSpPr>
+          <p:nvPr>
+            <p:ph type="body" idx="4294967295"/>
+          </p:nvPr>
+        </p:nvSpPr>
+        <p:spPr>
+          <a:xfrm>
+            <a:off x="413459" y="1776131"/>
+            <a:ext cx="17440478" cy="8042873"/>
+          </a:xfrm>
+          <a:prstGeom prst="rect">
+            <a:avLst/>
+          </a:prstGeom>
+        </p:spPr>
+        <p:txBody>
+          <a:bodyPr lIns="182874" tIns="182874" rIns="182874" bIns="182874" anchor="t" anchorCtr="0">
+            <a:noAutofit/>
+          </a:bodyPr>
+          <a:lstStyle/>
+          <a:p>
+            <a:pPr marL="914507" indent="-711281">
+              <a:buClr>
+                <a:srgbClr val="434343"/>
+              </a:buClr>
+              <a:buChar char="●"/>
+            </a:pPr>
+            <a:r>
+              <a:rPr lang="en-US" sz="4002" dirty="0">
+                <a:solidFill>
+                  <a:srgbClr val="434343"/>
+                </a:solidFill>
+              </a:rPr>
+              <a:t>Predicting journey times is a common use case for transport companies</a:t>
+            </a:r>
+          </a:p>
+          <a:p>
+            <a:pPr marL="914507" indent="-711281">
+              <a:buClr>
+                <a:srgbClr val="434343"/>
+              </a:buClr>
+              <a:buChar char="●"/>
+            </a:pPr>
+            <a:r>
+              <a:rPr lang="en-US" sz="4002" dirty="0">
+                <a:solidFill>
+                  <a:srgbClr val="434343"/>
+                </a:solidFill>
+              </a:rPr>
+              <a:t>It is inherently difficult to do due to noisy data, varying conditions, etc.</a:t>
+            </a:r>
+          </a:p>
+          <a:p>
+            <a:pPr marL="914507" indent="-711281">
+              <a:buClr>
+                <a:srgbClr val="434343"/>
+              </a:buClr>
+              <a:buChar char="●"/>
+            </a:pPr>
+            <a:r>
+              <a:rPr lang="en-US" sz="4002" dirty="0">
+                <a:solidFill>
+                  <a:srgbClr val="434343"/>
+                </a:solidFill>
+              </a:rPr>
+              <a:t>We want to predict a reasonable approximation of the time</a:t>
+            </a:r>
+          </a:p>
+          <a:p>
+            <a:pPr marL="914507" indent="-711281">
+              <a:buClr>
+                <a:srgbClr val="434343"/>
+              </a:buClr>
+              <a:buChar char="●"/>
+            </a:pPr>
+            <a:endParaRPr lang="en-US" sz="4002" dirty="0">
+              <a:solidFill>
+                <a:srgbClr val="434343"/>
+              </a:solidFill>
+            </a:endParaRPr>
+          </a:p>
+          <a:p>
+            <a:pPr marL="914507" indent="-711281">
+              <a:buClr>
+                <a:srgbClr val="434343"/>
+              </a:buClr>
+              <a:buChar char="●"/>
+            </a:pPr>
+            <a:endParaRPr lang="en" sz="4002" dirty="0">
+              <a:solidFill>
+                <a:srgbClr val="434343"/>
+              </a:solidFill>
+            </a:endParaRPr>
+          </a:p>
+        </p:txBody>
+      </p:sp>
+    </p:spTree>
+    <p:extLst>
+      <p:ext uri="{BB962C8B-B14F-4D97-AF65-F5344CB8AC3E}">
+        <p14:creationId xmlns:p14="http://schemas.microsoft.com/office/powerpoint/2010/main" val="4056363369"/>
+      </p:ext>
+    </p:extLst>
+  </p:cSld>
+  <p:clrMapOvr>
+    <a:masterClrMapping/>
+  </p:clrMapOvr>
+</p:sld>
+</file>
+
+<file path=ppt/slides/slide5.xml><?xml version="1.0" encoding="utf-8"?>
+<p:sld xmlns:a="http://schemas.openxmlformats.org/drawingml/2006/main" xmlns:r="http://schemas.openxmlformats.org/officeDocument/2006/relationships" xmlns:p="http://schemas.openxmlformats.org/presentationml/2006/main">
+  <p:cSld>
+    <p:spTree>
+      <p:nvGrpSpPr>
+        <p:cNvPr id="1" name="Shape 147"/>
+        <p:cNvGrpSpPr/>
+        <p:nvPr/>
+      </p:nvGrpSpPr>
+      <p:grpSpPr>
+        <a:xfrm>
+          <a:off x="0" y="0"/>
+          <a:ext cx="0" cy="0"/>
+          <a:chOff x="0" y="0"/>
+          <a:chExt cx="0" cy="0"/>
+        </a:xfrm>
+      </p:grpSpPr>
+      <p:sp>
+        <p:nvSpPr>
+          <p:cNvPr id="148" name="Shape 148"/>
+          <p:cNvSpPr txBox="1">
+            <a:spLocks noGrp="1"/>
+          </p:cNvSpPr>
+          <p:nvPr>
+            <p:ph type="title"/>
+          </p:nvPr>
+        </p:nvSpPr>
+        <p:spPr>
+          <a:xfrm>
+            <a:off x="192358" y="32689"/>
+            <a:ext cx="17661379" cy="1204842"/>
+          </a:xfrm>
+          <a:prstGeom prst="rect">
+            <a:avLst/>
+          </a:prstGeom>
+        </p:spPr>
+        <p:txBody>
+          <a:bodyPr lIns="182874" tIns="182874" rIns="182874" bIns="182874" anchor="ctr" anchorCtr="0">
+            <a:noAutofit/>
+          </a:bodyPr>
+          <a:lstStyle/>
+          <a:p>
+            <a:pPr algn="ctr"/>
+            <a:r>
+              <a:rPr lang="en" sz="4402" dirty="0"/>
+              <a:t>How we will approach it</a:t>
+            </a:r>
+          </a:p>
+        </p:txBody>
+      </p:sp>
+      <p:sp>
+        <p:nvSpPr>
+          <p:cNvPr id="149" name="Shape 149"/>
+          <p:cNvSpPr txBox="1">
+            <a:spLocks noGrp="1"/>
+          </p:cNvSpPr>
+          <p:nvPr>
+            <p:ph type="body" idx="4294967295"/>
+          </p:nvPr>
+        </p:nvSpPr>
+        <p:spPr>
+          <a:xfrm>
+            <a:off x="413459" y="1776131"/>
+            <a:ext cx="17440478" cy="8042873"/>
+          </a:xfrm>
+          <a:prstGeom prst="rect">
+            <a:avLst/>
+          </a:prstGeom>
+        </p:spPr>
+        <p:txBody>
+          <a:bodyPr lIns="182874" tIns="182874" rIns="182874" bIns="182874" anchor="t" anchorCtr="0">
+            <a:noAutofit/>
+          </a:bodyPr>
+          <a:lstStyle/>
+          <a:p>
+            <a:pPr marL="914507" indent="-711281">
+              <a:buClr>
+                <a:srgbClr val="434343"/>
+              </a:buClr>
+              <a:buChar char="●"/>
+            </a:pPr>
+            <a:r>
+              <a:rPr lang="en-US" sz="4002" dirty="0">
+                <a:solidFill>
+                  <a:srgbClr val="434343"/>
+                </a:solidFill>
+              </a:rPr>
+              <a:t>We will use open data provided by New York City (NYC)</a:t>
+            </a:r>
+          </a:p>
+          <a:p>
+            <a:pPr marL="914507" indent="-711281">
+              <a:buClr>
+                <a:srgbClr val="434343"/>
+              </a:buClr>
+              <a:buChar char="●"/>
+            </a:pPr>
+            <a:r>
+              <a:rPr lang="en-US" sz="4002" dirty="0">
+                <a:solidFill>
+                  <a:srgbClr val="434343"/>
+                </a:solidFill>
+              </a:rPr>
+              <a:t>NYC provides taxi journey and weather data going back many years</a:t>
+            </a:r>
+          </a:p>
+          <a:p>
+            <a:pPr marL="914507" indent="-711281">
+              <a:buClr>
+                <a:srgbClr val="434343"/>
+              </a:buClr>
+              <a:buChar char="●"/>
+            </a:pPr>
+            <a:r>
+              <a:rPr lang="en-US" sz="4002" dirty="0">
+                <a:solidFill>
+                  <a:srgbClr val="434343"/>
+                </a:solidFill>
+              </a:rPr>
+              <a:t>Using this data, we’ll develop features that enrich that data and thereby enhance a model’s ability to learn</a:t>
+            </a:r>
+          </a:p>
+          <a:p>
+            <a:pPr marL="914507" indent="-711281">
+              <a:buClr>
+                <a:srgbClr val="434343"/>
+              </a:buClr>
+              <a:buChar char="●"/>
+            </a:pPr>
+            <a:r>
+              <a:rPr lang="en-US" sz="4002" dirty="0">
+                <a:solidFill>
+                  <a:srgbClr val="434343"/>
+                </a:solidFill>
+              </a:rPr>
+              <a:t>We’ll build a neural network that learns from this data in order to predict subsequent journeys</a:t>
+            </a:r>
+          </a:p>
+          <a:p>
+            <a:pPr marL="914507" indent="-711281">
+              <a:buClr>
+                <a:srgbClr val="434343"/>
+              </a:buClr>
+              <a:buChar char="●"/>
+            </a:pPr>
+            <a:endParaRPr lang="en-US" sz="4002" dirty="0">
+              <a:solidFill>
+                <a:srgbClr val="434343"/>
+              </a:solidFill>
+            </a:endParaRPr>
+          </a:p>
+          <a:p>
+            <a:pPr marL="914507" indent="-711281">
+              <a:buClr>
+                <a:srgbClr val="434343"/>
+              </a:buClr>
+              <a:buChar char="●"/>
+            </a:pPr>
+            <a:endParaRPr lang="en" sz="4002" dirty="0">
+              <a:solidFill>
+                <a:srgbClr val="434343"/>
+              </a:solidFill>
+            </a:endParaRPr>
+          </a:p>
+        </p:txBody>
+      </p:sp>
+    </p:spTree>
+    <p:extLst>
+      <p:ext uri="{BB962C8B-B14F-4D97-AF65-F5344CB8AC3E}">
+        <p14:creationId xmlns:p14="http://schemas.microsoft.com/office/powerpoint/2010/main" val="1682534310"/>
+      </p:ext>
+    </p:extLst>
+  </p:cSld>
+  <p:clrMapOvr>
+    <a:masterClrMapping/>
+  </p:clrMapOvr>
+</p:sld>
+</file>
+
+<file path=ppt/slides/slide6.xml><?xml version="1.0" encoding="utf-8"?>
+<p:sld xmlns:a="http://schemas.openxmlformats.org/drawingml/2006/main" xmlns:r="http://schemas.openxmlformats.org/officeDocument/2006/relationships" xmlns:p="http://schemas.openxmlformats.org/presentationml/2006/main">
+  <p:cSld>
+    <p:spTree>
+      <p:nvGrpSpPr>
+        <p:cNvPr id="1" name="Shape 147"/>
+        <p:cNvGrpSpPr/>
+        <p:nvPr/>
+      </p:nvGrpSpPr>
+      <p:grpSpPr>
+        <a:xfrm>
+          <a:off x="0" y="0"/>
+          <a:ext cx="0" cy="0"/>
+          <a:chOff x="0" y="0"/>
+          <a:chExt cx="0" cy="0"/>
+        </a:xfrm>
+      </p:grpSpPr>
+      <p:sp>
+        <p:nvSpPr>
+          <p:cNvPr id="148" name="Shape 148"/>
+          <p:cNvSpPr txBox="1">
+            <a:spLocks noGrp="1"/>
+          </p:cNvSpPr>
+          <p:nvPr>
+            <p:ph type="title"/>
+          </p:nvPr>
+        </p:nvSpPr>
+        <p:spPr>
+          <a:xfrm>
+            <a:off x="192358" y="32689"/>
+            <a:ext cx="17661379" cy="1204842"/>
+          </a:xfrm>
+          <a:prstGeom prst="rect">
+            <a:avLst/>
+          </a:prstGeom>
+        </p:spPr>
+        <p:txBody>
+          <a:bodyPr lIns="182874" tIns="182874" rIns="182874" bIns="182874" anchor="ctr" anchorCtr="0">
+            <a:noAutofit/>
+          </a:bodyPr>
+          <a:lstStyle/>
+          <a:p>
+            <a:pPr algn="ctr"/>
+            <a:r>
+              <a:rPr lang="en" sz="4402" dirty="0"/>
+              <a:t>Environment</a:t>
+            </a:r>
+          </a:p>
+        </p:txBody>
+      </p:sp>
+      <p:sp>
+        <p:nvSpPr>
+          <p:cNvPr id="149" name="Shape 149"/>
+          <p:cNvSpPr txBox="1">
+            <a:spLocks noGrp="1"/>
+          </p:cNvSpPr>
+          <p:nvPr>
+            <p:ph type="body" idx="4294967295"/>
+          </p:nvPr>
+        </p:nvSpPr>
+        <p:spPr>
+          <a:xfrm>
+            <a:off x="413459" y="1776131"/>
+            <a:ext cx="17440478" cy="8042873"/>
+          </a:xfrm>
+          <a:prstGeom prst="rect">
+            <a:avLst/>
+          </a:prstGeom>
+        </p:spPr>
+        <p:txBody>
+          <a:bodyPr lIns="182874" tIns="182874" rIns="182874" bIns="182874" anchor="t" anchorCtr="0">
+            <a:noAutofit/>
+          </a:bodyPr>
+          <a:lstStyle/>
+          <a:p>
+            <a:pPr marL="914507" indent="-711281">
+              <a:buClr>
+                <a:srgbClr val="434343"/>
+              </a:buClr>
+              <a:buChar char="●"/>
+            </a:pPr>
+            <a:r>
+              <a:rPr lang="en-US" sz="4002" dirty="0">
+                <a:solidFill>
+                  <a:srgbClr val="434343"/>
+                </a:solidFill>
+              </a:rPr>
+              <a:t>This model requires a powerful PC with a GPU, or use of a cloud GPU instance</a:t>
+            </a:r>
+          </a:p>
+          <a:p>
+            <a:pPr marL="914507" indent="-711281">
+              <a:buClr>
+                <a:srgbClr val="434343"/>
+              </a:buClr>
+              <a:buChar char="●"/>
+            </a:pPr>
+            <a:r>
+              <a:rPr lang="en-US" sz="4002" dirty="0">
+                <a:solidFill>
+                  <a:srgbClr val="434343"/>
+                </a:solidFill>
+              </a:rPr>
+              <a:t>The dataset is large and needs at least 8GB of memory to pre-process</a:t>
+            </a:r>
+          </a:p>
+          <a:p>
+            <a:pPr marL="914507" indent="-711281">
+              <a:buClr>
+                <a:srgbClr val="434343"/>
+              </a:buClr>
+              <a:buChar char="●"/>
+            </a:pPr>
+            <a:r>
+              <a:rPr lang="en-US" sz="4002" dirty="0">
+                <a:solidFill>
+                  <a:schemeClr val="bg2"/>
+                </a:solidFill>
+              </a:rPr>
+              <a:t>It took many hours to train to a level where the predicted durations were reasonably accurate</a:t>
+            </a:r>
+          </a:p>
+          <a:p>
+            <a:pPr marL="914507" indent="-711281">
+              <a:buClr>
+                <a:srgbClr val="434343"/>
+              </a:buClr>
+              <a:buChar char="●"/>
+            </a:pPr>
+            <a:r>
+              <a:rPr lang="en-US" sz="4002" dirty="0">
+                <a:solidFill>
+                  <a:schemeClr val="bg2"/>
+                </a:solidFill>
+              </a:rPr>
+              <a:t>Please check Python version compatibility with </a:t>
+            </a:r>
+            <a:r>
+              <a:rPr lang="en-US" sz="4002" dirty="0" err="1">
+                <a:solidFill>
+                  <a:schemeClr val="bg2"/>
+                </a:solidFill>
+              </a:rPr>
+              <a:t>Tensorflow</a:t>
+            </a:r>
+            <a:r>
+              <a:rPr lang="en-US" sz="4002" dirty="0">
+                <a:solidFill>
+                  <a:schemeClr val="bg2"/>
+                </a:solidFill>
+              </a:rPr>
+              <a:t>!</a:t>
+            </a:r>
+          </a:p>
+          <a:p>
+            <a:pPr marL="914507" indent="-711281">
+              <a:buClr>
+                <a:srgbClr val="434343"/>
+              </a:buClr>
+              <a:buChar char="●"/>
+            </a:pPr>
+            <a:endParaRPr lang="en-US" sz="4002" dirty="0">
+              <a:solidFill>
+                <a:srgbClr val="434343"/>
+              </a:solidFill>
+            </a:endParaRPr>
+          </a:p>
+          <a:p>
+            <a:pPr marL="203226" lvl="1">
+              <a:buClr>
+                <a:srgbClr val="434343"/>
+              </a:buClr>
+            </a:pPr>
+            <a:r>
+              <a:rPr lang="en-GB" sz="3200" dirty="0">
+                <a:solidFill>
+                  <a:srgbClr val="434343"/>
+                </a:solidFill>
+                <a:latin typeface="Consolas" panose="020B0609020204030204" pitchFamily="49" charset="0"/>
+                <a:cs typeface="Consolas" panose="020B0609020204030204" pitchFamily="49" charset="0"/>
+              </a:rPr>
+              <a:t>		</a:t>
+            </a:r>
+            <a:endParaRPr lang="en-US" sz="4002" dirty="0">
+              <a:solidFill>
+                <a:srgbClr val="434343"/>
+              </a:solidFill>
+            </a:endParaRPr>
+          </a:p>
+          <a:p>
+            <a:pPr marL="774726" indent="-571500">
+              <a:buClr>
+                <a:srgbClr val="434343"/>
+              </a:buClr>
+              <a:buFont typeface="Arial" panose="020B0604020202020204" pitchFamily="34" charset="0"/>
+              <a:buChar char="•"/>
+            </a:pPr>
+            <a:endParaRPr lang="en" sz="4002" dirty="0">
+              <a:solidFill>
+                <a:srgbClr val="434343"/>
+              </a:solidFill>
+            </a:endParaRPr>
+          </a:p>
+        </p:txBody>
+      </p:sp>
+    </p:spTree>
+    <p:extLst>
+      <p:ext uri="{BB962C8B-B14F-4D97-AF65-F5344CB8AC3E}">
+        <p14:creationId xmlns:p14="http://schemas.microsoft.com/office/powerpoint/2010/main" val="3540321845"/>
+      </p:ext>
+    </p:extLst>
+  </p:cSld>
+  <p:clrMapOvr>
+    <a:masterClrMapping/>
+  </p:clrMapOvr>
+</p:sld>
+</file>
+
+<file path=ppt/slides/slide7.xml><?xml version="1.0" encoding="utf-8"?>
+<p:sld xmlns:a="http://schemas.openxmlformats.org/drawingml/2006/main" xmlns:r="http://schemas.openxmlformats.org/officeDocument/2006/relationships" xmlns:p="http://schemas.openxmlformats.org/presentationml/2006/main">
+  <p:cSld>
+    <p:spTree>
+      <p:nvGrpSpPr>
+        <p:cNvPr id="1" name="Shape 147"/>
+        <p:cNvGrpSpPr/>
+        <p:nvPr/>
+      </p:nvGrpSpPr>
+      <p:grpSpPr>
+        <a:xfrm>
+          <a:off x="0" y="0"/>
+          <a:ext cx="0" cy="0"/>
+          <a:chOff x="0" y="0"/>
+          <a:chExt cx="0" cy="0"/>
+        </a:xfrm>
+      </p:grpSpPr>
+      <p:sp>
+        <p:nvSpPr>
+          <p:cNvPr id="148" name="Shape 148"/>
+          <p:cNvSpPr txBox="1">
+            <a:spLocks noGrp="1"/>
+          </p:cNvSpPr>
+          <p:nvPr>
+            <p:ph type="title"/>
+          </p:nvPr>
+        </p:nvSpPr>
+        <p:spPr>
+          <a:xfrm>
+            <a:off x="192358" y="32689"/>
+            <a:ext cx="17661379" cy="1204842"/>
+          </a:xfrm>
+          <a:prstGeom prst="rect">
+            <a:avLst/>
+          </a:prstGeom>
+        </p:spPr>
+        <p:txBody>
+          <a:bodyPr lIns="182874" tIns="182874" rIns="182874" bIns="182874" anchor="ctr" anchorCtr="0">
+            <a:noAutofit/>
+          </a:bodyPr>
+          <a:lstStyle/>
+          <a:p>
+            <a:pPr algn="ctr"/>
+            <a:r>
+              <a:rPr lang="en" sz="4402" dirty="0"/>
+              <a:t>Dataset</a:t>
+            </a:r>
+          </a:p>
+        </p:txBody>
+      </p:sp>
+      <p:sp>
+        <p:nvSpPr>
+          <p:cNvPr id="149" name="Shape 149"/>
+          <p:cNvSpPr txBox="1">
+            <a:spLocks noGrp="1"/>
+          </p:cNvSpPr>
+          <p:nvPr>
+            <p:ph type="body" idx="4294967295"/>
+          </p:nvPr>
+        </p:nvSpPr>
+        <p:spPr>
+          <a:xfrm>
+            <a:off x="413459" y="1776131"/>
+            <a:ext cx="17440478" cy="8042873"/>
+          </a:xfrm>
+          <a:prstGeom prst="rect">
+            <a:avLst/>
+          </a:prstGeom>
+        </p:spPr>
+        <p:txBody>
+          <a:bodyPr lIns="182874" tIns="182874" rIns="182874" bIns="182874" anchor="t" anchorCtr="0">
+            <a:noAutofit/>
+          </a:bodyPr>
+          <a:lstStyle/>
+          <a:p>
+            <a:pPr marL="914507" indent="-711281">
+              <a:buClr>
+                <a:srgbClr val="434343"/>
+              </a:buClr>
+              <a:buChar char="●"/>
+            </a:pPr>
+            <a:r>
+              <a:rPr lang="en-US" sz="4002" dirty="0">
+                <a:solidFill>
+                  <a:srgbClr val="434343"/>
+                </a:solidFill>
+              </a:rPr>
+              <a:t>Working with yellow cab taxis in New York City </a:t>
+            </a:r>
+          </a:p>
+          <a:p>
+            <a:pPr marL="203226" lvl="1">
+              <a:buClr>
+                <a:srgbClr val="434343"/>
+              </a:buClr>
+            </a:pPr>
+            <a:r>
+              <a:rPr lang="en-US" sz="3801" dirty="0">
+                <a:solidFill>
+                  <a:srgbClr val="434343"/>
+                </a:solidFill>
+              </a:rPr>
+              <a:t>	</a:t>
+            </a:r>
+            <a:r>
+              <a:rPr lang="en-US" sz="2400" dirty="0">
+                <a:solidFill>
+                  <a:srgbClr val="434343"/>
+                </a:solidFill>
+                <a:hlinkClick r:id="rId3"/>
+              </a:rPr>
+              <a:t>https://goo.gl/maps/JLf7EkCzGsP2</a:t>
+            </a:r>
+            <a:endParaRPr lang="en-US" sz="2400" dirty="0">
+              <a:solidFill>
+                <a:srgbClr val="434343"/>
+              </a:solidFill>
+            </a:endParaRPr>
+          </a:p>
+          <a:p>
+            <a:pPr marL="914507" indent="-711281">
+              <a:buClr>
+                <a:srgbClr val="434343"/>
+              </a:buClr>
+              <a:buChar char="●"/>
+            </a:pPr>
+            <a:r>
+              <a:rPr lang="en-US" sz="4002" dirty="0">
+                <a:solidFill>
+                  <a:srgbClr val="434343"/>
+                </a:solidFill>
+              </a:rPr>
+              <a:t>A full set of taxi trip data for several years is available here:</a:t>
+            </a:r>
+          </a:p>
+          <a:p>
+            <a:pPr marL="203226">
+              <a:buClr>
+                <a:srgbClr val="434343"/>
+              </a:buClr>
+            </a:pPr>
+            <a:r>
+              <a:rPr lang="en-US" sz="4002" dirty="0">
+                <a:solidFill>
+                  <a:srgbClr val="434343"/>
+                </a:solidFill>
+              </a:rPr>
+              <a:t>	</a:t>
+            </a:r>
+            <a:r>
+              <a:rPr lang="en-US" sz="2400" dirty="0">
+                <a:solidFill>
+                  <a:srgbClr val="434343"/>
+                </a:solidFill>
+                <a:hlinkClick r:id="rId4"/>
+              </a:rPr>
+              <a:t>http://www.nyc.gov/html/tlc/html/about/trip_record_data.shtml</a:t>
+            </a:r>
+            <a:r>
+              <a:rPr lang="en-US" sz="2400" dirty="0">
+                <a:solidFill>
+                  <a:srgbClr val="434343"/>
+                </a:solidFill>
+              </a:rPr>
+              <a:t> </a:t>
+            </a:r>
+            <a:endParaRPr lang="en-US" sz="4002" dirty="0">
+              <a:solidFill>
+                <a:srgbClr val="434343"/>
+              </a:solidFill>
+            </a:endParaRPr>
+          </a:p>
+          <a:p>
+            <a:pPr marL="914507" indent="-711281">
+              <a:buClr>
+                <a:srgbClr val="434343"/>
+              </a:buClr>
+              <a:buChar char="●"/>
+            </a:pPr>
+            <a:r>
+              <a:rPr lang="en-US" sz="4002" dirty="0">
+                <a:solidFill>
+                  <a:srgbClr val="434343"/>
+                </a:solidFill>
+              </a:rPr>
+              <a:t>We will work with June 2018 data for this section </a:t>
+            </a:r>
+          </a:p>
+          <a:p>
+            <a:pPr marL="914507" indent="-711281">
+              <a:buClr>
+                <a:srgbClr val="434343"/>
+              </a:buClr>
+              <a:buChar char="●"/>
+            </a:pPr>
+            <a:r>
+              <a:rPr lang="en-US" sz="4002" dirty="0">
+                <a:solidFill>
+                  <a:srgbClr val="434343"/>
+                </a:solidFill>
+              </a:rPr>
+              <a:t>The relevant datasets are included in the repo with the code</a:t>
+            </a:r>
+            <a:endParaRPr lang="en-US" sz="3600" dirty="0">
+              <a:solidFill>
+                <a:srgbClr val="434343"/>
+              </a:solidFill>
+              <a:latin typeface="Consolas" panose="020B0609020204030204" pitchFamily="49" charset="0"/>
+              <a:cs typeface="Consolas" panose="020B0609020204030204" pitchFamily="49" charset="0"/>
+            </a:endParaRPr>
+          </a:p>
+          <a:p>
+            <a:pPr marL="203226">
+              <a:buClr>
+                <a:srgbClr val="434343"/>
+              </a:buClr>
+            </a:pPr>
+            <a:r>
+              <a:rPr lang="en-US" sz="3600" dirty="0">
+                <a:solidFill>
+                  <a:srgbClr val="434343"/>
+                </a:solidFill>
+                <a:latin typeface="Consolas" panose="020B0609020204030204" pitchFamily="49" charset="0"/>
+                <a:cs typeface="Consolas" panose="020B0609020204030204" pitchFamily="49" charset="0"/>
+              </a:rPr>
+              <a:t>	</a:t>
+            </a:r>
+            <a:endParaRPr lang="en-US" sz="4002" dirty="0">
+              <a:solidFill>
+                <a:srgbClr val="434343"/>
+              </a:solidFill>
+            </a:endParaRPr>
+          </a:p>
+          <a:p>
+            <a:pPr marL="914507" indent="-711281">
+              <a:buClr>
+                <a:srgbClr val="434343"/>
+              </a:buClr>
+              <a:buChar char="●"/>
+            </a:pPr>
+            <a:endParaRPr lang="en-US" sz="4002" dirty="0">
+              <a:solidFill>
+                <a:srgbClr val="434343"/>
+              </a:solidFill>
+            </a:endParaRPr>
+          </a:p>
+          <a:p>
+            <a:pPr marL="914507" indent="-711281">
+              <a:buClr>
+                <a:srgbClr val="434343"/>
+              </a:buClr>
+              <a:buChar char="●"/>
+            </a:pPr>
+            <a:endParaRPr lang="en-US" sz="4002" dirty="0">
+              <a:solidFill>
+                <a:srgbClr val="434343"/>
+              </a:solidFill>
+            </a:endParaRPr>
+          </a:p>
+          <a:p>
+            <a:pPr marL="914507" indent="-711281">
+              <a:buClr>
+                <a:srgbClr val="434343"/>
+              </a:buClr>
+              <a:buChar char="●"/>
+            </a:pPr>
+            <a:endParaRPr lang="en-US" sz="4002" dirty="0">
+              <a:solidFill>
+                <a:srgbClr val="434343"/>
+              </a:solidFill>
+            </a:endParaRPr>
+          </a:p>
+          <a:p>
+            <a:pPr marL="203226" lvl="1">
+              <a:buClr>
+                <a:srgbClr val="434343"/>
+              </a:buClr>
+            </a:pPr>
+            <a:r>
+              <a:rPr lang="en-GB" sz="3200" dirty="0">
+                <a:solidFill>
+                  <a:srgbClr val="434343"/>
+                </a:solidFill>
+                <a:latin typeface="Consolas" panose="020B0609020204030204" pitchFamily="49" charset="0"/>
+                <a:cs typeface="Consolas" panose="020B0609020204030204" pitchFamily="49" charset="0"/>
+              </a:rPr>
+              <a:t>		</a:t>
+            </a:r>
+            <a:endParaRPr lang="en-US" sz="4002" dirty="0">
+              <a:solidFill>
+                <a:srgbClr val="434343"/>
+              </a:solidFill>
+            </a:endParaRPr>
+          </a:p>
+          <a:p>
+            <a:pPr marL="774726" indent="-571500">
+              <a:buClr>
+                <a:srgbClr val="434343"/>
+              </a:buClr>
+              <a:buFont typeface="Arial" panose="020B0604020202020204" pitchFamily="34" charset="0"/>
+              <a:buChar char="•"/>
+            </a:pPr>
+            <a:endParaRPr lang="en" sz="4002" dirty="0">
+              <a:solidFill>
+                <a:srgbClr val="434343"/>
+              </a:solidFill>
+            </a:endParaRPr>
+          </a:p>
+        </p:txBody>
+      </p:sp>
+    </p:spTree>
+    <p:extLst>
+      <p:ext uri="{BB962C8B-B14F-4D97-AF65-F5344CB8AC3E}">
+        <p14:creationId xmlns:p14="http://schemas.microsoft.com/office/powerpoint/2010/main" val="2278846531"/>
+      </p:ext>
+    </p:extLst>
+  </p:cSld>
+  <p:clrMapOvr>
+    <a:masterClrMapping/>
+  </p:clrMapOvr>
+</p:sld>
+</file>
+
+<file path=ppt/slides/slide8.xml><?xml version="1.0" encoding="utf-8"?>
+<p:sld xmlns:a="http://schemas.openxmlformats.org/drawingml/2006/main" xmlns:r="http://schemas.openxmlformats.org/officeDocument/2006/relationships" xmlns:p="http://schemas.openxmlformats.org/presentationml/2006/main">
+  <p:cSld>
+    <p:bg>
+      <p:bgPr>
+        <a:solidFill>
+          <a:srgbClr val="F37021"/>
+        </a:solidFill>
+        <a:effectLst/>
+      </p:bgPr>
+    </p:bg>
+    <p:spTree>
+      <p:nvGrpSpPr>
+        <p:cNvPr id="1" name="Shape 154"/>
+        <p:cNvGrpSpPr/>
+        <p:nvPr/>
+      </p:nvGrpSpPr>
+      <p:grpSpPr>
+        <a:xfrm>
+          <a:off x="0" y="0"/>
+          <a:ext cx="0" cy="0"/>
+          <a:chOff x="0" y="0"/>
+          <a:chExt cx="0" cy="0"/>
+        </a:xfrm>
+      </p:grpSpPr>
+      <p:sp>
+        <p:nvSpPr>
+          <p:cNvPr id="155" name="Shape 155"/>
+          <p:cNvSpPr txBox="1">
+            <a:spLocks noGrp="1"/>
+          </p:cNvSpPr>
+          <p:nvPr>
+            <p:ph type="ctrTitle"/>
+          </p:nvPr>
+        </p:nvSpPr>
+        <p:spPr>
+          <a:xfrm>
+            <a:off x="777178" y="4207953"/>
+            <a:ext cx="16451820" cy="1866335"/>
+          </a:xfrm>
+          <a:prstGeom prst="rect">
+            <a:avLst/>
+          </a:prstGeom>
+        </p:spPr>
+        <p:txBody>
+          <a:bodyPr lIns="182874" tIns="182874" rIns="182874" bIns="182874" anchor="b" anchorCtr="0">
+            <a:noAutofit/>
+          </a:bodyPr>
+          <a:lstStyle/>
+          <a:p>
+            <a:pPr algn="ctr"/>
+            <a:r>
+              <a:rPr lang="en" dirty="0"/>
+              <a:t>3.2 Exploring the data</a:t>
+            </a:r>
+          </a:p>
+        </p:txBody>
+      </p:sp>
+    </p:spTree>
+    <p:extLst>
+      <p:ext uri="{BB962C8B-B14F-4D97-AF65-F5344CB8AC3E}">
+        <p14:creationId xmlns:p14="http://schemas.microsoft.com/office/powerpoint/2010/main" val="2140907078"/>
       </p:ext>
     </p:extLst>
   </p:cSld>
@@ -10244,7 +9880,7 @@
             <a:pPr algn="ctr"/>
             <a:r>
               <a:rPr lang="en" sz="4402" dirty="0"/>
-              <a:t>Environment</a:t>
+              <a:t>What we will cover</a:t>
             </a:r>
           </a:p>
         </p:txBody>
@@ -10286,23 +9922,23 @@
                   <a:srgbClr val="434343"/>
                 </a:solidFill>
               </a:rPr>
-              <a:t>This model requires a powerful </a:t>
-            </a:r>
-            <a:r>
-              <a:rPr lang="en-US" sz="4002" dirty="0" err="1">
-                <a:solidFill>
-                  <a:srgbClr val="434343"/>
-                </a:solidFill>
-              </a:rPr>
-              <a:t>PCwith</a:t>
-            </a:r>
+              <a:t>Trip data</a:t>
+            </a:r>
+          </a:p>
+          <a:p>
+            <a:pPr marL="914507" indent="-711281">
+              <a:buClr>
+                <a:srgbClr val="434343"/>
+              </a:buClr>
+              <a:buChar char="●"/>
+            </a:pPr>
             <a:r>
               <a:rPr lang="en-US" sz="4002" dirty="0">
                 <a:solidFill>
                   <a:srgbClr val="434343"/>
                 </a:solidFill>
               </a:rPr>
-              <a:t> a GPU, or use of a cloud GPU instance</a:t>
+              <a:t>Taxi zone data</a:t>
             </a:r>
           </a:p>
           <a:p>
@@ -10318,7 +9954,7 @@
                   <a:srgbClr val="434343"/>
                 </a:solidFill>
               </a:rPr>
-              <a:t>The dataset is large and required ~32GB of memory to pre-process</a:t>
+              <a:t>Weather data</a:t>
             </a:r>
           </a:p>
           <a:p>
@@ -10331,10 +9967,10 @@
             <a:r>
               <a:rPr lang="en-US" sz="4002" dirty="0">
                 <a:solidFill>
-                  <a:schemeClr val="tx2"/>
+                  <a:srgbClr val="434343"/>
                 </a:solidFill>
               </a:rPr>
-              <a:t>It took many hours to train to a level where the predicted angles were accurate enough for demo purposes</a:t>
+              <a:t>Bringing these together</a:t>
             </a:r>
           </a:p>
           <a:p>
@@ -10347,40 +9983,11 @@
             <a:r>
               <a:rPr lang="en-US" sz="4002" dirty="0">
                 <a:solidFill>
-                  <a:schemeClr val="tx2"/>
+                  <a:srgbClr val="434343"/>
                 </a:solidFill>
               </a:rPr>
-              <a:t>Please check Python version compatibility with </a:t>
-            </a:r>
-            <a:r>
-              <a:rPr lang="en-US" sz="4002" dirty="0" err="1">
-                <a:solidFill>
-                  <a:schemeClr val="tx2"/>
-                </a:solidFill>
-              </a:rPr>
-              <a:t>Tensorflow</a:t>
-            </a:r>
-            <a:r>
-              <a:rPr lang="en-US" sz="4002" dirty="0">
-                <a:solidFill>
-                  <a:schemeClr val="tx2"/>
-                </a:solidFill>
-              </a:rPr>
-              <a:t>!</a:t>
-            </a:r>
-          </a:p>
-          <a:p>
-            <a:pPr marL="914507" indent="-711281">
-              <a:buClr>
-                <a:srgbClr val="434343"/>
-              </a:buClr>
-              <a:buChar char="●"/>
-            </a:pPr>
-            <a:endParaRPr lang="en-US" sz="4002" dirty="0">
-              <a:solidFill>
-                <a:srgbClr val="434343"/>
-              </a:solidFill>
-            </a:endParaRPr>
+              <a:t>Feature engineering</a:t>
+            </a:r>
           </a:p>
           <a:p>
             <a:pPr marL="203226" lvl="1">
@@ -10423,7 +10030,7 @@
     </p:spTree>
     <p:extLst>
       <p:ext uri="{BB962C8B-B14F-4D97-AF65-F5344CB8AC3E}">
-        <p14:creationId xmlns:p14="http://schemas.microsoft.com/office/powerpoint/2010/main" val="3540321845"/>
+        <p14:creationId xmlns:p14="http://schemas.microsoft.com/office/powerpoint/2010/main" val="496600239"/>
       </p:ext>
     </p:extLst>
   </p:cSld>

--- a/3. Predicting Taxi Ride Duration/Slides/3.1.pptx
+++ b/3. Predicting Taxi Ride Duration/Slides/3.1.pptx
@@ -8634,8 +8634,28 @@
                   <a:srgbClr val="434343"/>
                 </a:solidFill>
               </a:rPr>
-              <a:t>Add additional features</a:t>
-            </a:r>
+              <a:t>Add </a:t>
+            </a:r>
+            <a:r>
+              <a:rPr lang="en-US" sz="4002">
+                <a:solidFill>
+                  <a:srgbClr val="434343"/>
+                </a:solidFill>
+              </a:rPr>
+              <a:t>additional features</a:t>
+            </a:r>
+          </a:p>
+          <a:p>
+            <a:pPr marL="203226">
+              <a:buClr>
+                <a:srgbClr val="434343"/>
+              </a:buClr>
+            </a:pPr>
+            <a:endParaRPr lang="en-US" sz="4002" dirty="0">
+              <a:solidFill>
+                <a:srgbClr val="434343"/>
+              </a:solidFill>
+            </a:endParaRPr>
           </a:p>
           <a:p>
             <a:pPr marL="914507" indent="-711281">
